--- a/graduate/Model/PPT/modify.pptx
+++ b/graduate/Model/PPT/modify.pptx
@@ -5,9 +5,7 @@
     <p:sldMasterId id="2147483648" r:id="rId1"/>
   </p:sldMasterIdLst>
   <p:sldIdLst>
-    <p:sldId id="258" r:id="rId2"/>
-    <p:sldId id="259" r:id="rId3"/>
-    <p:sldId id="260" r:id="rId4"/>
+    <p:sldId id="259" r:id="rId2"/>
   </p:sldIdLst>
   <p:sldSz cx="12192000" cy="6858000"/>
   <p:notesSz cx="6858000" cy="9144000"/>
@@ -3330,10 +3328,10 @@
       </p:grpSpPr>
       <p:sp>
         <p:nvSpPr>
-          <p:cNvPr id="4" name="平行四边形 3">
-            <a:extLst>
-              <a:ext uri="{FF2B5EF4-FFF2-40B4-BE49-F238E27FC236}">
-                <a16:creationId xmlns:a16="http://schemas.microsoft.com/office/drawing/2014/main" id="{0F040DE6-B998-46CE-BBEF-A161C4500587}"/>
+          <p:cNvPr id="175" name="平行四边形 174">
+            <a:extLst>
+              <a:ext uri="{FF2B5EF4-FFF2-40B4-BE49-F238E27FC236}">
+                <a16:creationId xmlns:a16="http://schemas.microsoft.com/office/drawing/2014/main" id="{0D700A6A-277F-0809-B4D4-8EB7FCE1E91E}"/>
               </a:ext>
             </a:extLst>
           </p:cNvPr>
@@ -3342,8 +3340,8 @@
         </p:nvSpPr>
         <p:spPr>
           <a:xfrm>
-            <a:off x="1580249" y="3298538"/>
-            <a:ext cx="5733374" cy="2148005"/>
+            <a:off x="5240224" y="3171995"/>
+            <a:ext cx="5777035" cy="2356255"/>
           </a:xfrm>
           <a:prstGeom prst="parallelogram">
             <a:avLst/>
@@ -3386,10 +3384,10 @@
       </p:sp>
       <p:sp>
         <p:nvSpPr>
-          <p:cNvPr id="32" name="椭圆 31">
-            <a:extLst>
-              <a:ext uri="{FF2B5EF4-FFF2-40B4-BE49-F238E27FC236}">
-                <a16:creationId xmlns:a16="http://schemas.microsoft.com/office/drawing/2014/main" id="{156A66D7-D4D0-4AFE-B8E3-B462DE211ED2}"/>
+          <p:cNvPr id="174" name="平行四边形 173">
+            <a:extLst>
+              <a:ext uri="{FF2B5EF4-FFF2-40B4-BE49-F238E27FC236}">
+                <a16:creationId xmlns:a16="http://schemas.microsoft.com/office/drawing/2014/main" id="{2CC5F163-A6D8-8E0C-224B-A4B5CB972087}"/>
               </a:ext>
             </a:extLst>
           </p:cNvPr>
@@ -3398,7 +3396,175 @@
         </p:nvSpPr>
         <p:spPr>
           <a:xfrm>
-            <a:off x="3076659" y="3493624"/>
+            <a:off x="22842" y="3178615"/>
+            <a:ext cx="5777035" cy="2356255"/>
+          </a:xfrm>
+          <a:prstGeom prst="parallelogram">
+            <a:avLst/>
+          </a:prstGeom>
+          <a:solidFill>
+            <a:schemeClr val="accent6">
+              <a:lumMod val="75000"/>
+            </a:schemeClr>
+          </a:solidFill>
+          <a:ln w="3175">
+            <a:solidFill>
+              <a:srgbClr val="92D050"/>
+            </a:solidFill>
+          </a:ln>
+        </p:spPr>
+        <p:style>
+          <a:lnRef idx="2">
+            <a:schemeClr val="accent1">
+              <a:shade val="50000"/>
+            </a:schemeClr>
+          </a:lnRef>
+          <a:fillRef idx="1">
+            <a:schemeClr val="accent1"/>
+          </a:fillRef>
+          <a:effectRef idx="0">
+            <a:schemeClr val="accent1"/>
+          </a:effectRef>
+          <a:fontRef idx="minor">
+            <a:schemeClr val="lt1"/>
+          </a:fontRef>
+        </p:style>
+        <p:txBody>
+          <a:bodyPr rtlCol="0" anchor="ctr"/>
+          <a:lstStyle/>
+          <a:p>
+            <a:pPr algn="ctr"/>
+            <a:endParaRPr lang="zh-CN" altLang="en-US" dirty="0"/>
+          </a:p>
+        </p:txBody>
+      </p:sp>
+      <p:sp>
+        <p:nvSpPr>
+          <p:cNvPr id="173" name="平行四边形 172">
+            <a:extLst>
+              <a:ext uri="{FF2B5EF4-FFF2-40B4-BE49-F238E27FC236}">
+                <a16:creationId xmlns:a16="http://schemas.microsoft.com/office/drawing/2014/main" id="{2F358C35-AF1F-2F41-BF33-B26C2F7C8DF6}"/>
+              </a:ext>
+            </a:extLst>
+          </p:cNvPr>
+          <p:cNvSpPr/>
+          <p:nvPr/>
+        </p:nvSpPr>
+        <p:spPr>
+          <a:xfrm>
+            <a:off x="592466" y="787145"/>
+            <a:ext cx="5777035" cy="2356255"/>
+          </a:xfrm>
+          <a:prstGeom prst="parallelogram">
+            <a:avLst/>
+          </a:prstGeom>
+          <a:solidFill>
+            <a:schemeClr val="accent6">
+              <a:lumMod val="75000"/>
+            </a:schemeClr>
+          </a:solidFill>
+          <a:ln w="3175">
+            <a:solidFill>
+              <a:srgbClr val="92D050"/>
+            </a:solidFill>
+          </a:ln>
+        </p:spPr>
+        <p:style>
+          <a:lnRef idx="2">
+            <a:schemeClr val="accent1">
+              <a:shade val="50000"/>
+            </a:schemeClr>
+          </a:lnRef>
+          <a:fillRef idx="1">
+            <a:schemeClr val="accent1"/>
+          </a:fillRef>
+          <a:effectRef idx="0">
+            <a:schemeClr val="accent1"/>
+          </a:effectRef>
+          <a:fontRef idx="minor">
+            <a:schemeClr val="lt1"/>
+          </a:fontRef>
+        </p:style>
+        <p:txBody>
+          <a:bodyPr rtlCol="0" anchor="ctr"/>
+          <a:lstStyle/>
+          <a:p>
+            <a:pPr algn="ctr"/>
+            <a:endParaRPr lang="zh-CN" altLang="en-US"/>
+          </a:p>
+        </p:txBody>
+      </p:sp>
+      <p:sp>
+        <p:nvSpPr>
+          <p:cNvPr id="154" name="平行四边形 153">
+            <a:extLst>
+              <a:ext uri="{FF2B5EF4-FFF2-40B4-BE49-F238E27FC236}">
+                <a16:creationId xmlns:a16="http://schemas.microsoft.com/office/drawing/2014/main" id="{395D2D1D-9F52-8EDF-FEF6-143A4E4B608F}"/>
+              </a:ext>
+            </a:extLst>
+          </p:cNvPr>
+          <p:cNvSpPr/>
+          <p:nvPr/>
+        </p:nvSpPr>
+        <p:spPr>
+          <a:xfrm>
+            <a:off x="5833923" y="784038"/>
+            <a:ext cx="5777035" cy="2356255"/>
+          </a:xfrm>
+          <a:prstGeom prst="parallelogram">
+            <a:avLst/>
+          </a:prstGeom>
+          <a:solidFill>
+            <a:schemeClr val="accent6">
+              <a:lumMod val="75000"/>
+            </a:schemeClr>
+          </a:solidFill>
+          <a:ln w="3175">
+            <a:solidFill>
+              <a:srgbClr val="92D050"/>
+            </a:solidFill>
+          </a:ln>
+        </p:spPr>
+        <p:style>
+          <a:lnRef idx="2">
+            <a:schemeClr val="accent1">
+              <a:shade val="50000"/>
+            </a:schemeClr>
+          </a:lnRef>
+          <a:fillRef idx="1">
+            <a:schemeClr val="accent1"/>
+          </a:fillRef>
+          <a:effectRef idx="0">
+            <a:schemeClr val="accent1"/>
+          </a:effectRef>
+          <a:fontRef idx="minor">
+            <a:schemeClr val="lt1"/>
+          </a:fontRef>
+        </p:style>
+        <p:txBody>
+          <a:bodyPr rtlCol="0" anchor="ctr"/>
+          <a:lstStyle/>
+          <a:p>
+            <a:pPr algn="ctr"/>
+            <a:endParaRPr lang="zh-CN" altLang="en-US"/>
+          </a:p>
+        </p:txBody>
+      </p:sp>
+      <p:sp>
+        <p:nvSpPr>
+          <p:cNvPr id="155" name="椭圆 154">
+            <a:extLst>
+              <a:ext uri="{FF2B5EF4-FFF2-40B4-BE49-F238E27FC236}">
+                <a16:creationId xmlns:a16="http://schemas.microsoft.com/office/drawing/2014/main" id="{0E4C9785-B04C-0A71-3E0D-480D4295B1BF}"/>
+              </a:ext>
+            </a:extLst>
+          </p:cNvPr>
+          <p:cNvSpPr/>
+          <p:nvPr/>
+        </p:nvSpPr>
+        <p:spPr>
+          <a:xfrm>
+            <a:off x="7325813" y="937587"/>
             <a:ext cx="481012" cy="311322"/>
           </a:xfrm>
           <a:prstGeom prst="ellipse">
@@ -3438,12 +3604,880 @@
           </a:p>
         </p:txBody>
       </p:sp>
+      <p:sp>
+        <p:nvSpPr>
+          <p:cNvPr id="157" name="椭圆 156">
+            <a:extLst>
+              <a:ext uri="{FF2B5EF4-FFF2-40B4-BE49-F238E27FC236}">
+                <a16:creationId xmlns:a16="http://schemas.microsoft.com/office/drawing/2014/main" id="{F3F7E773-0D2C-C74E-56B1-94D53E65347C}"/>
+              </a:ext>
+            </a:extLst>
+          </p:cNvPr>
+          <p:cNvSpPr/>
+          <p:nvPr/>
+        </p:nvSpPr>
+        <p:spPr>
+          <a:xfrm>
+            <a:off x="7455583" y="1740068"/>
+            <a:ext cx="579694" cy="424216"/>
+          </a:xfrm>
+          <a:prstGeom prst="ellipse">
+            <a:avLst/>
+          </a:prstGeom>
+          <a:solidFill>
+            <a:srgbClr val="99FF66"/>
+          </a:solidFill>
+          <a:ln>
+            <a:solidFill>
+              <a:srgbClr val="99FF66"/>
+            </a:solidFill>
+          </a:ln>
+        </p:spPr>
+        <p:style>
+          <a:lnRef idx="2">
+            <a:schemeClr val="accent1">
+              <a:shade val="50000"/>
+            </a:schemeClr>
+          </a:lnRef>
+          <a:fillRef idx="1">
+            <a:schemeClr val="accent1"/>
+          </a:fillRef>
+          <a:effectRef idx="0">
+            <a:schemeClr val="accent1"/>
+          </a:effectRef>
+          <a:fontRef idx="minor">
+            <a:schemeClr val="lt1"/>
+          </a:fontRef>
+        </p:style>
+        <p:txBody>
+          <a:bodyPr rtlCol="0" anchor="ctr"/>
+          <a:lstStyle/>
+          <a:p>
+            <a:pPr algn="ctr"/>
+            <a:endParaRPr lang="zh-CN" altLang="en-US"/>
+          </a:p>
+        </p:txBody>
+      </p:sp>
+      <p:sp>
+        <p:nvSpPr>
+          <p:cNvPr id="158" name="椭圆 157">
+            <a:extLst>
+              <a:ext uri="{FF2B5EF4-FFF2-40B4-BE49-F238E27FC236}">
+                <a16:creationId xmlns:a16="http://schemas.microsoft.com/office/drawing/2014/main" id="{0EE516DD-ECF8-BD5C-B562-B9311E78212D}"/>
+              </a:ext>
+            </a:extLst>
+          </p:cNvPr>
+          <p:cNvSpPr/>
+          <p:nvPr/>
+        </p:nvSpPr>
+        <p:spPr>
+          <a:xfrm>
+            <a:off x="9875346" y="2167254"/>
+            <a:ext cx="950714" cy="499594"/>
+          </a:xfrm>
+          <a:prstGeom prst="ellipse">
+            <a:avLst/>
+          </a:prstGeom>
+          <a:solidFill>
+            <a:schemeClr val="accent4">
+              <a:lumMod val="20000"/>
+              <a:lumOff val="80000"/>
+            </a:schemeClr>
+          </a:solidFill>
+          <a:ln>
+            <a:solidFill>
+              <a:schemeClr val="accent4">
+                <a:lumMod val="20000"/>
+                <a:lumOff val="80000"/>
+              </a:schemeClr>
+            </a:solidFill>
+          </a:ln>
+        </p:spPr>
+        <p:style>
+          <a:lnRef idx="2">
+            <a:schemeClr val="accent1">
+              <a:shade val="50000"/>
+            </a:schemeClr>
+          </a:lnRef>
+          <a:fillRef idx="1">
+            <a:schemeClr val="accent1"/>
+          </a:fillRef>
+          <a:effectRef idx="0">
+            <a:schemeClr val="accent1"/>
+          </a:effectRef>
+          <a:fontRef idx="minor">
+            <a:schemeClr val="lt1"/>
+          </a:fontRef>
+        </p:style>
+        <p:txBody>
+          <a:bodyPr rtlCol="0" anchor="ctr"/>
+          <a:lstStyle/>
+          <a:p>
+            <a:pPr algn="ctr"/>
+            <a:endParaRPr lang="zh-CN" altLang="en-US"/>
+          </a:p>
+        </p:txBody>
+      </p:sp>
+      <p:sp>
+        <p:nvSpPr>
+          <p:cNvPr id="159" name="椭圆 158">
+            <a:extLst>
+              <a:ext uri="{FF2B5EF4-FFF2-40B4-BE49-F238E27FC236}">
+                <a16:creationId xmlns:a16="http://schemas.microsoft.com/office/drawing/2014/main" id="{4F412835-2CB2-50F0-48A5-9F4C8C3FF2D8}"/>
+              </a:ext>
+            </a:extLst>
+          </p:cNvPr>
+          <p:cNvSpPr/>
+          <p:nvPr/>
+        </p:nvSpPr>
+        <p:spPr>
+          <a:xfrm>
+            <a:off x="7881479" y="2556408"/>
+            <a:ext cx="404869" cy="243939"/>
+          </a:xfrm>
+          <a:prstGeom prst="ellipse">
+            <a:avLst/>
+          </a:prstGeom>
+          <a:solidFill>
+            <a:schemeClr val="accent6">
+              <a:lumMod val="20000"/>
+              <a:lumOff val="80000"/>
+            </a:schemeClr>
+          </a:solidFill>
+          <a:ln>
+            <a:solidFill>
+              <a:schemeClr val="accent6">
+                <a:lumMod val="20000"/>
+                <a:lumOff val="80000"/>
+              </a:schemeClr>
+            </a:solidFill>
+          </a:ln>
+        </p:spPr>
+        <p:style>
+          <a:lnRef idx="2">
+            <a:schemeClr val="accent1">
+              <a:shade val="50000"/>
+            </a:schemeClr>
+          </a:lnRef>
+          <a:fillRef idx="1">
+            <a:schemeClr val="accent1"/>
+          </a:fillRef>
+          <a:effectRef idx="0">
+            <a:schemeClr val="accent1"/>
+          </a:effectRef>
+          <a:fontRef idx="minor">
+            <a:schemeClr val="lt1"/>
+          </a:fontRef>
+        </p:style>
+        <p:txBody>
+          <a:bodyPr rtlCol="0" anchor="ctr"/>
+          <a:lstStyle/>
+          <a:p>
+            <a:pPr algn="ctr"/>
+            <a:endParaRPr lang="zh-CN" altLang="en-US" dirty="0"/>
+          </a:p>
+        </p:txBody>
+      </p:sp>
+      <p:sp>
+        <p:nvSpPr>
+          <p:cNvPr id="160" name="椭圆 159">
+            <a:extLst>
+              <a:ext uri="{FF2B5EF4-FFF2-40B4-BE49-F238E27FC236}">
+                <a16:creationId xmlns:a16="http://schemas.microsoft.com/office/drawing/2014/main" id="{C0F1D220-FA34-D9F1-84C8-9D450CB5DED7}"/>
+              </a:ext>
+            </a:extLst>
+          </p:cNvPr>
+          <p:cNvSpPr/>
+          <p:nvPr/>
+        </p:nvSpPr>
+        <p:spPr>
+          <a:xfrm>
+            <a:off x="7004988" y="2666848"/>
+            <a:ext cx="320825" cy="187186"/>
+          </a:xfrm>
+          <a:prstGeom prst="ellipse">
+            <a:avLst/>
+          </a:prstGeom>
+          <a:solidFill>
+            <a:schemeClr val="accent6"/>
+          </a:solidFill>
+          <a:ln>
+            <a:solidFill>
+              <a:schemeClr val="accent6"/>
+            </a:solidFill>
+          </a:ln>
+        </p:spPr>
+        <p:style>
+          <a:lnRef idx="2">
+            <a:schemeClr val="accent1">
+              <a:shade val="50000"/>
+            </a:schemeClr>
+          </a:lnRef>
+          <a:fillRef idx="1">
+            <a:schemeClr val="accent1"/>
+          </a:fillRef>
+          <a:effectRef idx="0">
+            <a:schemeClr val="accent1"/>
+          </a:effectRef>
+          <a:fontRef idx="minor">
+            <a:schemeClr val="lt1"/>
+          </a:fontRef>
+        </p:style>
+        <p:txBody>
+          <a:bodyPr rtlCol="0" anchor="ctr"/>
+          <a:lstStyle/>
+          <a:p>
+            <a:pPr algn="ctr"/>
+            <a:endParaRPr lang="zh-CN" altLang="en-US"/>
+          </a:p>
+        </p:txBody>
+      </p:sp>
+      <p:sp>
+        <p:nvSpPr>
+          <p:cNvPr id="161" name="椭圆 160">
+            <a:extLst>
+              <a:ext uri="{FF2B5EF4-FFF2-40B4-BE49-F238E27FC236}">
+                <a16:creationId xmlns:a16="http://schemas.microsoft.com/office/drawing/2014/main" id="{6E1A0D53-FCF4-64C6-F2A9-F95704601E72}"/>
+              </a:ext>
+            </a:extLst>
+          </p:cNvPr>
+          <p:cNvSpPr/>
+          <p:nvPr/>
+        </p:nvSpPr>
+        <p:spPr>
+          <a:xfrm>
+            <a:off x="8578256" y="906062"/>
+            <a:ext cx="320825" cy="187186"/>
+          </a:xfrm>
+          <a:prstGeom prst="ellipse">
+            <a:avLst/>
+          </a:prstGeom>
+          <a:solidFill>
+            <a:schemeClr val="accent6">
+              <a:lumMod val="60000"/>
+              <a:lumOff val="40000"/>
+            </a:schemeClr>
+          </a:solidFill>
+          <a:ln>
+            <a:solidFill>
+              <a:schemeClr val="accent6">
+                <a:lumMod val="60000"/>
+                <a:lumOff val="40000"/>
+              </a:schemeClr>
+            </a:solidFill>
+          </a:ln>
+        </p:spPr>
+        <p:style>
+          <a:lnRef idx="2">
+            <a:schemeClr val="accent1">
+              <a:shade val="50000"/>
+            </a:schemeClr>
+          </a:lnRef>
+          <a:fillRef idx="1">
+            <a:schemeClr val="accent1"/>
+          </a:fillRef>
+          <a:effectRef idx="0">
+            <a:schemeClr val="accent1"/>
+          </a:effectRef>
+          <a:fontRef idx="minor">
+            <a:schemeClr val="lt1"/>
+          </a:fontRef>
+        </p:style>
+        <p:txBody>
+          <a:bodyPr rtlCol="0" anchor="ctr"/>
+          <a:lstStyle/>
+          <a:p>
+            <a:pPr algn="ctr"/>
+            <a:endParaRPr lang="zh-CN" altLang="en-US"/>
+          </a:p>
+        </p:txBody>
+      </p:sp>
+      <p:sp>
+        <p:nvSpPr>
+          <p:cNvPr id="162" name="椭圆 161">
+            <a:extLst>
+              <a:ext uri="{FF2B5EF4-FFF2-40B4-BE49-F238E27FC236}">
+                <a16:creationId xmlns:a16="http://schemas.microsoft.com/office/drawing/2014/main" id="{5F477091-2625-0110-FD54-D3CD597D7D2F}"/>
+              </a:ext>
+            </a:extLst>
+          </p:cNvPr>
+          <p:cNvSpPr/>
+          <p:nvPr/>
+        </p:nvSpPr>
+        <p:spPr>
+          <a:xfrm>
+            <a:off x="10365951" y="1178661"/>
+            <a:ext cx="266247" cy="163942"/>
+          </a:xfrm>
+          <a:prstGeom prst="ellipse">
+            <a:avLst/>
+          </a:prstGeom>
+          <a:solidFill>
+            <a:schemeClr val="accent6">
+              <a:lumMod val="40000"/>
+              <a:lumOff val="60000"/>
+            </a:schemeClr>
+          </a:solidFill>
+          <a:ln>
+            <a:solidFill>
+              <a:schemeClr val="accent6">
+                <a:lumMod val="40000"/>
+                <a:lumOff val="60000"/>
+              </a:schemeClr>
+            </a:solidFill>
+          </a:ln>
+        </p:spPr>
+        <p:style>
+          <a:lnRef idx="2">
+            <a:schemeClr val="accent1">
+              <a:shade val="50000"/>
+            </a:schemeClr>
+          </a:lnRef>
+          <a:fillRef idx="1">
+            <a:schemeClr val="accent1"/>
+          </a:fillRef>
+          <a:effectRef idx="0">
+            <a:schemeClr val="accent1"/>
+          </a:effectRef>
+          <a:fontRef idx="minor">
+            <a:schemeClr val="lt1"/>
+          </a:fontRef>
+        </p:style>
+        <p:txBody>
+          <a:bodyPr rtlCol="0" anchor="ctr"/>
+          <a:lstStyle/>
+          <a:p>
+            <a:pPr algn="ctr"/>
+            <a:endParaRPr lang="zh-CN" altLang="en-US"/>
+          </a:p>
+        </p:txBody>
+      </p:sp>
+      <p:sp>
+        <p:nvSpPr>
+          <p:cNvPr id="163" name="椭圆 162">
+            <a:extLst>
+              <a:ext uri="{FF2B5EF4-FFF2-40B4-BE49-F238E27FC236}">
+                <a16:creationId xmlns:a16="http://schemas.microsoft.com/office/drawing/2014/main" id="{AF68146F-A90E-3EEF-634B-F0BE41B70B6C}"/>
+              </a:ext>
+            </a:extLst>
+          </p:cNvPr>
+          <p:cNvSpPr/>
+          <p:nvPr/>
+        </p:nvSpPr>
+        <p:spPr>
+          <a:xfrm>
+            <a:off x="9003862" y="1646475"/>
+            <a:ext cx="320825" cy="187186"/>
+          </a:xfrm>
+          <a:prstGeom prst="ellipse">
+            <a:avLst/>
+          </a:prstGeom>
+          <a:solidFill>
+            <a:schemeClr val="accent4">
+              <a:lumMod val="60000"/>
+              <a:lumOff val="40000"/>
+            </a:schemeClr>
+          </a:solidFill>
+          <a:ln>
+            <a:solidFill>
+              <a:schemeClr val="accent4">
+                <a:lumMod val="60000"/>
+                <a:lumOff val="40000"/>
+              </a:schemeClr>
+            </a:solidFill>
+          </a:ln>
+        </p:spPr>
+        <p:style>
+          <a:lnRef idx="2">
+            <a:schemeClr val="accent1">
+              <a:shade val="50000"/>
+            </a:schemeClr>
+          </a:lnRef>
+          <a:fillRef idx="1">
+            <a:schemeClr val="accent1"/>
+          </a:fillRef>
+          <a:effectRef idx="0">
+            <a:schemeClr val="accent1"/>
+          </a:effectRef>
+          <a:fontRef idx="minor">
+            <a:schemeClr val="lt1"/>
+          </a:fontRef>
+        </p:style>
+        <p:txBody>
+          <a:bodyPr rtlCol="0" anchor="ctr"/>
+          <a:lstStyle/>
+          <a:p>
+            <a:pPr algn="ctr"/>
+            <a:endParaRPr lang="zh-CN" altLang="en-US" dirty="0"/>
+          </a:p>
+        </p:txBody>
+      </p:sp>
+      <p:cxnSp>
+        <p:nvCxnSpPr>
+          <p:cNvPr id="164" name="直接连接符 163">
+            <a:extLst>
+              <a:ext uri="{FF2B5EF4-FFF2-40B4-BE49-F238E27FC236}">
+                <a16:creationId xmlns:a16="http://schemas.microsoft.com/office/drawing/2014/main" id="{84FC7E00-83B0-FB16-FBAA-7FF3919B5C5C}"/>
+              </a:ext>
+            </a:extLst>
+          </p:cNvPr>
+          <p:cNvCxnSpPr>
+            <a:cxnSpLocks/>
+            <a:stCxn id="162" idx="2"/>
+          </p:cNvCxnSpPr>
+          <p:nvPr/>
+        </p:nvCxnSpPr>
+        <p:spPr>
+          <a:xfrm flipH="1" flipV="1">
+            <a:off x="8913239" y="999656"/>
+            <a:ext cx="1452712" cy="260976"/>
+          </a:xfrm>
+          <a:prstGeom prst="line">
+            <a:avLst/>
+          </a:prstGeom>
+          <a:ln>
+            <a:solidFill>
+              <a:srgbClr val="FF0000"/>
+            </a:solidFill>
+            <a:prstDash val="dash"/>
+          </a:ln>
+        </p:spPr>
+        <p:style>
+          <a:lnRef idx="1">
+            <a:schemeClr val="accent1"/>
+          </a:lnRef>
+          <a:fillRef idx="0">
+            <a:schemeClr val="accent1"/>
+          </a:fillRef>
+          <a:effectRef idx="0">
+            <a:schemeClr val="accent1"/>
+          </a:effectRef>
+          <a:fontRef idx="minor">
+            <a:schemeClr val="tx1"/>
+          </a:fontRef>
+        </p:style>
+      </p:cxnSp>
+      <p:cxnSp>
+        <p:nvCxnSpPr>
+          <p:cNvPr id="165" name="直接连接符 164">
+            <a:extLst>
+              <a:ext uri="{FF2B5EF4-FFF2-40B4-BE49-F238E27FC236}">
+                <a16:creationId xmlns:a16="http://schemas.microsoft.com/office/drawing/2014/main" id="{7D921121-97E9-14F0-C2F9-2A7E7083622F}"/>
+              </a:ext>
+            </a:extLst>
+          </p:cNvPr>
+          <p:cNvCxnSpPr>
+            <a:cxnSpLocks/>
+            <a:endCxn id="158" idx="0"/>
+          </p:cNvCxnSpPr>
+          <p:nvPr/>
+        </p:nvCxnSpPr>
+        <p:spPr>
+          <a:xfrm flipH="1">
+            <a:off x="10350703" y="1342603"/>
+            <a:ext cx="135899" cy="824651"/>
+          </a:xfrm>
+          <a:prstGeom prst="line">
+            <a:avLst/>
+          </a:prstGeom>
+          <a:ln>
+            <a:solidFill>
+              <a:srgbClr val="FF0000"/>
+            </a:solidFill>
+            <a:prstDash val="dash"/>
+          </a:ln>
+        </p:spPr>
+        <p:style>
+          <a:lnRef idx="1">
+            <a:schemeClr val="accent1"/>
+          </a:lnRef>
+          <a:fillRef idx="0">
+            <a:schemeClr val="accent1"/>
+          </a:fillRef>
+          <a:effectRef idx="0">
+            <a:schemeClr val="accent1"/>
+          </a:effectRef>
+          <a:fontRef idx="minor">
+            <a:schemeClr val="tx1"/>
+          </a:fontRef>
+        </p:style>
+      </p:cxnSp>
+      <p:cxnSp>
+        <p:nvCxnSpPr>
+          <p:cNvPr id="166" name="直接连接符 165">
+            <a:extLst>
+              <a:ext uri="{FF2B5EF4-FFF2-40B4-BE49-F238E27FC236}">
+                <a16:creationId xmlns:a16="http://schemas.microsoft.com/office/drawing/2014/main" id="{D5BA3C07-DD06-296C-AC65-E6718E69C4F8}"/>
+              </a:ext>
+            </a:extLst>
+          </p:cNvPr>
+          <p:cNvCxnSpPr>
+            <a:cxnSpLocks/>
+            <a:endCxn id="155" idx="3"/>
+          </p:cNvCxnSpPr>
+          <p:nvPr/>
+        </p:nvCxnSpPr>
+        <p:spPr>
+          <a:xfrm flipV="1">
+            <a:off x="6959017" y="1203317"/>
+            <a:ext cx="437239" cy="139286"/>
+          </a:xfrm>
+          <a:prstGeom prst="line">
+            <a:avLst/>
+          </a:prstGeom>
+          <a:ln>
+            <a:solidFill>
+              <a:srgbClr val="FF0000"/>
+            </a:solidFill>
+            <a:prstDash val="dash"/>
+          </a:ln>
+        </p:spPr>
+        <p:style>
+          <a:lnRef idx="1">
+            <a:schemeClr val="accent1"/>
+          </a:lnRef>
+          <a:fillRef idx="0">
+            <a:schemeClr val="accent1"/>
+          </a:fillRef>
+          <a:effectRef idx="0">
+            <a:schemeClr val="accent1"/>
+          </a:effectRef>
+          <a:fontRef idx="minor">
+            <a:schemeClr val="tx1"/>
+          </a:fontRef>
+        </p:style>
+      </p:cxnSp>
+      <p:cxnSp>
+        <p:nvCxnSpPr>
+          <p:cNvPr id="167" name="直接连接符 166">
+            <a:extLst>
+              <a:ext uri="{FF2B5EF4-FFF2-40B4-BE49-F238E27FC236}">
+                <a16:creationId xmlns:a16="http://schemas.microsoft.com/office/drawing/2014/main" id="{5EFC689A-C122-A0AB-B1AA-B35037A7B3B0}"/>
+              </a:ext>
+            </a:extLst>
+          </p:cNvPr>
+          <p:cNvCxnSpPr>
+            <a:cxnSpLocks/>
+            <a:stCxn id="157" idx="2"/>
+          </p:cNvCxnSpPr>
+          <p:nvPr/>
+        </p:nvCxnSpPr>
+        <p:spPr>
+          <a:xfrm flipH="1" flipV="1">
+            <a:off x="6939623" y="1589124"/>
+            <a:ext cx="515960" cy="363052"/>
+          </a:xfrm>
+          <a:prstGeom prst="line">
+            <a:avLst/>
+          </a:prstGeom>
+          <a:ln>
+            <a:solidFill>
+              <a:srgbClr val="FF0000"/>
+            </a:solidFill>
+            <a:prstDash val="dash"/>
+          </a:ln>
+        </p:spPr>
+        <p:style>
+          <a:lnRef idx="1">
+            <a:schemeClr val="accent1"/>
+          </a:lnRef>
+          <a:fillRef idx="0">
+            <a:schemeClr val="accent1"/>
+          </a:fillRef>
+          <a:effectRef idx="0">
+            <a:schemeClr val="accent1"/>
+          </a:effectRef>
+          <a:fontRef idx="minor">
+            <a:schemeClr val="tx1"/>
+          </a:fontRef>
+        </p:style>
+      </p:cxnSp>
+      <p:cxnSp>
+        <p:nvCxnSpPr>
+          <p:cNvPr id="168" name="直接连接符 167">
+            <a:extLst>
+              <a:ext uri="{FF2B5EF4-FFF2-40B4-BE49-F238E27FC236}">
+                <a16:creationId xmlns:a16="http://schemas.microsoft.com/office/drawing/2014/main" id="{EED25E8A-11FA-6E64-8F68-63723696586E}"/>
+              </a:ext>
+            </a:extLst>
+          </p:cNvPr>
+          <p:cNvCxnSpPr>
+            <a:cxnSpLocks/>
+            <a:endCxn id="157" idx="3"/>
+          </p:cNvCxnSpPr>
+          <p:nvPr/>
+        </p:nvCxnSpPr>
+        <p:spPr>
+          <a:xfrm flipV="1">
+            <a:off x="7165400" y="2102159"/>
+            <a:ext cx="375077" cy="564690"/>
+          </a:xfrm>
+          <a:prstGeom prst="line">
+            <a:avLst/>
+          </a:prstGeom>
+          <a:ln>
+            <a:solidFill>
+              <a:srgbClr val="FF0000"/>
+            </a:solidFill>
+            <a:prstDash val="dash"/>
+          </a:ln>
+        </p:spPr>
+        <p:style>
+          <a:lnRef idx="1">
+            <a:schemeClr val="accent1"/>
+          </a:lnRef>
+          <a:fillRef idx="0">
+            <a:schemeClr val="accent1"/>
+          </a:fillRef>
+          <a:effectRef idx="0">
+            <a:schemeClr val="accent1"/>
+          </a:effectRef>
+          <a:fontRef idx="minor">
+            <a:schemeClr val="tx1"/>
+          </a:fontRef>
+        </p:style>
+      </p:cxnSp>
+      <p:cxnSp>
+        <p:nvCxnSpPr>
+          <p:cNvPr id="169" name="直接连接符 168">
+            <a:extLst>
+              <a:ext uri="{FF2B5EF4-FFF2-40B4-BE49-F238E27FC236}">
+                <a16:creationId xmlns:a16="http://schemas.microsoft.com/office/drawing/2014/main" id="{BECDC0C4-2B8A-4C6C-20DB-9FD8A6C22DD9}"/>
+              </a:ext>
+            </a:extLst>
+          </p:cNvPr>
+          <p:cNvCxnSpPr>
+            <a:cxnSpLocks/>
+            <a:stCxn id="160" idx="6"/>
+            <a:endCxn id="159" idx="2"/>
+          </p:cNvCxnSpPr>
+          <p:nvPr/>
+        </p:nvCxnSpPr>
+        <p:spPr>
+          <a:xfrm flipV="1">
+            <a:off x="7325813" y="2678378"/>
+            <a:ext cx="555666" cy="82063"/>
+          </a:xfrm>
+          <a:prstGeom prst="line">
+            <a:avLst/>
+          </a:prstGeom>
+          <a:ln>
+            <a:solidFill>
+              <a:srgbClr val="FF0000"/>
+            </a:solidFill>
+            <a:prstDash val="dash"/>
+          </a:ln>
+        </p:spPr>
+        <p:style>
+          <a:lnRef idx="1">
+            <a:schemeClr val="accent1"/>
+          </a:lnRef>
+          <a:fillRef idx="0">
+            <a:schemeClr val="accent1"/>
+          </a:fillRef>
+          <a:effectRef idx="0">
+            <a:schemeClr val="accent1"/>
+          </a:effectRef>
+          <a:fontRef idx="minor">
+            <a:schemeClr val="tx1"/>
+          </a:fontRef>
+        </p:style>
+      </p:cxnSp>
+      <p:cxnSp>
+        <p:nvCxnSpPr>
+          <p:cNvPr id="170" name="直接连接符 169">
+            <a:extLst>
+              <a:ext uri="{FF2B5EF4-FFF2-40B4-BE49-F238E27FC236}">
+                <a16:creationId xmlns:a16="http://schemas.microsoft.com/office/drawing/2014/main" id="{E59CE3A6-14AE-A40D-A3CF-47F18FB63D47}"/>
+              </a:ext>
+            </a:extLst>
+          </p:cNvPr>
+          <p:cNvCxnSpPr>
+            <a:cxnSpLocks/>
+            <a:stCxn id="159" idx="7"/>
+          </p:cNvCxnSpPr>
+          <p:nvPr/>
+        </p:nvCxnSpPr>
+        <p:spPr>
+          <a:xfrm flipV="1">
+            <a:off x="8227056" y="1833662"/>
+            <a:ext cx="878367" cy="758470"/>
+          </a:xfrm>
+          <a:prstGeom prst="line">
+            <a:avLst/>
+          </a:prstGeom>
+          <a:ln>
+            <a:solidFill>
+              <a:srgbClr val="FF0000"/>
+            </a:solidFill>
+            <a:prstDash val="dash"/>
+          </a:ln>
+        </p:spPr>
+        <p:style>
+          <a:lnRef idx="1">
+            <a:schemeClr val="accent1"/>
+          </a:lnRef>
+          <a:fillRef idx="0">
+            <a:schemeClr val="accent1"/>
+          </a:fillRef>
+          <a:effectRef idx="0">
+            <a:schemeClr val="accent1"/>
+          </a:effectRef>
+          <a:fontRef idx="minor">
+            <a:schemeClr val="tx1"/>
+          </a:fontRef>
+        </p:style>
+      </p:cxnSp>
+      <p:cxnSp>
+        <p:nvCxnSpPr>
+          <p:cNvPr id="171" name="直接连接符 170">
+            <a:extLst>
+              <a:ext uri="{FF2B5EF4-FFF2-40B4-BE49-F238E27FC236}">
+                <a16:creationId xmlns:a16="http://schemas.microsoft.com/office/drawing/2014/main" id="{751C983D-F62D-4752-8E17-238B3B945E2C}"/>
+              </a:ext>
+            </a:extLst>
+          </p:cNvPr>
+          <p:cNvCxnSpPr>
+            <a:cxnSpLocks/>
+            <a:stCxn id="158" idx="1"/>
+          </p:cNvCxnSpPr>
+          <p:nvPr/>
+        </p:nvCxnSpPr>
+        <p:spPr>
+          <a:xfrm flipH="1" flipV="1">
+            <a:off x="9297203" y="1785192"/>
+            <a:ext cx="717372" cy="455226"/>
+          </a:xfrm>
+          <a:prstGeom prst="line">
+            <a:avLst/>
+          </a:prstGeom>
+          <a:ln>
+            <a:solidFill>
+              <a:srgbClr val="FF0000"/>
+            </a:solidFill>
+            <a:prstDash val="dash"/>
+          </a:ln>
+        </p:spPr>
+        <p:style>
+          <a:lnRef idx="1">
+            <a:schemeClr val="accent1"/>
+          </a:lnRef>
+          <a:fillRef idx="0">
+            <a:schemeClr val="accent1"/>
+          </a:fillRef>
+          <a:effectRef idx="0">
+            <a:schemeClr val="accent1"/>
+          </a:effectRef>
+          <a:fontRef idx="minor">
+            <a:schemeClr val="tx1"/>
+          </a:fontRef>
+        </p:style>
+      </p:cxnSp>
+      <p:cxnSp>
+        <p:nvCxnSpPr>
+          <p:cNvPr id="172" name="直接连接符 171">
+            <a:extLst>
+              <a:ext uri="{FF2B5EF4-FFF2-40B4-BE49-F238E27FC236}">
+                <a16:creationId xmlns:a16="http://schemas.microsoft.com/office/drawing/2014/main" id="{15F0A05E-0EFA-210A-1E38-A569D4CC4D09}"/>
+              </a:ext>
+            </a:extLst>
+          </p:cNvPr>
+          <p:cNvCxnSpPr>
+            <a:cxnSpLocks/>
+            <a:endCxn id="161" idx="2"/>
+          </p:cNvCxnSpPr>
+          <p:nvPr/>
+        </p:nvCxnSpPr>
+        <p:spPr>
+          <a:xfrm flipV="1">
+            <a:off x="7759293" y="999655"/>
+            <a:ext cx="818963" cy="4854"/>
+          </a:xfrm>
+          <a:prstGeom prst="line">
+            <a:avLst/>
+          </a:prstGeom>
+          <a:ln>
+            <a:solidFill>
+              <a:srgbClr val="FF0000"/>
+            </a:solidFill>
+            <a:prstDash val="dash"/>
+          </a:ln>
+        </p:spPr>
+        <p:style>
+          <a:lnRef idx="1">
+            <a:schemeClr val="accent1"/>
+          </a:lnRef>
+          <a:fillRef idx="0">
+            <a:schemeClr val="accent1"/>
+          </a:fillRef>
+          <a:effectRef idx="0">
+            <a:schemeClr val="accent1"/>
+          </a:effectRef>
+          <a:fontRef idx="minor">
+            <a:schemeClr val="tx1"/>
+          </a:fontRef>
+        </p:style>
+      </p:cxnSp>
+      <p:sp>
+        <p:nvSpPr>
+          <p:cNvPr id="116" name="椭圆 115">
+            <a:extLst>
+              <a:ext uri="{FF2B5EF4-FFF2-40B4-BE49-F238E27FC236}">
+                <a16:creationId xmlns:a16="http://schemas.microsoft.com/office/drawing/2014/main" id="{F0709A0E-ABC3-BD17-6474-47FB5F3E4BD6}"/>
+              </a:ext>
+            </a:extLst>
+          </p:cNvPr>
+          <p:cNvSpPr/>
+          <p:nvPr/>
+        </p:nvSpPr>
+        <p:spPr>
+          <a:xfrm>
+            <a:off x="2138393" y="944075"/>
+            <a:ext cx="481012" cy="311322"/>
+          </a:xfrm>
+          <a:prstGeom prst="ellipse">
+            <a:avLst/>
+          </a:prstGeom>
+          <a:solidFill>
+            <a:schemeClr val="accent6"/>
+          </a:solidFill>
+          <a:ln>
+            <a:solidFill>
+              <a:schemeClr val="accent6"/>
+            </a:solidFill>
+          </a:ln>
+        </p:spPr>
+        <p:style>
+          <a:lnRef idx="2">
+            <a:schemeClr val="accent1">
+              <a:shade val="50000"/>
+            </a:schemeClr>
+          </a:lnRef>
+          <a:fillRef idx="1">
+            <a:schemeClr val="accent1"/>
+          </a:fillRef>
+          <a:effectRef idx="0">
+            <a:schemeClr val="accent1"/>
+          </a:effectRef>
+          <a:fontRef idx="minor">
+            <a:schemeClr val="lt1"/>
+          </a:fontRef>
+        </p:style>
+        <p:txBody>
+          <a:bodyPr rtlCol="0" anchor="ctr"/>
+          <a:lstStyle/>
+          <a:p>
+            <a:pPr algn="ctr"/>
+            <a:endParaRPr lang="zh-CN" altLang="en-US"/>
+          </a:p>
+        </p:txBody>
+      </p:sp>
       <p:grpSp>
         <p:nvGrpSpPr>
-          <p:cNvPr id="5" name="组合 4">
-            <a:extLst>
-              <a:ext uri="{FF2B5EF4-FFF2-40B4-BE49-F238E27FC236}">
-                <a16:creationId xmlns:a16="http://schemas.microsoft.com/office/drawing/2014/main" id="{12C9E448-9F88-436B-A31C-679F3187198F}"/>
+          <p:cNvPr id="118" name="组合 117">
+            <a:extLst>
+              <a:ext uri="{FF2B5EF4-FFF2-40B4-BE49-F238E27FC236}">
+                <a16:creationId xmlns:a16="http://schemas.microsoft.com/office/drawing/2014/main" id="{F9DD7880-4817-942E-00A0-68DDE3784D99}"/>
               </a:ext>
             </a:extLst>
           </p:cNvPr>
@@ -3452,18 +4486,18 @@
         </p:nvGrpSpPr>
         <p:grpSpPr>
           <a:xfrm>
-            <a:off x="2448015" y="1961419"/>
-            <a:ext cx="4657347" cy="1872446"/>
-            <a:chOff x="2448015" y="1961419"/>
-            <a:chExt cx="4657347" cy="1872446"/>
+            <a:off x="1454037" y="166021"/>
+            <a:ext cx="4586297" cy="1275362"/>
+            <a:chOff x="2519065" y="1961419"/>
+            <a:chExt cx="4586297" cy="1275362"/>
           </a:xfrm>
         </p:grpSpPr>
         <p:pic>
           <p:nvPicPr>
-            <p:cNvPr id="16" name="图片 15">
+            <p:cNvPr id="119" name="图片 118">
               <a:extLst>
                 <a:ext uri="{FF2B5EF4-FFF2-40B4-BE49-F238E27FC236}">
-                  <a16:creationId xmlns:a16="http://schemas.microsoft.com/office/drawing/2014/main" id="{F7C99E44-419E-4F2B-97E1-96C3180987F9}"/>
+                  <a16:creationId xmlns:a16="http://schemas.microsoft.com/office/drawing/2014/main" id="{E0BEA42F-958A-EFCB-02F7-605C69C53912}"/>
                 </a:ext>
               </a:extLst>
             </p:cNvPr>
@@ -3490,10 +4524,10 @@
         </p:pic>
         <p:sp>
           <p:nvSpPr>
-            <p:cNvPr id="17" name="椭圆 16">
+            <p:cNvPr id="121" name="椭圆 120">
               <a:extLst>
                 <a:ext uri="{FF2B5EF4-FFF2-40B4-BE49-F238E27FC236}">
-                  <a16:creationId xmlns:a16="http://schemas.microsoft.com/office/drawing/2014/main" id="{4BE91E6A-CA53-4E18-BCE5-7942D655FB1A}"/>
+                  <a16:creationId xmlns:a16="http://schemas.microsoft.com/office/drawing/2014/main" id="{B5EC84C6-65EF-F6AB-A5E0-509C7F86087E}"/>
                 </a:ext>
               </a:extLst>
             </p:cNvPr>
@@ -3545,10 +4579,10 @@
         </p:sp>
         <p:pic>
           <p:nvPicPr>
-            <p:cNvPr id="24" name="图片 23">
+            <p:cNvPr id="122" name="图片 121">
               <a:extLst>
                 <a:ext uri="{FF2B5EF4-FFF2-40B4-BE49-F238E27FC236}">
-                  <a16:creationId xmlns:a16="http://schemas.microsoft.com/office/drawing/2014/main" id="{417CF167-867B-4D12-809A-CFE4C16764C4}"/>
+                  <a16:creationId xmlns:a16="http://schemas.microsoft.com/office/drawing/2014/main" id="{E0B02665-5793-86CD-8569-B45B4A886DD5}"/>
                 </a:ext>
               </a:extLst>
             </p:cNvPr>
@@ -3581,10 +4615,10 @@
         </p:pic>
         <p:sp>
           <p:nvSpPr>
-            <p:cNvPr id="15" name="文本框 14">
+            <p:cNvPr id="124" name="文本框 123">
               <a:extLst>
                 <a:ext uri="{FF2B5EF4-FFF2-40B4-BE49-F238E27FC236}">
-                  <a16:creationId xmlns:a16="http://schemas.microsoft.com/office/drawing/2014/main" id="{7E34618C-5119-413C-BF12-4E03E6AFE7A3}"/>
+                  <a16:creationId xmlns:a16="http://schemas.microsoft.com/office/drawing/2014/main" id="{98B1D159-591D-B3E8-7098-3831DF119999}"/>
                 </a:ext>
               </a:extLst>
             </p:cNvPr>
@@ -3593,7 +4627,7 @@
           </p:nvSpPr>
           <p:spPr>
             <a:xfrm rot="16861463">
-              <a:off x="2213721" y="2807924"/>
+              <a:off x="2284771" y="2552714"/>
               <a:ext cx="745588" cy="276999"/>
             </a:xfrm>
             <a:prstGeom prst="rect">
@@ -3624,23 +4658,22 @@
         </p:sp>
         <p:cxnSp>
           <p:nvCxnSpPr>
-            <p:cNvPr id="25" name="直接连接符 24">
+            <p:cNvPr id="126" name="直接连接符 125">
               <a:extLst>
                 <a:ext uri="{FF2B5EF4-FFF2-40B4-BE49-F238E27FC236}">
-                  <a16:creationId xmlns:a16="http://schemas.microsoft.com/office/drawing/2014/main" id="{2BC2DB99-8CD2-4306-8E0A-D6B3A46FAA45}"/>
+                  <a16:creationId xmlns:a16="http://schemas.microsoft.com/office/drawing/2014/main" id="{3FD0CD3C-F3B1-95F7-3862-AD817013B80D}"/>
                 </a:ext>
               </a:extLst>
             </p:cNvPr>
             <p:cNvCxnSpPr>
               <a:cxnSpLocks/>
-              <a:endCxn id="16" idx="2"/>
             </p:cNvCxnSpPr>
             <p:nvPr/>
           </p:nvCxnSpPr>
           <p:spPr>
             <a:xfrm flipV="1">
-              <a:off x="2553956" y="2410112"/>
-              <a:ext cx="292834" cy="1423753"/>
+              <a:off x="2638897" y="2363389"/>
+              <a:ext cx="204683" cy="873392"/>
             </a:xfrm>
             <a:prstGeom prst="line">
               <a:avLst/>
@@ -3668,6 +4701,934 @@
           </p:style>
         </p:cxnSp>
       </p:grpSp>
+      <p:sp>
+        <p:nvSpPr>
+          <p:cNvPr id="128" name="椭圆 127">
+            <a:extLst>
+              <a:ext uri="{FF2B5EF4-FFF2-40B4-BE49-F238E27FC236}">
+                <a16:creationId xmlns:a16="http://schemas.microsoft.com/office/drawing/2014/main" id="{A9ACA5DF-DCD7-AD27-20AA-0B1EE7249796}"/>
+              </a:ext>
+            </a:extLst>
+          </p:cNvPr>
+          <p:cNvSpPr/>
+          <p:nvPr/>
+        </p:nvSpPr>
+        <p:spPr>
+          <a:xfrm>
+            <a:off x="1352032" y="1316938"/>
+            <a:ext cx="481012" cy="311322"/>
+          </a:xfrm>
+          <a:prstGeom prst="ellipse">
+            <a:avLst/>
+          </a:prstGeom>
+          <a:solidFill>
+            <a:schemeClr val="accent6">
+              <a:lumMod val="20000"/>
+              <a:lumOff val="80000"/>
+            </a:schemeClr>
+          </a:solidFill>
+          <a:ln>
+            <a:solidFill>
+              <a:schemeClr val="accent6">
+                <a:lumMod val="20000"/>
+                <a:lumOff val="80000"/>
+              </a:schemeClr>
+            </a:solidFill>
+          </a:ln>
+        </p:spPr>
+        <p:style>
+          <a:lnRef idx="2">
+            <a:schemeClr val="accent1">
+              <a:shade val="50000"/>
+            </a:schemeClr>
+          </a:lnRef>
+          <a:fillRef idx="1">
+            <a:schemeClr val="accent1"/>
+          </a:fillRef>
+          <a:effectRef idx="0">
+            <a:schemeClr val="accent1"/>
+          </a:effectRef>
+          <a:fontRef idx="minor">
+            <a:schemeClr val="lt1"/>
+          </a:fontRef>
+        </p:style>
+        <p:txBody>
+          <a:bodyPr rtlCol="0" anchor="ctr"/>
+          <a:lstStyle/>
+          <a:p>
+            <a:pPr algn="ctr"/>
+            <a:endParaRPr lang="zh-CN" altLang="en-US"/>
+          </a:p>
+        </p:txBody>
+      </p:sp>
+      <p:sp>
+        <p:nvSpPr>
+          <p:cNvPr id="129" name="椭圆 128">
+            <a:extLst>
+              <a:ext uri="{FF2B5EF4-FFF2-40B4-BE49-F238E27FC236}">
+                <a16:creationId xmlns:a16="http://schemas.microsoft.com/office/drawing/2014/main" id="{C9604F0A-B540-A479-E50E-6A497AAECC7D}"/>
+              </a:ext>
+            </a:extLst>
+          </p:cNvPr>
+          <p:cNvSpPr/>
+          <p:nvPr/>
+        </p:nvSpPr>
+        <p:spPr>
+          <a:xfrm>
+            <a:off x="2268163" y="1746556"/>
+            <a:ext cx="579694" cy="424216"/>
+          </a:xfrm>
+          <a:prstGeom prst="ellipse">
+            <a:avLst/>
+          </a:prstGeom>
+          <a:solidFill>
+            <a:srgbClr val="99FF66"/>
+          </a:solidFill>
+          <a:ln>
+            <a:solidFill>
+              <a:srgbClr val="99FF66"/>
+            </a:solidFill>
+          </a:ln>
+        </p:spPr>
+        <p:style>
+          <a:lnRef idx="2">
+            <a:schemeClr val="accent1">
+              <a:shade val="50000"/>
+            </a:schemeClr>
+          </a:lnRef>
+          <a:fillRef idx="1">
+            <a:schemeClr val="accent1"/>
+          </a:fillRef>
+          <a:effectRef idx="0">
+            <a:schemeClr val="accent1"/>
+          </a:effectRef>
+          <a:fontRef idx="minor">
+            <a:schemeClr val="lt1"/>
+          </a:fontRef>
+        </p:style>
+        <p:txBody>
+          <a:bodyPr rtlCol="0" anchor="ctr"/>
+          <a:lstStyle/>
+          <a:p>
+            <a:pPr algn="ctr"/>
+            <a:endParaRPr lang="zh-CN" altLang="en-US"/>
+          </a:p>
+        </p:txBody>
+      </p:sp>
+      <p:sp>
+        <p:nvSpPr>
+          <p:cNvPr id="137" name="椭圆 136">
+            <a:extLst>
+              <a:ext uri="{FF2B5EF4-FFF2-40B4-BE49-F238E27FC236}">
+                <a16:creationId xmlns:a16="http://schemas.microsoft.com/office/drawing/2014/main" id="{B1756CC0-502E-275D-FC81-5D410276C47F}"/>
+              </a:ext>
+            </a:extLst>
+          </p:cNvPr>
+          <p:cNvSpPr/>
+          <p:nvPr/>
+        </p:nvSpPr>
+        <p:spPr>
+          <a:xfrm>
+            <a:off x="4687926" y="2173742"/>
+            <a:ext cx="950714" cy="499594"/>
+          </a:xfrm>
+          <a:prstGeom prst="ellipse">
+            <a:avLst/>
+          </a:prstGeom>
+          <a:solidFill>
+            <a:schemeClr val="accent4">
+              <a:lumMod val="20000"/>
+              <a:lumOff val="80000"/>
+            </a:schemeClr>
+          </a:solidFill>
+          <a:ln>
+            <a:solidFill>
+              <a:schemeClr val="accent4">
+                <a:lumMod val="20000"/>
+                <a:lumOff val="80000"/>
+              </a:schemeClr>
+            </a:solidFill>
+          </a:ln>
+        </p:spPr>
+        <p:style>
+          <a:lnRef idx="2">
+            <a:schemeClr val="accent1">
+              <a:shade val="50000"/>
+            </a:schemeClr>
+          </a:lnRef>
+          <a:fillRef idx="1">
+            <a:schemeClr val="accent1"/>
+          </a:fillRef>
+          <a:effectRef idx="0">
+            <a:schemeClr val="accent1"/>
+          </a:effectRef>
+          <a:fontRef idx="minor">
+            <a:schemeClr val="lt1"/>
+          </a:fontRef>
+        </p:style>
+        <p:txBody>
+          <a:bodyPr rtlCol="0" anchor="ctr"/>
+          <a:lstStyle/>
+          <a:p>
+            <a:pPr algn="ctr"/>
+            <a:endParaRPr lang="zh-CN" altLang="en-US"/>
+          </a:p>
+        </p:txBody>
+      </p:sp>
+      <p:sp>
+        <p:nvSpPr>
+          <p:cNvPr id="140" name="椭圆 139">
+            <a:extLst>
+              <a:ext uri="{FF2B5EF4-FFF2-40B4-BE49-F238E27FC236}">
+                <a16:creationId xmlns:a16="http://schemas.microsoft.com/office/drawing/2014/main" id="{B052999A-BC3A-8112-02C1-13E2271B44C7}"/>
+              </a:ext>
+            </a:extLst>
+          </p:cNvPr>
+          <p:cNvSpPr/>
+          <p:nvPr/>
+        </p:nvSpPr>
+        <p:spPr>
+          <a:xfrm>
+            <a:off x="2694059" y="2562896"/>
+            <a:ext cx="404869" cy="243939"/>
+          </a:xfrm>
+          <a:prstGeom prst="ellipse">
+            <a:avLst/>
+          </a:prstGeom>
+          <a:solidFill>
+            <a:schemeClr val="accent6">
+              <a:lumMod val="20000"/>
+              <a:lumOff val="80000"/>
+            </a:schemeClr>
+          </a:solidFill>
+          <a:ln>
+            <a:solidFill>
+              <a:schemeClr val="accent6">
+                <a:lumMod val="20000"/>
+                <a:lumOff val="80000"/>
+              </a:schemeClr>
+            </a:solidFill>
+          </a:ln>
+        </p:spPr>
+        <p:style>
+          <a:lnRef idx="2">
+            <a:schemeClr val="accent1">
+              <a:shade val="50000"/>
+            </a:schemeClr>
+          </a:lnRef>
+          <a:fillRef idx="1">
+            <a:schemeClr val="accent1"/>
+          </a:fillRef>
+          <a:effectRef idx="0">
+            <a:schemeClr val="accent1"/>
+          </a:effectRef>
+          <a:fontRef idx="minor">
+            <a:schemeClr val="lt1"/>
+          </a:fontRef>
+        </p:style>
+        <p:txBody>
+          <a:bodyPr rtlCol="0" anchor="ctr"/>
+          <a:lstStyle/>
+          <a:p>
+            <a:pPr algn="ctr"/>
+            <a:endParaRPr lang="zh-CN" altLang="en-US" dirty="0"/>
+          </a:p>
+        </p:txBody>
+      </p:sp>
+      <p:sp>
+        <p:nvSpPr>
+          <p:cNvPr id="141" name="椭圆 140">
+            <a:extLst>
+              <a:ext uri="{FF2B5EF4-FFF2-40B4-BE49-F238E27FC236}">
+                <a16:creationId xmlns:a16="http://schemas.microsoft.com/office/drawing/2014/main" id="{6B672515-92F1-E0D5-A920-DB68D73103C7}"/>
+              </a:ext>
+            </a:extLst>
+          </p:cNvPr>
+          <p:cNvSpPr/>
+          <p:nvPr/>
+        </p:nvSpPr>
+        <p:spPr>
+          <a:xfrm>
+            <a:off x="1817568" y="2673336"/>
+            <a:ext cx="320825" cy="187186"/>
+          </a:xfrm>
+          <a:prstGeom prst="ellipse">
+            <a:avLst/>
+          </a:prstGeom>
+          <a:solidFill>
+            <a:schemeClr val="accent6"/>
+          </a:solidFill>
+          <a:ln>
+            <a:solidFill>
+              <a:schemeClr val="accent6"/>
+            </a:solidFill>
+          </a:ln>
+        </p:spPr>
+        <p:style>
+          <a:lnRef idx="2">
+            <a:schemeClr val="accent1">
+              <a:shade val="50000"/>
+            </a:schemeClr>
+          </a:lnRef>
+          <a:fillRef idx="1">
+            <a:schemeClr val="accent1"/>
+          </a:fillRef>
+          <a:effectRef idx="0">
+            <a:schemeClr val="accent1"/>
+          </a:effectRef>
+          <a:fontRef idx="minor">
+            <a:schemeClr val="lt1"/>
+          </a:fontRef>
+        </p:style>
+        <p:txBody>
+          <a:bodyPr rtlCol="0" anchor="ctr"/>
+          <a:lstStyle/>
+          <a:p>
+            <a:pPr algn="ctr"/>
+            <a:endParaRPr lang="zh-CN" altLang="en-US"/>
+          </a:p>
+        </p:txBody>
+      </p:sp>
+      <p:sp>
+        <p:nvSpPr>
+          <p:cNvPr id="142" name="椭圆 141">
+            <a:extLst>
+              <a:ext uri="{FF2B5EF4-FFF2-40B4-BE49-F238E27FC236}">
+                <a16:creationId xmlns:a16="http://schemas.microsoft.com/office/drawing/2014/main" id="{E2ED6FB7-99A2-DE64-D3EC-F4A5E1C9E279}"/>
+              </a:ext>
+            </a:extLst>
+          </p:cNvPr>
+          <p:cNvSpPr/>
+          <p:nvPr/>
+        </p:nvSpPr>
+        <p:spPr>
+          <a:xfrm>
+            <a:off x="3390836" y="912550"/>
+            <a:ext cx="320825" cy="187186"/>
+          </a:xfrm>
+          <a:prstGeom prst="ellipse">
+            <a:avLst/>
+          </a:prstGeom>
+          <a:solidFill>
+            <a:schemeClr val="accent6">
+              <a:lumMod val="60000"/>
+              <a:lumOff val="40000"/>
+            </a:schemeClr>
+          </a:solidFill>
+          <a:ln>
+            <a:solidFill>
+              <a:schemeClr val="accent6">
+                <a:lumMod val="60000"/>
+                <a:lumOff val="40000"/>
+              </a:schemeClr>
+            </a:solidFill>
+          </a:ln>
+        </p:spPr>
+        <p:style>
+          <a:lnRef idx="2">
+            <a:schemeClr val="accent1">
+              <a:shade val="50000"/>
+            </a:schemeClr>
+          </a:lnRef>
+          <a:fillRef idx="1">
+            <a:schemeClr val="accent1"/>
+          </a:fillRef>
+          <a:effectRef idx="0">
+            <a:schemeClr val="accent1"/>
+          </a:effectRef>
+          <a:fontRef idx="minor">
+            <a:schemeClr val="lt1"/>
+          </a:fontRef>
+        </p:style>
+        <p:txBody>
+          <a:bodyPr rtlCol="0" anchor="ctr"/>
+          <a:lstStyle/>
+          <a:p>
+            <a:pPr algn="ctr"/>
+            <a:endParaRPr lang="zh-CN" altLang="en-US"/>
+          </a:p>
+        </p:txBody>
+      </p:sp>
+      <p:sp>
+        <p:nvSpPr>
+          <p:cNvPr id="143" name="椭圆 142">
+            <a:extLst>
+              <a:ext uri="{FF2B5EF4-FFF2-40B4-BE49-F238E27FC236}">
+                <a16:creationId xmlns:a16="http://schemas.microsoft.com/office/drawing/2014/main" id="{133B3B89-A2BD-3B16-9B36-8FBD0F8FABA9}"/>
+              </a:ext>
+            </a:extLst>
+          </p:cNvPr>
+          <p:cNvSpPr/>
+          <p:nvPr/>
+        </p:nvSpPr>
+        <p:spPr>
+          <a:xfrm>
+            <a:off x="5178531" y="1185149"/>
+            <a:ext cx="266247" cy="163942"/>
+          </a:xfrm>
+          <a:prstGeom prst="ellipse">
+            <a:avLst/>
+          </a:prstGeom>
+          <a:solidFill>
+            <a:schemeClr val="accent6">
+              <a:lumMod val="40000"/>
+              <a:lumOff val="60000"/>
+            </a:schemeClr>
+          </a:solidFill>
+          <a:ln>
+            <a:solidFill>
+              <a:schemeClr val="accent6">
+                <a:lumMod val="40000"/>
+                <a:lumOff val="60000"/>
+              </a:schemeClr>
+            </a:solidFill>
+          </a:ln>
+        </p:spPr>
+        <p:style>
+          <a:lnRef idx="2">
+            <a:schemeClr val="accent1">
+              <a:shade val="50000"/>
+            </a:schemeClr>
+          </a:lnRef>
+          <a:fillRef idx="1">
+            <a:schemeClr val="accent1"/>
+          </a:fillRef>
+          <a:effectRef idx="0">
+            <a:schemeClr val="accent1"/>
+          </a:effectRef>
+          <a:fontRef idx="minor">
+            <a:schemeClr val="lt1"/>
+          </a:fontRef>
+        </p:style>
+        <p:txBody>
+          <a:bodyPr rtlCol="0" anchor="ctr"/>
+          <a:lstStyle/>
+          <a:p>
+            <a:pPr algn="ctr"/>
+            <a:endParaRPr lang="zh-CN" altLang="en-US"/>
+          </a:p>
+        </p:txBody>
+      </p:sp>
+      <p:sp>
+        <p:nvSpPr>
+          <p:cNvPr id="144" name="椭圆 143">
+            <a:extLst>
+              <a:ext uri="{FF2B5EF4-FFF2-40B4-BE49-F238E27FC236}">
+                <a16:creationId xmlns:a16="http://schemas.microsoft.com/office/drawing/2014/main" id="{E53B54DE-6563-C5CD-9F01-80DA33F1462C}"/>
+              </a:ext>
+            </a:extLst>
+          </p:cNvPr>
+          <p:cNvSpPr/>
+          <p:nvPr/>
+        </p:nvSpPr>
+        <p:spPr>
+          <a:xfrm>
+            <a:off x="3816442" y="1652963"/>
+            <a:ext cx="320825" cy="187186"/>
+          </a:xfrm>
+          <a:prstGeom prst="ellipse">
+            <a:avLst/>
+          </a:prstGeom>
+          <a:solidFill>
+            <a:schemeClr val="accent4">
+              <a:lumMod val="60000"/>
+              <a:lumOff val="40000"/>
+            </a:schemeClr>
+          </a:solidFill>
+          <a:ln>
+            <a:solidFill>
+              <a:schemeClr val="accent4">
+                <a:lumMod val="60000"/>
+                <a:lumOff val="40000"/>
+              </a:schemeClr>
+            </a:solidFill>
+          </a:ln>
+        </p:spPr>
+        <p:style>
+          <a:lnRef idx="2">
+            <a:schemeClr val="accent1">
+              <a:shade val="50000"/>
+            </a:schemeClr>
+          </a:lnRef>
+          <a:fillRef idx="1">
+            <a:schemeClr val="accent1"/>
+          </a:fillRef>
+          <a:effectRef idx="0">
+            <a:schemeClr val="accent1"/>
+          </a:effectRef>
+          <a:fontRef idx="minor">
+            <a:schemeClr val="lt1"/>
+          </a:fontRef>
+        </p:style>
+        <p:txBody>
+          <a:bodyPr rtlCol="0" anchor="ctr"/>
+          <a:lstStyle/>
+          <a:p>
+            <a:pPr algn="ctr"/>
+            <a:endParaRPr lang="zh-CN" altLang="en-US" dirty="0"/>
+          </a:p>
+        </p:txBody>
+      </p:sp>
+      <p:cxnSp>
+        <p:nvCxnSpPr>
+          <p:cNvPr id="145" name="直接连接符 144">
+            <a:extLst>
+              <a:ext uri="{FF2B5EF4-FFF2-40B4-BE49-F238E27FC236}">
+                <a16:creationId xmlns:a16="http://schemas.microsoft.com/office/drawing/2014/main" id="{D94D71C6-6624-85C3-7D8C-52932787AD34}"/>
+              </a:ext>
+            </a:extLst>
+          </p:cNvPr>
+          <p:cNvCxnSpPr>
+            <a:cxnSpLocks/>
+            <a:stCxn id="143" idx="2"/>
+          </p:cNvCxnSpPr>
+          <p:nvPr/>
+        </p:nvCxnSpPr>
+        <p:spPr>
+          <a:xfrm flipH="1" flipV="1">
+            <a:off x="3725819" y="1006144"/>
+            <a:ext cx="1452712" cy="260976"/>
+          </a:xfrm>
+          <a:prstGeom prst="line">
+            <a:avLst/>
+          </a:prstGeom>
+          <a:ln>
+            <a:solidFill>
+              <a:srgbClr val="FF0000"/>
+            </a:solidFill>
+            <a:prstDash val="dash"/>
+          </a:ln>
+        </p:spPr>
+        <p:style>
+          <a:lnRef idx="1">
+            <a:schemeClr val="accent1"/>
+          </a:lnRef>
+          <a:fillRef idx="0">
+            <a:schemeClr val="accent1"/>
+          </a:fillRef>
+          <a:effectRef idx="0">
+            <a:schemeClr val="accent1"/>
+          </a:effectRef>
+          <a:fontRef idx="minor">
+            <a:schemeClr val="tx1"/>
+          </a:fontRef>
+        </p:style>
+      </p:cxnSp>
+      <p:cxnSp>
+        <p:nvCxnSpPr>
+          <p:cNvPr id="146" name="直接连接符 145">
+            <a:extLst>
+              <a:ext uri="{FF2B5EF4-FFF2-40B4-BE49-F238E27FC236}">
+                <a16:creationId xmlns:a16="http://schemas.microsoft.com/office/drawing/2014/main" id="{4A8420F6-AD01-B0AE-B7A7-8CDC3BC82BA8}"/>
+              </a:ext>
+            </a:extLst>
+          </p:cNvPr>
+          <p:cNvCxnSpPr>
+            <a:cxnSpLocks/>
+            <a:endCxn id="137" idx="0"/>
+          </p:cNvCxnSpPr>
+          <p:nvPr/>
+        </p:nvCxnSpPr>
+        <p:spPr>
+          <a:xfrm flipH="1">
+            <a:off x="5163283" y="1349091"/>
+            <a:ext cx="135899" cy="824651"/>
+          </a:xfrm>
+          <a:prstGeom prst="line">
+            <a:avLst/>
+          </a:prstGeom>
+          <a:ln>
+            <a:solidFill>
+              <a:srgbClr val="FF0000"/>
+            </a:solidFill>
+            <a:prstDash val="dash"/>
+          </a:ln>
+        </p:spPr>
+        <p:style>
+          <a:lnRef idx="1">
+            <a:schemeClr val="accent1"/>
+          </a:lnRef>
+          <a:fillRef idx="0">
+            <a:schemeClr val="accent1"/>
+          </a:fillRef>
+          <a:effectRef idx="0">
+            <a:schemeClr val="accent1"/>
+          </a:effectRef>
+          <a:fontRef idx="minor">
+            <a:schemeClr val="tx1"/>
+          </a:fontRef>
+        </p:style>
+      </p:cxnSp>
+      <p:cxnSp>
+        <p:nvCxnSpPr>
+          <p:cNvPr id="147" name="直接连接符 146">
+            <a:extLst>
+              <a:ext uri="{FF2B5EF4-FFF2-40B4-BE49-F238E27FC236}">
+                <a16:creationId xmlns:a16="http://schemas.microsoft.com/office/drawing/2014/main" id="{378D8A53-E6EA-EBBA-2AC4-BA1B843B9488}"/>
+              </a:ext>
+            </a:extLst>
+          </p:cNvPr>
+          <p:cNvCxnSpPr>
+            <a:cxnSpLocks/>
+            <a:endCxn id="116" idx="3"/>
+          </p:cNvCxnSpPr>
+          <p:nvPr/>
+        </p:nvCxnSpPr>
+        <p:spPr>
+          <a:xfrm flipV="1">
+            <a:off x="1771597" y="1209805"/>
+            <a:ext cx="437239" cy="139286"/>
+          </a:xfrm>
+          <a:prstGeom prst="line">
+            <a:avLst/>
+          </a:prstGeom>
+          <a:ln>
+            <a:solidFill>
+              <a:srgbClr val="FF0000"/>
+            </a:solidFill>
+            <a:prstDash val="dash"/>
+          </a:ln>
+        </p:spPr>
+        <p:style>
+          <a:lnRef idx="1">
+            <a:schemeClr val="accent1"/>
+          </a:lnRef>
+          <a:fillRef idx="0">
+            <a:schemeClr val="accent1"/>
+          </a:fillRef>
+          <a:effectRef idx="0">
+            <a:schemeClr val="accent1"/>
+          </a:effectRef>
+          <a:fontRef idx="minor">
+            <a:schemeClr val="tx1"/>
+          </a:fontRef>
+        </p:style>
+      </p:cxnSp>
+      <p:cxnSp>
+        <p:nvCxnSpPr>
+          <p:cNvPr id="148" name="直接连接符 147">
+            <a:extLst>
+              <a:ext uri="{FF2B5EF4-FFF2-40B4-BE49-F238E27FC236}">
+                <a16:creationId xmlns:a16="http://schemas.microsoft.com/office/drawing/2014/main" id="{C9FEF684-EB67-5C61-0114-5ABA4BD184BA}"/>
+              </a:ext>
+            </a:extLst>
+          </p:cNvPr>
+          <p:cNvCxnSpPr>
+            <a:cxnSpLocks/>
+            <a:stCxn id="129" idx="2"/>
+          </p:cNvCxnSpPr>
+          <p:nvPr/>
+        </p:nvCxnSpPr>
+        <p:spPr>
+          <a:xfrm flipH="1" flipV="1">
+            <a:off x="1752203" y="1595612"/>
+            <a:ext cx="515960" cy="363052"/>
+          </a:xfrm>
+          <a:prstGeom prst="line">
+            <a:avLst/>
+          </a:prstGeom>
+          <a:ln>
+            <a:solidFill>
+              <a:srgbClr val="FF0000"/>
+            </a:solidFill>
+            <a:prstDash val="dash"/>
+          </a:ln>
+        </p:spPr>
+        <p:style>
+          <a:lnRef idx="1">
+            <a:schemeClr val="accent1"/>
+          </a:lnRef>
+          <a:fillRef idx="0">
+            <a:schemeClr val="accent1"/>
+          </a:fillRef>
+          <a:effectRef idx="0">
+            <a:schemeClr val="accent1"/>
+          </a:effectRef>
+          <a:fontRef idx="minor">
+            <a:schemeClr val="tx1"/>
+          </a:fontRef>
+        </p:style>
+      </p:cxnSp>
+      <p:cxnSp>
+        <p:nvCxnSpPr>
+          <p:cNvPr id="149" name="直接连接符 148">
+            <a:extLst>
+              <a:ext uri="{FF2B5EF4-FFF2-40B4-BE49-F238E27FC236}">
+                <a16:creationId xmlns:a16="http://schemas.microsoft.com/office/drawing/2014/main" id="{0B4BB1C1-50C3-7B2B-5CAF-126A851AF6B2}"/>
+              </a:ext>
+            </a:extLst>
+          </p:cNvPr>
+          <p:cNvCxnSpPr>
+            <a:cxnSpLocks/>
+            <a:endCxn id="129" idx="3"/>
+          </p:cNvCxnSpPr>
+          <p:nvPr/>
+        </p:nvCxnSpPr>
+        <p:spPr>
+          <a:xfrm flipV="1">
+            <a:off x="1977980" y="2108647"/>
+            <a:ext cx="375077" cy="564690"/>
+          </a:xfrm>
+          <a:prstGeom prst="line">
+            <a:avLst/>
+          </a:prstGeom>
+          <a:ln>
+            <a:solidFill>
+              <a:srgbClr val="FF0000"/>
+            </a:solidFill>
+            <a:prstDash val="dash"/>
+          </a:ln>
+        </p:spPr>
+        <p:style>
+          <a:lnRef idx="1">
+            <a:schemeClr val="accent1"/>
+          </a:lnRef>
+          <a:fillRef idx="0">
+            <a:schemeClr val="accent1"/>
+          </a:fillRef>
+          <a:effectRef idx="0">
+            <a:schemeClr val="accent1"/>
+          </a:effectRef>
+          <a:fontRef idx="minor">
+            <a:schemeClr val="tx1"/>
+          </a:fontRef>
+        </p:style>
+      </p:cxnSp>
+      <p:cxnSp>
+        <p:nvCxnSpPr>
+          <p:cNvPr id="150" name="直接连接符 149">
+            <a:extLst>
+              <a:ext uri="{FF2B5EF4-FFF2-40B4-BE49-F238E27FC236}">
+                <a16:creationId xmlns:a16="http://schemas.microsoft.com/office/drawing/2014/main" id="{E862CF52-1808-B3B9-D544-8A72E57AE3EE}"/>
+              </a:ext>
+            </a:extLst>
+          </p:cNvPr>
+          <p:cNvCxnSpPr>
+            <a:cxnSpLocks/>
+            <a:stCxn id="141" idx="6"/>
+            <a:endCxn id="140" idx="2"/>
+          </p:cNvCxnSpPr>
+          <p:nvPr/>
+        </p:nvCxnSpPr>
+        <p:spPr>
+          <a:xfrm flipV="1">
+            <a:off x="2138393" y="2684866"/>
+            <a:ext cx="555666" cy="82063"/>
+          </a:xfrm>
+          <a:prstGeom prst="line">
+            <a:avLst/>
+          </a:prstGeom>
+          <a:ln>
+            <a:solidFill>
+              <a:srgbClr val="FF0000"/>
+            </a:solidFill>
+            <a:prstDash val="dash"/>
+          </a:ln>
+        </p:spPr>
+        <p:style>
+          <a:lnRef idx="1">
+            <a:schemeClr val="accent1"/>
+          </a:lnRef>
+          <a:fillRef idx="0">
+            <a:schemeClr val="accent1"/>
+          </a:fillRef>
+          <a:effectRef idx="0">
+            <a:schemeClr val="accent1"/>
+          </a:effectRef>
+          <a:fontRef idx="minor">
+            <a:schemeClr val="tx1"/>
+          </a:fontRef>
+        </p:style>
+      </p:cxnSp>
+      <p:cxnSp>
+        <p:nvCxnSpPr>
+          <p:cNvPr id="151" name="直接连接符 150">
+            <a:extLst>
+              <a:ext uri="{FF2B5EF4-FFF2-40B4-BE49-F238E27FC236}">
+                <a16:creationId xmlns:a16="http://schemas.microsoft.com/office/drawing/2014/main" id="{EB53111C-1BDF-14AF-3527-0437CE165D57}"/>
+              </a:ext>
+            </a:extLst>
+          </p:cNvPr>
+          <p:cNvCxnSpPr>
+            <a:cxnSpLocks/>
+            <a:stCxn id="140" idx="7"/>
+          </p:cNvCxnSpPr>
+          <p:nvPr/>
+        </p:nvCxnSpPr>
+        <p:spPr>
+          <a:xfrm flipV="1">
+            <a:off x="3039636" y="1840150"/>
+            <a:ext cx="878367" cy="758470"/>
+          </a:xfrm>
+          <a:prstGeom prst="line">
+            <a:avLst/>
+          </a:prstGeom>
+          <a:ln>
+            <a:solidFill>
+              <a:srgbClr val="FF0000"/>
+            </a:solidFill>
+            <a:prstDash val="dash"/>
+          </a:ln>
+        </p:spPr>
+        <p:style>
+          <a:lnRef idx="1">
+            <a:schemeClr val="accent1"/>
+          </a:lnRef>
+          <a:fillRef idx="0">
+            <a:schemeClr val="accent1"/>
+          </a:fillRef>
+          <a:effectRef idx="0">
+            <a:schemeClr val="accent1"/>
+          </a:effectRef>
+          <a:fontRef idx="minor">
+            <a:schemeClr val="tx1"/>
+          </a:fontRef>
+        </p:style>
+      </p:cxnSp>
+      <p:cxnSp>
+        <p:nvCxnSpPr>
+          <p:cNvPr id="152" name="直接连接符 151">
+            <a:extLst>
+              <a:ext uri="{FF2B5EF4-FFF2-40B4-BE49-F238E27FC236}">
+                <a16:creationId xmlns:a16="http://schemas.microsoft.com/office/drawing/2014/main" id="{BF5EBA2E-4548-D04A-D8F1-7785975D8FEE}"/>
+              </a:ext>
+            </a:extLst>
+          </p:cNvPr>
+          <p:cNvCxnSpPr>
+            <a:cxnSpLocks/>
+            <a:stCxn id="137" idx="1"/>
+          </p:cNvCxnSpPr>
+          <p:nvPr/>
+        </p:nvCxnSpPr>
+        <p:spPr>
+          <a:xfrm flipH="1" flipV="1">
+            <a:off x="4109783" y="1791680"/>
+            <a:ext cx="717372" cy="455226"/>
+          </a:xfrm>
+          <a:prstGeom prst="line">
+            <a:avLst/>
+          </a:prstGeom>
+          <a:ln>
+            <a:solidFill>
+              <a:srgbClr val="FF0000"/>
+            </a:solidFill>
+            <a:prstDash val="dash"/>
+          </a:ln>
+        </p:spPr>
+        <p:style>
+          <a:lnRef idx="1">
+            <a:schemeClr val="accent1"/>
+          </a:lnRef>
+          <a:fillRef idx="0">
+            <a:schemeClr val="accent1"/>
+          </a:fillRef>
+          <a:effectRef idx="0">
+            <a:schemeClr val="accent1"/>
+          </a:effectRef>
+          <a:fontRef idx="minor">
+            <a:schemeClr val="tx1"/>
+          </a:fontRef>
+        </p:style>
+      </p:cxnSp>
+      <p:cxnSp>
+        <p:nvCxnSpPr>
+          <p:cNvPr id="153" name="直接连接符 152">
+            <a:extLst>
+              <a:ext uri="{FF2B5EF4-FFF2-40B4-BE49-F238E27FC236}">
+                <a16:creationId xmlns:a16="http://schemas.microsoft.com/office/drawing/2014/main" id="{BC74B4B7-C262-2A30-D08D-5D9624122D2D}"/>
+              </a:ext>
+            </a:extLst>
+          </p:cNvPr>
+          <p:cNvCxnSpPr>
+            <a:cxnSpLocks/>
+            <a:endCxn id="142" idx="2"/>
+          </p:cNvCxnSpPr>
+          <p:nvPr/>
+        </p:nvCxnSpPr>
+        <p:spPr>
+          <a:xfrm flipV="1">
+            <a:off x="2571873" y="1006143"/>
+            <a:ext cx="818963" cy="4854"/>
+          </a:xfrm>
+          <a:prstGeom prst="line">
+            <a:avLst/>
+          </a:prstGeom>
+          <a:ln>
+            <a:solidFill>
+              <a:srgbClr val="FF0000"/>
+            </a:solidFill>
+            <a:prstDash val="dash"/>
+          </a:ln>
+        </p:spPr>
+        <p:style>
+          <a:lnRef idx="1">
+            <a:schemeClr val="accent1"/>
+          </a:lnRef>
+          <a:fillRef idx="0">
+            <a:schemeClr val="accent1"/>
+          </a:fillRef>
+          <a:effectRef idx="0">
+            <a:schemeClr val="accent1"/>
+          </a:effectRef>
+          <a:fontRef idx="minor">
+            <a:schemeClr val="tx1"/>
+          </a:fontRef>
+        </p:style>
+      </p:cxnSp>
+      <p:sp>
+        <p:nvSpPr>
+          <p:cNvPr id="32" name="椭圆 31">
+            <a:extLst>
+              <a:ext uri="{FF2B5EF4-FFF2-40B4-BE49-F238E27FC236}">
+                <a16:creationId xmlns:a16="http://schemas.microsoft.com/office/drawing/2014/main" id="{156A66D7-D4D0-4AFE-B8E3-B462DE211ED2}"/>
+              </a:ext>
+            </a:extLst>
+          </p:cNvPr>
+          <p:cNvSpPr/>
+          <p:nvPr/>
+        </p:nvSpPr>
+        <p:spPr>
+          <a:xfrm>
+            <a:off x="6744363" y="3561614"/>
+            <a:ext cx="481012" cy="311322"/>
+          </a:xfrm>
+          <a:prstGeom prst="ellipse">
+            <a:avLst/>
+          </a:prstGeom>
+          <a:solidFill>
+            <a:schemeClr val="accent6"/>
+          </a:solidFill>
+          <a:ln>
+            <a:solidFill>
+              <a:schemeClr val="accent6"/>
+            </a:solidFill>
+          </a:ln>
+        </p:spPr>
+        <p:style>
+          <a:lnRef idx="2">
+            <a:schemeClr val="accent1">
+              <a:shade val="50000"/>
+            </a:schemeClr>
+          </a:lnRef>
+          <a:fillRef idx="1">
+            <a:schemeClr val="accent1"/>
+          </a:fillRef>
+          <a:effectRef idx="0">
+            <a:schemeClr val="accent1"/>
+          </a:effectRef>
+          <a:fontRef idx="minor">
+            <a:schemeClr val="lt1"/>
+          </a:fontRef>
+        </p:style>
+        <p:txBody>
+          <a:bodyPr rtlCol="0" anchor="ctr"/>
+          <a:lstStyle/>
+          <a:p>
+            <a:pPr algn="ctr"/>
+            <a:endParaRPr lang="zh-CN" altLang="en-US"/>
+          </a:p>
+        </p:txBody>
+      </p:sp>
       <p:pic>
         <p:nvPicPr>
           <p:cNvPr id="81" name="图片 80">
@@ -3690,7 +5651,7 @@
         </p:blipFill>
         <p:spPr>
           <a:xfrm>
-            <a:off x="7459790" y="4753970"/>
+            <a:off x="10804015" y="4863900"/>
             <a:ext cx="337880" cy="211553"/>
           </a:xfrm>
           <a:prstGeom prst="rect">
@@ -3720,8 +5681,8 @@
         </p:blipFill>
         <p:spPr>
           <a:xfrm>
-            <a:off x="7529834" y="5075934"/>
-            <a:ext cx="197791" cy="348100"/>
+            <a:off x="10989139" y="5187936"/>
+            <a:ext cx="152756" cy="268841"/>
           </a:xfrm>
           <a:prstGeom prst="rect">
             <a:avLst/>
@@ -3740,10 +5701,16 @@
           <p:cNvGraphicFramePr>
             <a:graphicFrameLocks noGrp="1"/>
           </p:cNvGraphicFramePr>
-          <p:nvPr/>
+          <p:nvPr>
+            <p:extLst>
+              <p:ext uri="{D42A27DB-BD31-4B8C-83A1-F6EECF244321}">
+                <p14:modId xmlns:p14="http://schemas.microsoft.com/office/powerpoint/2010/main" val="1640881835"/>
+              </p:ext>
+            </p:extLst>
+          </p:nvPr>
         </p:nvGraphicFramePr>
         <p:xfrm>
-          <a:off x="7218994" y="4313410"/>
+          <a:off x="10496544" y="4429676"/>
           <a:ext cx="1876666" cy="1080000"/>
         </p:xfrm>
         <a:graphic>
@@ -3912,7 +5879,7 @@
                           <a:ea typeface="楷体" panose="02010609060101010101" pitchFamily="49" charset="-122"/>
                           <a:cs typeface="Times New Roman" panose="02020603050405020304" pitchFamily="18" charset="0"/>
                         </a:rPr>
-                        <a:t>Base Station</a:t>
+                        <a:t>Fusion Center</a:t>
                       </a:r>
                       <a:endParaRPr lang="zh-CN" altLang="en-US" sz="1200" b="0" dirty="0">
                         <a:latin typeface="Times New Roman" panose="02020603050405020304" pitchFamily="18" charset="0"/>
@@ -3935,10 +5902,10 @@
       </p:graphicFrame>
       <p:sp>
         <p:nvSpPr>
-          <p:cNvPr id="84" name="椭圆 83">
-            <a:extLst>
-              <a:ext uri="{FF2B5EF4-FFF2-40B4-BE49-F238E27FC236}">
-                <a16:creationId xmlns:a16="http://schemas.microsoft.com/office/drawing/2014/main" id="{574449D9-9615-4A72-9349-9C1A92A12505}"/>
+          <p:cNvPr id="85" name="椭圆 84">
+            <a:extLst>
+              <a:ext uri="{FF2B5EF4-FFF2-40B4-BE49-F238E27FC236}">
+                <a16:creationId xmlns:a16="http://schemas.microsoft.com/office/drawing/2014/main" id="{106FC0AA-7438-443D-A6C6-99341E88C1B2}"/>
               </a:ext>
             </a:extLst>
           </p:cNvPr>
@@ -3947,8 +5914,122 @@
         </p:nvSpPr>
         <p:spPr>
           <a:xfrm>
-            <a:off x="2290298" y="3866487"/>
-            <a:ext cx="481012" cy="311322"/>
+            <a:off x="6874133" y="4364095"/>
+            <a:ext cx="579694" cy="424216"/>
+          </a:xfrm>
+          <a:prstGeom prst="ellipse">
+            <a:avLst/>
+          </a:prstGeom>
+          <a:solidFill>
+            <a:srgbClr val="99FF66"/>
+          </a:solidFill>
+          <a:ln>
+            <a:solidFill>
+              <a:srgbClr val="99FF66"/>
+            </a:solidFill>
+          </a:ln>
+        </p:spPr>
+        <p:style>
+          <a:lnRef idx="2">
+            <a:schemeClr val="accent1">
+              <a:shade val="50000"/>
+            </a:schemeClr>
+          </a:lnRef>
+          <a:fillRef idx="1">
+            <a:schemeClr val="accent1"/>
+          </a:fillRef>
+          <a:effectRef idx="0">
+            <a:schemeClr val="accent1"/>
+          </a:effectRef>
+          <a:fontRef idx="minor">
+            <a:schemeClr val="lt1"/>
+          </a:fontRef>
+        </p:style>
+        <p:txBody>
+          <a:bodyPr rtlCol="0" anchor="ctr"/>
+          <a:lstStyle/>
+          <a:p>
+            <a:pPr algn="ctr"/>
+            <a:endParaRPr lang="zh-CN" altLang="en-US"/>
+          </a:p>
+        </p:txBody>
+      </p:sp>
+      <p:sp>
+        <p:nvSpPr>
+          <p:cNvPr id="86" name="椭圆 85">
+            <a:extLst>
+              <a:ext uri="{FF2B5EF4-FFF2-40B4-BE49-F238E27FC236}">
+                <a16:creationId xmlns:a16="http://schemas.microsoft.com/office/drawing/2014/main" id="{EAF4F759-335E-4456-BBDA-A0F1173F9205}"/>
+              </a:ext>
+            </a:extLst>
+          </p:cNvPr>
+          <p:cNvSpPr/>
+          <p:nvPr/>
+        </p:nvSpPr>
+        <p:spPr>
+          <a:xfrm>
+            <a:off x="9293896" y="4791281"/>
+            <a:ext cx="950714" cy="499594"/>
+          </a:xfrm>
+          <a:prstGeom prst="ellipse">
+            <a:avLst/>
+          </a:prstGeom>
+          <a:solidFill>
+            <a:schemeClr val="accent4">
+              <a:lumMod val="20000"/>
+              <a:lumOff val="80000"/>
+            </a:schemeClr>
+          </a:solidFill>
+          <a:ln>
+            <a:solidFill>
+              <a:schemeClr val="accent4">
+                <a:lumMod val="20000"/>
+                <a:lumOff val="80000"/>
+              </a:schemeClr>
+            </a:solidFill>
+          </a:ln>
+        </p:spPr>
+        <p:style>
+          <a:lnRef idx="2">
+            <a:schemeClr val="accent1">
+              <a:shade val="50000"/>
+            </a:schemeClr>
+          </a:lnRef>
+          <a:fillRef idx="1">
+            <a:schemeClr val="accent1"/>
+          </a:fillRef>
+          <a:effectRef idx="0">
+            <a:schemeClr val="accent1"/>
+          </a:effectRef>
+          <a:fontRef idx="minor">
+            <a:schemeClr val="lt1"/>
+          </a:fontRef>
+        </p:style>
+        <p:txBody>
+          <a:bodyPr rtlCol="0" anchor="ctr"/>
+          <a:lstStyle/>
+          <a:p>
+            <a:pPr algn="ctr"/>
+            <a:endParaRPr lang="zh-CN" altLang="en-US"/>
+          </a:p>
+        </p:txBody>
+      </p:sp>
+      <p:sp>
+        <p:nvSpPr>
+          <p:cNvPr id="87" name="椭圆 86">
+            <a:extLst>
+              <a:ext uri="{FF2B5EF4-FFF2-40B4-BE49-F238E27FC236}">
+                <a16:creationId xmlns:a16="http://schemas.microsoft.com/office/drawing/2014/main" id="{5524CA76-140F-4835-9859-B9CA07495E40}"/>
+              </a:ext>
+            </a:extLst>
+          </p:cNvPr>
+          <p:cNvSpPr/>
+          <p:nvPr/>
+        </p:nvSpPr>
+        <p:spPr>
+          <a:xfrm>
+            <a:off x="7300029" y="5180435"/>
+            <a:ext cx="404869" cy="243939"/>
           </a:xfrm>
           <a:prstGeom prst="ellipse">
             <a:avLst/>
@@ -3989,16 +6070,16 @@
           <a:lstStyle/>
           <a:p>
             <a:pPr algn="ctr"/>
-            <a:endParaRPr lang="zh-CN" altLang="en-US"/>
-          </a:p>
-        </p:txBody>
-      </p:sp>
-      <p:sp>
-        <p:nvSpPr>
-          <p:cNvPr id="85" name="椭圆 84">
-            <a:extLst>
-              <a:ext uri="{FF2B5EF4-FFF2-40B4-BE49-F238E27FC236}">
-                <a16:creationId xmlns:a16="http://schemas.microsoft.com/office/drawing/2014/main" id="{106FC0AA-7438-443D-A6C6-99341E88C1B2}"/>
+            <a:endParaRPr lang="zh-CN" altLang="en-US" dirty="0"/>
+          </a:p>
+        </p:txBody>
+      </p:sp>
+      <p:sp>
+        <p:nvSpPr>
+          <p:cNvPr id="88" name="椭圆 87">
+            <a:extLst>
+              <a:ext uri="{FF2B5EF4-FFF2-40B4-BE49-F238E27FC236}">
+                <a16:creationId xmlns:a16="http://schemas.microsoft.com/office/drawing/2014/main" id="{D5552AF1-4AD3-47BB-9BB3-D9D2A44FBAE8}"/>
               </a:ext>
             </a:extLst>
           </p:cNvPr>
@@ -4007,181 +6088,7 @@
         </p:nvSpPr>
         <p:spPr>
           <a:xfrm>
-            <a:off x="3206429" y="4296105"/>
-            <a:ext cx="579694" cy="424216"/>
-          </a:xfrm>
-          <a:prstGeom prst="ellipse">
-            <a:avLst/>
-          </a:prstGeom>
-          <a:solidFill>
-            <a:srgbClr val="99FF66"/>
-          </a:solidFill>
-          <a:ln>
-            <a:solidFill>
-              <a:srgbClr val="99FF66"/>
-            </a:solidFill>
-          </a:ln>
-        </p:spPr>
-        <p:style>
-          <a:lnRef idx="2">
-            <a:schemeClr val="accent1">
-              <a:shade val="50000"/>
-            </a:schemeClr>
-          </a:lnRef>
-          <a:fillRef idx="1">
-            <a:schemeClr val="accent1"/>
-          </a:fillRef>
-          <a:effectRef idx="0">
-            <a:schemeClr val="accent1"/>
-          </a:effectRef>
-          <a:fontRef idx="minor">
-            <a:schemeClr val="lt1"/>
-          </a:fontRef>
-        </p:style>
-        <p:txBody>
-          <a:bodyPr rtlCol="0" anchor="ctr"/>
-          <a:lstStyle/>
-          <a:p>
-            <a:pPr algn="ctr"/>
-            <a:endParaRPr lang="zh-CN" altLang="en-US"/>
-          </a:p>
-        </p:txBody>
-      </p:sp>
-      <p:sp>
-        <p:nvSpPr>
-          <p:cNvPr id="86" name="椭圆 85">
-            <a:extLst>
-              <a:ext uri="{FF2B5EF4-FFF2-40B4-BE49-F238E27FC236}">
-                <a16:creationId xmlns:a16="http://schemas.microsoft.com/office/drawing/2014/main" id="{EAF4F759-335E-4456-BBDA-A0F1173F9205}"/>
-              </a:ext>
-            </a:extLst>
-          </p:cNvPr>
-          <p:cNvSpPr/>
-          <p:nvPr/>
-        </p:nvSpPr>
-        <p:spPr>
-          <a:xfrm>
-            <a:off x="5626192" y="4723291"/>
-            <a:ext cx="950714" cy="499594"/>
-          </a:xfrm>
-          <a:prstGeom prst="ellipse">
-            <a:avLst/>
-          </a:prstGeom>
-          <a:solidFill>
-            <a:schemeClr val="accent4">
-              <a:lumMod val="20000"/>
-              <a:lumOff val="80000"/>
-            </a:schemeClr>
-          </a:solidFill>
-          <a:ln>
-            <a:solidFill>
-              <a:schemeClr val="accent4">
-                <a:lumMod val="20000"/>
-                <a:lumOff val="80000"/>
-              </a:schemeClr>
-            </a:solidFill>
-          </a:ln>
-        </p:spPr>
-        <p:style>
-          <a:lnRef idx="2">
-            <a:schemeClr val="accent1">
-              <a:shade val="50000"/>
-            </a:schemeClr>
-          </a:lnRef>
-          <a:fillRef idx="1">
-            <a:schemeClr val="accent1"/>
-          </a:fillRef>
-          <a:effectRef idx="0">
-            <a:schemeClr val="accent1"/>
-          </a:effectRef>
-          <a:fontRef idx="minor">
-            <a:schemeClr val="lt1"/>
-          </a:fontRef>
-        </p:style>
-        <p:txBody>
-          <a:bodyPr rtlCol="0" anchor="ctr"/>
-          <a:lstStyle/>
-          <a:p>
-            <a:pPr algn="ctr"/>
-            <a:endParaRPr lang="zh-CN" altLang="en-US"/>
-          </a:p>
-        </p:txBody>
-      </p:sp>
-      <p:sp>
-        <p:nvSpPr>
-          <p:cNvPr id="87" name="椭圆 86">
-            <a:extLst>
-              <a:ext uri="{FF2B5EF4-FFF2-40B4-BE49-F238E27FC236}">
-                <a16:creationId xmlns:a16="http://schemas.microsoft.com/office/drawing/2014/main" id="{5524CA76-140F-4835-9859-B9CA07495E40}"/>
-              </a:ext>
-            </a:extLst>
-          </p:cNvPr>
-          <p:cNvSpPr/>
-          <p:nvPr/>
-        </p:nvSpPr>
-        <p:spPr>
-          <a:xfrm>
-            <a:off x="3632325" y="5112445"/>
-            <a:ext cx="404869" cy="243939"/>
-          </a:xfrm>
-          <a:prstGeom prst="ellipse">
-            <a:avLst/>
-          </a:prstGeom>
-          <a:solidFill>
-            <a:schemeClr val="accent6">
-              <a:lumMod val="20000"/>
-              <a:lumOff val="80000"/>
-            </a:schemeClr>
-          </a:solidFill>
-          <a:ln>
-            <a:solidFill>
-              <a:schemeClr val="accent6">
-                <a:lumMod val="20000"/>
-                <a:lumOff val="80000"/>
-              </a:schemeClr>
-            </a:solidFill>
-          </a:ln>
-        </p:spPr>
-        <p:style>
-          <a:lnRef idx="2">
-            <a:schemeClr val="accent1">
-              <a:shade val="50000"/>
-            </a:schemeClr>
-          </a:lnRef>
-          <a:fillRef idx="1">
-            <a:schemeClr val="accent1"/>
-          </a:fillRef>
-          <a:effectRef idx="0">
-            <a:schemeClr val="accent1"/>
-          </a:effectRef>
-          <a:fontRef idx="minor">
-            <a:schemeClr val="lt1"/>
-          </a:fontRef>
-        </p:style>
-        <p:txBody>
-          <a:bodyPr rtlCol="0" anchor="ctr"/>
-          <a:lstStyle/>
-          <a:p>
-            <a:pPr algn="ctr"/>
-            <a:endParaRPr lang="zh-CN" altLang="en-US" dirty="0"/>
-          </a:p>
-        </p:txBody>
-      </p:sp>
-      <p:sp>
-        <p:nvSpPr>
-          <p:cNvPr id="88" name="椭圆 87">
-            <a:extLst>
-              <a:ext uri="{FF2B5EF4-FFF2-40B4-BE49-F238E27FC236}">
-                <a16:creationId xmlns:a16="http://schemas.microsoft.com/office/drawing/2014/main" id="{D5552AF1-4AD3-47BB-9BB3-D9D2A44FBAE8}"/>
-              </a:ext>
-            </a:extLst>
-          </p:cNvPr>
-          <p:cNvSpPr/>
-          <p:nvPr/>
-        </p:nvSpPr>
-        <p:spPr>
-          <a:xfrm>
-            <a:off x="2755834" y="5222885"/>
+            <a:off x="6423538" y="5290875"/>
             <a:ext cx="320825" cy="187186"/>
           </a:xfrm>
           <a:prstGeom prst="ellipse">
@@ -4235,7 +6142,7 @@
         </p:nvSpPr>
         <p:spPr>
           <a:xfrm>
-            <a:off x="4329102" y="3462099"/>
+            <a:off x="7996806" y="3530089"/>
             <a:ext cx="320825" cy="187186"/>
           </a:xfrm>
           <a:prstGeom prst="ellipse">
@@ -4295,7 +6202,7 @@
         </p:nvSpPr>
         <p:spPr>
           <a:xfrm>
-            <a:off x="6116797" y="3734698"/>
+            <a:off x="9784501" y="3802688"/>
             <a:ext cx="266247" cy="163942"/>
           </a:xfrm>
           <a:prstGeom prst="ellipse">
@@ -4355,7 +6262,7 @@
         </p:nvSpPr>
         <p:spPr>
           <a:xfrm>
-            <a:off x="4754708" y="4202512"/>
+            <a:off x="8422412" y="4270502"/>
             <a:ext cx="320825" cy="187186"/>
           </a:xfrm>
           <a:prstGeom prst="ellipse">
@@ -4401,66 +6308,6 @@
           </a:p>
         </p:txBody>
       </p:sp>
-      <p:pic>
-        <p:nvPicPr>
-          <p:cNvPr id="3" name="图片 2">
-            <a:extLst>
-              <a:ext uri="{FF2B5EF4-FFF2-40B4-BE49-F238E27FC236}">
-                <a16:creationId xmlns:a16="http://schemas.microsoft.com/office/drawing/2014/main" id="{6EBD098B-0F73-4255-9DC6-778AC6B24C3E}"/>
-              </a:ext>
-            </a:extLst>
-          </p:cNvPr>
-          <p:cNvPicPr>
-            <a:picLocks noChangeAspect="1"/>
-          </p:cNvPicPr>
-          <p:nvPr/>
-        </p:nvPicPr>
-        <p:blipFill>
-          <a:blip r:embed="rId4"/>
-          <a:stretch>
-            <a:fillRect/>
-          </a:stretch>
-        </p:blipFill>
-        <p:spPr>
-          <a:xfrm>
-            <a:off x="1674456" y="4995027"/>
-            <a:ext cx="465364" cy="429007"/>
-          </a:xfrm>
-          <a:prstGeom prst="rect">
-            <a:avLst/>
-          </a:prstGeom>
-        </p:spPr>
-      </p:pic>
-      <p:pic>
-        <p:nvPicPr>
-          <p:cNvPr id="93" name="图片 92">
-            <a:extLst>
-              <a:ext uri="{FF2B5EF4-FFF2-40B4-BE49-F238E27FC236}">
-                <a16:creationId xmlns:a16="http://schemas.microsoft.com/office/drawing/2014/main" id="{313BE7CB-2A41-493E-B4DC-4C5818AA510F}"/>
-              </a:ext>
-            </a:extLst>
-          </p:cNvPr>
-          <p:cNvPicPr>
-            <a:picLocks noChangeAspect="1"/>
-          </p:cNvPicPr>
-          <p:nvPr/>
-        </p:nvPicPr>
-        <p:blipFill>
-          <a:blip r:embed="rId5"/>
-          <a:stretch>
-            <a:fillRect/>
-          </a:stretch>
-        </p:blipFill>
-        <p:spPr>
-          <a:xfrm>
-            <a:off x="2139820" y="5062975"/>
-            <a:ext cx="211493" cy="342878"/>
-          </a:xfrm>
-          <a:prstGeom prst="rect">
-            <a:avLst/>
-          </a:prstGeom>
-        </p:spPr>
-      </p:pic>
       <p:cxnSp>
         <p:nvCxnSpPr>
           <p:cNvPr id="98" name="直接连接符 97">
@@ -4478,7 +6325,7 @@
         </p:nvCxnSpPr>
         <p:spPr>
           <a:xfrm flipH="1" flipV="1">
-            <a:off x="4664085" y="3555693"/>
+            <a:off x="8331789" y="3623683"/>
             <a:ext cx="1452712" cy="260976"/>
           </a:xfrm>
           <a:prstGeom prst="line">
@@ -4523,7 +6370,7 @@
         </p:nvCxnSpPr>
         <p:spPr>
           <a:xfrm flipH="1">
-            <a:off x="6101549" y="3898640"/>
+            <a:off x="9769253" y="3966630"/>
             <a:ext cx="135899" cy="824651"/>
           </a:xfrm>
           <a:prstGeom prst="line">
@@ -4568,7 +6415,7 @@
         </p:nvCxnSpPr>
         <p:spPr>
           <a:xfrm flipV="1">
-            <a:off x="2709863" y="3759354"/>
+            <a:off x="6377567" y="3827344"/>
             <a:ext cx="437239" cy="139286"/>
           </a:xfrm>
           <a:prstGeom prst="line">
@@ -4613,7 +6460,7 @@
         </p:nvCxnSpPr>
         <p:spPr>
           <a:xfrm flipH="1" flipV="1">
-            <a:off x="2690469" y="4145161"/>
+            <a:off x="6358173" y="4213151"/>
             <a:ext cx="515960" cy="363052"/>
           </a:xfrm>
           <a:prstGeom prst="line">
@@ -4658,7 +6505,7 @@
         </p:nvCxnSpPr>
         <p:spPr>
           <a:xfrm flipV="1">
-            <a:off x="2916246" y="4658196"/>
+            <a:off x="6583950" y="4726186"/>
             <a:ext cx="375077" cy="564690"/>
           </a:xfrm>
           <a:prstGeom prst="line">
@@ -4704,7 +6551,7 @@
         </p:nvCxnSpPr>
         <p:spPr>
           <a:xfrm flipV="1">
-            <a:off x="3076659" y="5234415"/>
+            <a:off x="6744363" y="5302405"/>
             <a:ext cx="555666" cy="82063"/>
           </a:xfrm>
           <a:prstGeom prst="line">
@@ -4749,7 +6596,7 @@
         </p:nvCxnSpPr>
         <p:spPr>
           <a:xfrm flipV="1">
-            <a:off x="3977902" y="4389699"/>
+            <a:off x="7645606" y="4457689"/>
             <a:ext cx="878367" cy="758470"/>
           </a:xfrm>
           <a:prstGeom prst="line">
@@ -4794,7 +6641,7 @@
         </p:nvCxnSpPr>
         <p:spPr>
           <a:xfrm flipH="1" flipV="1">
-            <a:off x="5048049" y="4341229"/>
+            <a:off x="8715753" y="4409219"/>
             <a:ext cx="717372" cy="455226"/>
           </a:xfrm>
           <a:prstGeom prst="line">
@@ -4839,7 +6686,7 @@
         </p:nvCxnSpPr>
         <p:spPr>
           <a:xfrm flipV="1">
-            <a:off x="3510139" y="3555692"/>
+            <a:off x="7177843" y="3623682"/>
             <a:ext cx="818963" cy="4854"/>
           </a:xfrm>
           <a:prstGeom prst="line">
@@ -4881,7 +6728,7 @@
         </p:nvSpPr>
         <p:spPr>
           <a:xfrm>
-            <a:off x="7466468" y="4396298"/>
+            <a:off x="10810693" y="4506228"/>
             <a:ext cx="320825" cy="187186"/>
           </a:xfrm>
           <a:prstGeom prst="ellipse">
@@ -4941,7 +6788,7 @@
         </p:nvGrpSpPr>
         <p:grpSpPr>
           <a:xfrm>
-            <a:off x="3291323" y="5761329"/>
+            <a:off x="5016329" y="5849017"/>
             <a:ext cx="2428729" cy="0"/>
             <a:chOff x="3291323" y="5761329"/>
             <a:chExt cx="2428729" cy="0"/>
@@ -5326,4133 +7173,6 @@
           <p:cNvGraphicFramePr>
             <a:graphicFrameLocks noGrp="1"/>
           </p:cNvGraphicFramePr>
-          <p:nvPr/>
-        </p:nvGraphicFramePr>
-        <p:xfrm>
-          <a:off x="3279241" y="5828211"/>
-          <a:ext cx="2449580" cy="274320"/>
-        </p:xfrm>
-        <a:graphic>
-          <a:graphicData uri="http://schemas.openxmlformats.org/drawingml/2006/table">
-            <a:tbl>
-              <a:tblPr firstRow="1" bandRow="1">
-                <a:tableStyleId>{5C22544A-7EE6-4342-B048-85BDC9FD1C3A}</a:tableStyleId>
-              </a:tblPr>
-              <a:tblGrid>
-                <a:gridCol w="527700">
-                  <a:extLst>
-                    <a:ext uri="{9D8B030D-6E8A-4147-A177-3AD203B41FA5}">
-                      <a16:colId xmlns:a16="http://schemas.microsoft.com/office/drawing/2014/main" val="51303530"/>
-                    </a:ext>
-                  </a:extLst>
-                </a:gridCol>
-                <a:gridCol w="453080">
-                  <a:extLst>
-                    <a:ext uri="{9D8B030D-6E8A-4147-A177-3AD203B41FA5}">
-                      <a16:colId xmlns:a16="http://schemas.microsoft.com/office/drawing/2014/main" val="4231875796"/>
-                    </a:ext>
-                  </a:extLst>
-                </a:gridCol>
-                <a:gridCol w="489600">
-                  <a:extLst>
-                    <a:ext uri="{9D8B030D-6E8A-4147-A177-3AD203B41FA5}">
-                      <a16:colId xmlns:a16="http://schemas.microsoft.com/office/drawing/2014/main" val="114144422"/>
-                    </a:ext>
-                  </a:extLst>
-                </a:gridCol>
-                <a:gridCol w="489600">
-                  <a:extLst>
-                    <a:ext uri="{9D8B030D-6E8A-4147-A177-3AD203B41FA5}">
-                      <a16:colId xmlns:a16="http://schemas.microsoft.com/office/drawing/2014/main" val="1667083818"/>
-                    </a:ext>
-                  </a:extLst>
-                </a:gridCol>
-                <a:gridCol w="489600">
-                  <a:extLst>
-                    <a:ext uri="{9D8B030D-6E8A-4147-A177-3AD203B41FA5}">
-                      <a16:colId xmlns:a16="http://schemas.microsoft.com/office/drawing/2014/main" val="1210273636"/>
-                    </a:ext>
-                  </a:extLst>
-                </a:gridCol>
-              </a:tblGrid>
-              <a:tr h="264851">
-                <a:tc>
-                  <a:txBody>
-                    <a:bodyPr/>
-                    <a:lstStyle/>
-                    <a:p>
-                      <a:pPr algn="ctr"/>
-                      <a:r>
-                        <a:rPr lang="en-US" altLang="zh-CN" sz="1200" dirty="0">
-                          <a:solidFill>
-                            <a:schemeClr val="tx1"/>
-                          </a:solidFill>
-                          <a:latin typeface="Times New Roman" panose="02020603050405020304" pitchFamily="18" charset="0"/>
-                          <a:cs typeface="Times New Roman" panose="02020603050405020304" pitchFamily="18" charset="0"/>
-                        </a:rPr>
-                        <a:t>0.1</a:t>
-                      </a:r>
-                      <a:endParaRPr lang="zh-CN" altLang="en-US" sz="1200" dirty="0">
-                        <a:solidFill>
-                          <a:schemeClr val="tx1"/>
-                        </a:solidFill>
-                        <a:latin typeface="Times New Roman" panose="02020603050405020304" pitchFamily="18" charset="0"/>
-                        <a:cs typeface="Times New Roman" panose="02020603050405020304" pitchFamily="18" charset="0"/>
-                      </a:endParaRPr>
-                    </a:p>
-                  </a:txBody>
-                  <a:tcPr anchor="ctr">
-                    <a:noFill/>
-                  </a:tcPr>
-                </a:tc>
-                <a:tc>
-                  <a:txBody>
-                    <a:bodyPr/>
-                    <a:lstStyle/>
-                    <a:p>
-                      <a:pPr marL="0" algn="ctr" defTabSz="914400" rtl="0" eaLnBrk="1" latinLnBrk="0" hangingPunct="1"/>
-                      <a:r>
-                        <a:rPr lang="en-US" altLang="zh-CN" sz="1200" b="1" kern="1200" dirty="0">
-                          <a:solidFill>
-                            <a:schemeClr val="tx1"/>
-                          </a:solidFill>
-                          <a:latin typeface="Times New Roman" panose="02020603050405020304" pitchFamily="18" charset="0"/>
-                          <a:ea typeface="+mn-ea"/>
-                          <a:cs typeface="Times New Roman" panose="02020603050405020304" pitchFamily="18" charset="0"/>
-                        </a:rPr>
-                        <a:t>0.3</a:t>
-                      </a:r>
-                      <a:endParaRPr lang="zh-CN" altLang="en-US" sz="1200" b="1" kern="1200" dirty="0">
-                        <a:solidFill>
-                          <a:schemeClr val="tx1"/>
-                        </a:solidFill>
-                        <a:latin typeface="Times New Roman" panose="02020603050405020304" pitchFamily="18" charset="0"/>
-                        <a:ea typeface="+mn-ea"/>
-                        <a:cs typeface="Times New Roman" panose="02020603050405020304" pitchFamily="18" charset="0"/>
-                      </a:endParaRPr>
-                    </a:p>
-                  </a:txBody>
-                  <a:tcPr anchor="ctr">
-                    <a:noFill/>
-                  </a:tcPr>
-                </a:tc>
-                <a:tc>
-                  <a:txBody>
-                    <a:bodyPr/>
-                    <a:lstStyle/>
-                    <a:p>
-                      <a:pPr algn="ctr"/>
-                      <a:r>
-                        <a:rPr lang="en-US" altLang="zh-CN" sz="1200" dirty="0">
-                          <a:solidFill>
-                            <a:schemeClr val="tx1"/>
-                          </a:solidFill>
-                          <a:latin typeface="Times New Roman" panose="02020603050405020304" pitchFamily="18" charset="0"/>
-                          <a:cs typeface="Times New Roman" panose="02020603050405020304" pitchFamily="18" charset="0"/>
-                        </a:rPr>
-                        <a:t>0.5</a:t>
-                      </a:r>
-                      <a:endParaRPr lang="zh-CN" altLang="en-US" sz="1200" dirty="0">
-                        <a:solidFill>
-                          <a:schemeClr val="tx1"/>
-                        </a:solidFill>
-                        <a:latin typeface="Times New Roman" panose="02020603050405020304" pitchFamily="18" charset="0"/>
-                        <a:cs typeface="Times New Roman" panose="02020603050405020304" pitchFamily="18" charset="0"/>
-                      </a:endParaRPr>
-                    </a:p>
-                  </a:txBody>
-                  <a:tcPr anchor="ctr">
-                    <a:noFill/>
-                  </a:tcPr>
-                </a:tc>
-                <a:tc>
-                  <a:txBody>
-                    <a:bodyPr/>
-                    <a:lstStyle/>
-                    <a:p>
-                      <a:pPr algn="ctr"/>
-                      <a:r>
-                        <a:rPr lang="en-US" altLang="zh-CN" sz="1200" dirty="0">
-                          <a:solidFill>
-                            <a:schemeClr val="tx1"/>
-                          </a:solidFill>
-                          <a:latin typeface="Times New Roman" panose="02020603050405020304" pitchFamily="18" charset="0"/>
-                          <a:cs typeface="Times New Roman" panose="02020603050405020304" pitchFamily="18" charset="0"/>
-                        </a:rPr>
-                        <a:t>0.7</a:t>
-                      </a:r>
-                      <a:endParaRPr lang="zh-CN" altLang="en-US" sz="1200" dirty="0">
-                        <a:solidFill>
-                          <a:schemeClr val="tx1"/>
-                        </a:solidFill>
-                        <a:latin typeface="Times New Roman" panose="02020603050405020304" pitchFamily="18" charset="0"/>
-                        <a:cs typeface="Times New Roman" panose="02020603050405020304" pitchFamily="18" charset="0"/>
-                      </a:endParaRPr>
-                    </a:p>
-                  </a:txBody>
-                  <a:tcPr anchor="ctr">
-                    <a:noFill/>
-                  </a:tcPr>
-                </a:tc>
-                <a:tc>
-                  <a:txBody>
-                    <a:bodyPr/>
-                    <a:lstStyle/>
-                    <a:p>
-                      <a:pPr algn="ctr"/>
-                      <a:r>
-                        <a:rPr lang="en-US" altLang="zh-CN" sz="1200" dirty="0">
-                          <a:solidFill>
-                            <a:schemeClr val="tx1"/>
-                          </a:solidFill>
-                          <a:latin typeface="Times New Roman" panose="02020603050405020304" pitchFamily="18" charset="0"/>
-                          <a:cs typeface="Times New Roman" panose="02020603050405020304" pitchFamily="18" charset="0"/>
-                        </a:rPr>
-                        <a:t>0.9</a:t>
-                      </a:r>
-                      <a:endParaRPr lang="zh-CN" altLang="en-US" sz="1200" dirty="0">
-                        <a:solidFill>
-                          <a:schemeClr val="tx1"/>
-                        </a:solidFill>
-                        <a:latin typeface="Times New Roman" panose="02020603050405020304" pitchFamily="18" charset="0"/>
-                        <a:cs typeface="Times New Roman" panose="02020603050405020304" pitchFamily="18" charset="0"/>
-                      </a:endParaRPr>
-                    </a:p>
-                  </a:txBody>
-                  <a:tcPr anchor="ctr">
-                    <a:noFill/>
-                  </a:tcPr>
-                </a:tc>
-                <a:extLst>
-                  <a:ext uri="{0D108BD9-81ED-4DB2-BD59-A6C34878D82A}">
-                    <a16:rowId xmlns:a16="http://schemas.microsoft.com/office/drawing/2014/main" val="2807965732"/>
-                  </a:ext>
-                </a:extLst>
-              </a:tr>
-            </a:tbl>
-          </a:graphicData>
-        </a:graphic>
-      </p:graphicFrame>
-      <p:sp>
-        <p:nvSpPr>
-          <p:cNvPr id="139" name="文本框 138">
-            <a:extLst>
-              <a:ext uri="{FF2B5EF4-FFF2-40B4-BE49-F238E27FC236}">
-                <a16:creationId xmlns:a16="http://schemas.microsoft.com/office/drawing/2014/main" id="{85BFF161-883B-4356-B0EF-F392DCCA0951}"/>
-              </a:ext>
-            </a:extLst>
-          </p:cNvPr>
-          <p:cNvSpPr txBox="1"/>
-          <p:nvPr/>
-        </p:nvSpPr>
-        <p:spPr>
-          <a:xfrm>
-            <a:off x="1674456" y="5719456"/>
-            <a:ext cx="1557568" cy="276999"/>
-          </a:xfrm>
-          <a:prstGeom prst="rect">
-            <a:avLst/>
-          </a:prstGeom>
-          <a:noFill/>
-        </p:spPr>
-        <p:txBody>
-          <a:bodyPr wrap="square" rtlCol="0">
-            <a:spAutoFit/>
-          </a:bodyPr>
-          <a:lstStyle/>
-          <a:p>
-            <a:pPr algn="ctr"/>
-            <a:r>
-              <a:rPr lang="en-US" altLang="zh-CN" sz="1200" b="1" dirty="0">
-                <a:latin typeface="Times New Roman" panose="02020603050405020304" pitchFamily="18" charset="0"/>
-                <a:cs typeface="Times New Roman" panose="02020603050405020304" pitchFamily="18" charset="0"/>
-              </a:rPr>
-              <a:t>Degradation Degree</a:t>
-            </a:r>
-            <a:endParaRPr lang="en-US" altLang="zh-CN" sz="1200" dirty="0">
-              <a:latin typeface="Times New Roman" panose="02020603050405020304" pitchFamily="18" charset="0"/>
-              <a:cs typeface="Times New Roman" panose="02020603050405020304" pitchFamily="18" charset="0"/>
-            </a:endParaRPr>
-          </a:p>
-        </p:txBody>
-      </p:sp>
-    </p:spTree>
-    <p:extLst>
-      <p:ext uri="{BB962C8B-B14F-4D97-AF65-F5344CB8AC3E}">
-        <p14:creationId xmlns:p14="http://schemas.microsoft.com/office/powerpoint/2010/main" val="994574188"/>
-      </p:ext>
-    </p:extLst>
-  </p:cSld>
-  <p:clrMapOvr>
-    <a:masterClrMapping/>
-  </p:clrMapOvr>
-</p:sld>
-</file>
-
-<file path=ppt/slides/slide2.xml><?xml version="1.0" encoding="utf-8"?>
-<p:sld xmlns:a="http://schemas.openxmlformats.org/drawingml/2006/main" xmlns:r="http://schemas.openxmlformats.org/officeDocument/2006/relationships" xmlns:p="http://schemas.openxmlformats.org/presentationml/2006/main">
-  <p:cSld>
-    <p:spTree>
-      <p:nvGrpSpPr>
-        <p:cNvPr id="1" name=""/>
-        <p:cNvGrpSpPr/>
-        <p:nvPr/>
-      </p:nvGrpSpPr>
-      <p:grpSpPr>
-        <a:xfrm>
-          <a:off x="0" y="0"/>
-          <a:ext cx="0" cy="0"/>
-          <a:chOff x="0" y="0"/>
-          <a:chExt cx="0" cy="0"/>
-        </a:xfrm>
-      </p:grpSpPr>
-      <p:sp>
-        <p:nvSpPr>
-          <p:cNvPr id="175" name="平行四边形 174">
-            <a:extLst>
-              <a:ext uri="{FF2B5EF4-FFF2-40B4-BE49-F238E27FC236}">
-                <a16:creationId xmlns:a16="http://schemas.microsoft.com/office/drawing/2014/main" id="{0D700A6A-277F-0809-B4D4-8EB7FCE1E91E}"/>
-              </a:ext>
-            </a:extLst>
-          </p:cNvPr>
-          <p:cNvSpPr/>
-          <p:nvPr/>
-        </p:nvSpPr>
-        <p:spPr>
-          <a:xfrm>
-            <a:off x="5240224" y="3171995"/>
-            <a:ext cx="5777035" cy="2356255"/>
-          </a:xfrm>
-          <a:prstGeom prst="parallelogram">
-            <a:avLst/>
-          </a:prstGeom>
-          <a:solidFill>
-            <a:schemeClr val="accent6">
-              <a:lumMod val="75000"/>
-            </a:schemeClr>
-          </a:solidFill>
-          <a:ln w="3175">
-            <a:solidFill>
-              <a:srgbClr val="92D050"/>
-            </a:solidFill>
-          </a:ln>
-        </p:spPr>
-        <p:style>
-          <a:lnRef idx="2">
-            <a:schemeClr val="accent1">
-              <a:shade val="50000"/>
-            </a:schemeClr>
-          </a:lnRef>
-          <a:fillRef idx="1">
-            <a:schemeClr val="accent1"/>
-          </a:fillRef>
-          <a:effectRef idx="0">
-            <a:schemeClr val="accent1"/>
-          </a:effectRef>
-          <a:fontRef idx="minor">
-            <a:schemeClr val="lt1"/>
-          </a:fontRef>
-        </p:style>
-        <p:txBody>
-          <a:bodyPr rtlCol="0" anchor="ctr"/>
-          <a:lstStyle/>
-          <a:p>
-            <a:pPr algn="ctr"/>
-            <a:endParaRPr lang="zh-CN" altLang="en-US"/>
-          </a:p>
-        </p:txBody>
-      </p:sp>
-      <p:sp>
-        <p:nvSpPr>
-          <p:cNvPr id="174" name="平行四边形 173">
-            <a:extLst>
-              <a:ext uri="{FF2B5EF4-FFF2-40B4-BE49-F238E27FC236}">
-                <a16:creationId xmlns:a16="http://schemas.microsoft.com/office/drawing/2014/main" id="{2CC5F163-A6D8-8E0C-224B-A4B5CB972087}"/>
-              </a:ext>
-            </a:extLst>
-          </p:cNvPr>
-          <p:cNvSpPr/>
-          <p:nvPr/>
-        </p:nvSpPr>
-        <p:spPr>
-          <a:xfrm>
-            <a:off x="22842" y="3178615"/>
-            <a:ext cx="5777035" cy="2356255"/>
-          </a:xfrm>
-          <a:prstGeom prst="parallelogram">
-            <a:avLst/>
-          </a:prstGeom>
-          <a:solidFill>
-            <a:schemeClr val="accent6">
-              <a:lumMod val="75000"/>
-            </a:schemeClr>
-          </a:solidFill>
-          <a:ln w="3175">
-            <a:solidFill>
-              <a:srgbClr val="92D050"/>
-            </a:solidFill>
-          </a:ln>
-        </p:spPr>
-        <p:style>
-          <a:lnRef idx="2">
-            <a:schemeClr val="accent1">
-              <a:shade val="50000"/>
-            </a:schemeClr>
-          </a:lnRef>
-          <a:fillRef idx="1">
-            <a:schemeClr val="accent1"/>
-          </a:fillRef>
-          <a:effectRef idx="0">
-            <a:schemeClr val="accent1"/>
-          </a:effectRef>
-          <a:fontRef idx="minor">
-            <a:schemeClr val="lt1"/>
-          </a:fontRef>
-        </p:style>
-        <p:txBody>
-          <a:bodyPr rtlCol="0" anchor="ctr"/>
-          <a:lstStyle/>
-          <a:p>
-            <a:pPr algn="ctr"/>
-            <a:endParaRPr lang="zh-CN" altLang="en-US" dirty="0"/>
-          </a:p>
-        </p:txBody>
-      </p:sp>
-      <p:sp>
-        <p:nvSpPr>
-          <p:cNvPr id="173" name="平行四边形 172">
-            <a:extLst>
-              <a:ext uri="{FF2B5EF4-FFF2-40B4-BE49-F238E27FC236}">
-                <a16:creationId xmlns:a16="http://schemas.microsoft.com/office/drawing/2014/main" id="{2F358C35-AF1F-2F41-BF33-B26C2F7C8DF6}"/>
-              </a:ext>
-            </a:extLst>
-          </p:cNvPr>
-          <p:cNvSpPr/>
-          <p:nvPr/>
-        </p:nvSpPr>
-        <p:spPr>
-          <a:xfrm>
-            <a:off x="592466" y="787145"/>
-            <a:ext cx="5777035" cy="2356255"/>
-          </a:xfrm>
-          <a:prstGeom prst="parallelogram">
-            <a:avLst/>
-          </a:prstGeom>
-          <a:solidFill>
-            <a:schemeClr val="accent6">
-              <a:lumMod val="75000"/>
-            </a:schemeClr>
-          </a:solidFill>
-          <a:ln w="3175">
-            <a:solidFill>
-              <a:srgbClr val="92D050"/>
-            </a:solidFill>
-          </a:ln>
-        </p:spPr>
-        <p:style>
-          <a:lnRef idx="2">
-            <a:schemeClr val="accent1">
-              <a:shade val="50000"/>
-            </a:schemeClr>
-          </a:lnRef>
-          <a:fillRef idx="1">
-            <a:schemeClr val="accent1"/>
-          </a:fillRef>
-          <a:effectRef idx="0">
-            <a:schemeClr val="accent1"/>
-          </a:effectRef>
-          <a:fontRef idx="minor">
-            <a:schemeClr val="lt1"/>
-          </a:fontRef>
-        </p:style>
-        <p:txBody>
-          <a:bodyPr rtlCol="0" anchor="ctr"/>
-          <a:lstStyle/>
-          <a:p>
-            <a:pPr algn="ctr"/>
-            <a:endParaRPr lang="zh-CN" altLang="en-US"/>
-          </a:p>
-        </p:txBody>
-      </p:sp>
-      <p:sp>
-        <p:nvSpPr>
-          <p:cNvPr id="154" name="平行四边形 153">
-            <a:extLst>
-              <a:ext uri="{FF2B5EF4-FFF2-40B4-BE49-F238E27FC236}">
-                <a16:creationId xmlns:a16="http://schemas.microsoft.com/office/drawing/2014/main" id="{395D2D1D-9F52-8EDF-FEF6-143A4E4B608F}"/>
-              </a:ext>
-            </a:extLst>
-          </p:cNvPr>
-          <p:cNvSpPr/>
-          <p:nvPr/>
-        </p:nvSpPr>
-        <p:spPr>
-          <a:xfrm>
-            <a:off x="5833923" y="784038"/>
-            <a:ext cx="5777035" cy="2356255"/>
-          </a:xfrm>
-          <a:prstGeom prst="parallelogram">
-            <a:avLst/>
-          </a:prstGeom>
-          <a:solidFill>
-            <a:schemeClr val="accent6">
-              <a:lumMod val="75000"/>
-            </a:schemeClr>
-          </a:solidFill>
-          <a:ln w="3175">
-            <a:solidFill>
-              <a:srgbClr val="92D050"/>
-            </a:solidFill>
-          </a:ln>
-        </p:spPr>
-        <p:style>
-          <a:lnRef idx="2">
-            <a:schemeClr val="accent1">
-              <a:shade val="50000"/>
-            </a:schemeClr>
-          </a:lnRef>
-          <a:fillRef idx="1">
-            <a:schemeClr val="accent1"/>
-          </a:fillRef>
-          <a:effectRef idx="0">
-            <a:schemeClr val="accent1"/>
-          </a:effectRef>
-          <a:fontRef idx="minor">
-            <a:schemeClr val="lt1"/>
-          </a:fontRef>
-        </p:style>
-        <p:txBody>
-          <a:bodyPr rtlCol="0" anchor="ctr"/>
-          <a:lstStyle/>
-          <a:p>
-            <a:pPr algn="ctr"/>
-            <a:endParaRPr lang="zh-CN" altLang="en-US"/>
-          </a:p>
-        </p:txBody>
-      </p:sp>
-      <p:sp>
-        <p:nvSpPr>
-          <p:cNvPr id="155" name="椭圆 154">
-            <a:extLst>
-              <a:ext uri="{FF2B5EF4-FFF2-40B4-BE49-F238E27FC236}">
-                <a16:creationId xmlns:a16="http://schemas.microsoft.com/office/drawing/2014/main" id="{0E4C9785-B04C-0A71-3E0D-480D4295B1BF}"/>
-              </a:ext>
-            </a:extLst>
-          </p:cNvPr>
-          <p:cNvSpPr/>
-          <p:nvPr/>
-        </p:nvSpPr>
-        <p:spPr>
-          <a:xfrm>
-            <a:off x="7325813" y="937587"/>
-            <a:ext cx="481012" cy="311322"/>
-          </a:xfrm>
-          <a:prstGeom prst="ellipse">
-            <a:avLst/>
-          </a:prstGeom>
-          <a:solidFill>
-            <a:schemeClr val="accent6"/>
-          </a:solidFill>
-          <a:ln>
-            <a:solidFill>
-              <a:schemeClr val="accent6"/>
-            </a:solidFill>
-          </a:ln>
-        </p:spPr>
-        <p:style>
-          <a:lnRef idx="2">
-            <a:schemeClr val="accent1">
-              <a:shade val="50000"/>
-            </a:schemeClr>
-          </a:lnRef>
-          <a:fillRef idx="1">
-            <a:schemeClr val="accent1"/>
-          </a:fillRef>
-          <a:effectRef idx="0">
-            <a:schemeClr val="accent1"/>
-          </a:effectRef>
-          <a:fontRef idx="minor">
-            <a:schemeClr val="lt1"/>
-          </a:fontRef>
-        </p:style>
-        <p:txBody>
-          <a:bodyPr rtlCol="0" anchor="ctr"/>
-          <a:lstStyle/>
-          <a:p>
-            <a:pPr algn="ctr"/>
-            <a:endParaRPr lang="zh-CN" altLang="en-US"/>
-          </a:p>
-        </p:txBody>
-      </p:sp>
-      <p:sp>
-        <p:nvSpPr>
-          <p:cNvPr id="157" name="椭圆 156">
-            <a:extLst>
-              <a:ext uri="{FF2B5EF4-FFF2-40B4-BE49-F238E27FC236}">
-                <a16:creationId xmlns:a16="http://schemas.microsoft.com/office/drawing/2014/main" id="{F3F7E773-0D2C-C74E-56B1-94D53E65347C}"/>
-              </a:ext>
-            </a:extLst>
-          </p:cNvPr>
-          <p:cNvSpPr/>
-          <p:nvPr/>
-        </p:nvSpPr>
-        <p:spPr>
-          <a:xfrm>
-            <a:off x="7455583" y="1740068"/>
-            <a:ext cx="579694" cy="424216"/>
-          </a:xfrm>
-          <a:prstGeom prst="ellipse">
-            <a:avLst/>
-          </a:prstGeom>
-          <a:solidFill>
-            <a:srgbClr val="99FF66"/>
-          </a:solidFill>
-          <a:ln>
-            <a:solidFill>
-              <a:srgbClr val="99FF66"/>
-            </a:solidFill>
-          </a:ln>
-        </p:spPr>
-        <p:style>
-          <a:lnRef idx="2">
-            <a:schemeClr val="accent1">
-              <a:shade val="50000"/>
-            </a:schemeClr>
-          </a:lnRef>
-          <a:fillRef idx="1">
-            <a:schemeClr val="accent1"/>
-          </a:fillRef>
-          <a:effectRef idx="0">
-            <a:schemeClr val="accent1"/>
-          </a:effectRef>
-          <a:fontRef idx="minor">
-            <a:schemeClr val="lt1"/>
-          </a:fontRef>
-        </p:style>
-        <p:txBody>
-          <a:bodyPr rtlCol="0" anchor="ctr"/>
-          <a:lstStyle/>
-          <a:p>
-            <a:pPr algn="ctr"/>
-            <a:endParaRPr lang="zh-CN" altLang="en-US"/>
-          </a:p>
-        </p:txBody>
-      </p:sp>
-      <p:sp>
-        <p:nvSpPr>
-          <p:cNvPr id="158" name="椭圆 157">
-            <a:extLst>
-              <a:ext uri="{FF2B5EF4-FFF2-40B4-BE49-F238E27FC236}">
-                <a16:creationId xmlns:a16="http://schemas.microsoft.com/office/drawing/2014/main" id="{0EE516DD-ECF8-BD5C-B562-B9311E78212D}"/>
-              </a:ext>
-            </a:extLst>
-          </p:cNvPr>
-          <p:cNvSpPr/>
-          <p:nvPr/>
-        </p:nvSpPr>
-        <p:spPr>
-          <a:xfrm>
-            <a:off x="9875346" y="2167254"/>
-            <a:ext cx="950714" cy="499594"/>
-          </a:xfrm>
-          <a:prstGeom prst="ellipse">
-            <a:avLst/>
-          </a:prstGeom>
-          <a:solidFill>
-            <a:schemeClr val="accent4">
-              <a:lumMod val="20000"/>
-              <a:lumOff val="80000"/>
-            </a:schemeClr>
-          </a:solidFill>
-          <a:ln>
-            <a:solidFill>
-              <a:schemeClr val="accent4">
-                <a:lumMod val="20000"/>
-                <a:lumOff val="80000"/>
-              </a:schemeClr>
-            </a:solidFill>
-          </a:ln>
-        </p:spPr>
-        <p:style>
-          <a:lnRef idx="2">
-            <a:schemeClr val="accent1">
-              <a:shade val="50000"/>
-            </a:schemeClr>
-          </a:lnRef>
-          <a:fillRef idx="1">
-            <a:schemeClr val="accent1"/>
-          </a:fillRef>
-          <a:effectRef idx="0">
-            <a:schemeClr val="accent1"/>
-          </a:effectRef>
-          <a:fontRef idx="minor">
-            <a:schemeClr val="lt1"/>
-          </a:fontRef>
-        </p:style>
-        <p:txBody>
-          <a:bodyPr rtlCol="0" anchor="ctr"/>
-          <a:lstStyle/>
-          <a:p>
-            <a:pPr algn="ctr"/>
-            <a:endParaRPr lang="zh-CN" altLang="en-US"/>
-          </a:p>
-        </p:txBody>
-      </p:sp>
-      <p:sp>
-        <p:nvSpPr>
-          <p:cNvPr id="159" name="椭圆 158">
-            <a:extLst>
-              <a:ext uri="{FF2B5EF4-FFF2-40B4-BE49-F238E27FC236}">
-                <a16:creationId xmlns:a16="http://schemas.microsoft.com/office/drawing/2014/main" id="{4F412835-2CB2-50F0-48A5-9F4C8C3FF2D8}"/>
-              </a:ext>
-            </a:extLst>
-          </p:cNvPr>
-          <p:cNvSpPr/>
-          <p:nvPr/>
-        </p:nvSpPr>
-        <p:spPr>
-          <a:xfrm>
-            <a:off x="7881479" y="2556408"/>
-            <a:ext cx="404869" cy="243939"/>
-          </a:xfrm>
-          <a:prstGeom prst="ellipse">
-            <a:avLst/>
-          </a:prstGeom>
-          <a:solidFill>
-            <a:schemeClr val="accent6">
-              <a:lumMod val="20000"/>
-              <a:lumOff val="80000"/>
-            </a:schemeClr>
-          </a:solidFill>
-          <a:ln>
-            <a:solidFill>
-              <a:schemeClr val="accent6">
-                <a:lumMod val="20000"/>
-                <a:lumOff val="80000"/>
-              </a:schemeClr>
-            </a:solidFill>
-          </a:ln>
-        </p:spPr>
-        <p:style>
-          <a:lnRef idx="2">
-            <a:schemeClr val="accent1">
-              <a:shade val="50000"/>
-            </a:schemeClr>
-          </a:lnRef>
-          <a:fillRef idx="1">
-            <a:schemeClr val="accent1"/>
-          </a:fillRef>
-          <a:effectRef idx="0">
-            <a:schemeClr val="accent1"/>
-          </a:effectRef>
-          <a:fontRef idx="minor">
-            <a:schemeClr val="lt1"/>
-          </a:fontRef>
-        </p:style>
-        <p:txBody>
-          <a:bodyPr rtlCol="0" anchor="ctr"/>
-          <a:lstStyle/>
-          <a:p>
-            <a:pPr algn="ctr"/>
-            <a:endParaRPr lang="zh-CN" altLang="en-US" dirty="0"/>
-          </a:p>
-        </p:txBody>
-      </p:sp>
-      <p:sp>
-        <p:nvSpPr>
-          <p:cNvPr id="160" name="椭圆 159">
-            <a:extLst>
-              <a:ext uri="{FF2B5EF4-FFF2-40B4-BE49-F238E27FC236}">
-                <a16:creationId xmlns:a16="http://schemas.microsoft.com/office/drawing/2014/main" id="{C0F1D220-FA34-D9F1-84C8-9D450CB5DED7}"/>
-              </a:ext>
-            </a:extLst>
-          </p:cNvPr>
-          <p:cNvSpPr/>
-          <p:nvPr/>
-        </p:nvSpPr>
-        <p:spPr>
-          <a:xfrm>
-            <a:off x="7004988" y="2666848"/>
-            <a:ext cx="320825" cy="187186"/>
-          </a:xfrm>
-          <a:prstGeom prst="ellipse">
-            <a:avLst/>
-          </a:prstGeom>
-          <a:solidFill>
-            <a:schemeClr val="accent6"/>
-          </a:solidFill>
-          <a:ln>
-            <a:solidFill>
-              <a:schemeClr val="accent6"/>
-            </a:solidFill>
-          </a:ln>
-        </p:spPr>
-        <p:style>
-          <a:lnRef idx="2">
-            <a:schemeClr val="accent1">
-              <a:shade val="50000"/>
-            </a:schemeClr>
-          </a:lnRef>
-          <a:fillRef idx="1">
-            <a:schemeClr val="accent1"/>
-          </a:fillRef>
-          <a:effectRef idx="0">
-            <a:schemeClr val="accent1"/>
-          </a:effectRef>
-          <a:fontRef idx="minor">
-            <a:schemeClr val="lt1"/>
-          </a:fontRef>
-        </p:style>
-        <p:txBody>
-          <a:bodyPr rtlCol="0" anchor="ctr"/>
-          <a:lstStyle/>
-          <a:p>
-            <a:pPr algn="ctr"/>
-            <a:endParaRPr lang="zh-CN" altLang="en-US"/>
-          </a:p>
-        </p:txBody>
-      </p:sp>
-      <p:sp>
-        <p:nvSpPr>
-          <p:cNvPr id="161" name="椭圆 160">
-            <a:extLst>
-              <a:ext uri="{FF2B5EF4-FFF2-40B4-BE49-F238E27FC236}">
-                <a16:creationId xmlns:a16="http://schemas.microsoft.com/office/drawing/2014/main" id="{6E1A0D53-FCF4-64C6-F2A9-F95704601E72}"/>
-              </a:ext>
-            </a:extLst>
-          </p:cNvPr>
-          <p:cNvSpPr/>
-          <p:nvPr/>
-        </p:nvSpPr>
-        <p:spPr>
-          <a:xfrm>
-            <a:off x="8578256" y="906062"/>
-            <a:ext cx="320825" cy="187186"/>
-          </a:xfrm>
-          <a:prstGeom prst="ellipse">
-            <a:avLst/>
-          </a:prstGeom>
-          <a:solidFill>
-            <a:schemeClr val="accent6">
-              <a:lumMod val="60000"/>
-              <a:lumOff val="40000"/>
-            </a:schemeClr>
-          </a:solidFill>
-          <a:ln>
-            <a:solidFill>
-              <a:schemeClr val="accent6">
-                <a:lumMod val="60000"/>
-                <a:lumOff val="40000"/>
-              </a:schemeClr>
-            </a:solidFill>
-          </a:ln>
-        </p:spPr>
-        <p:style>
-          <a:lnRef idx="2">
-            <a:schemeClr val="accent1">
-              <a:shade val="50000"/>
-            </a:schemeClr>
-          </a:lnRef>
-          <a:fillRef idx="1">
-            <a:schemeClr val="accent1"/>
-          </a:fillRef>
-          <a:effectRef idx="0">
-            <a:schemeClr val="accent1"/>
-          </a:effectRef>
-          <a:fontRef idx="minor">
-            <a:schemeClr val="lt1"/>
-          </a:fontRef>
-        </p:style>
-        <p:txBody>
-          <a:bodyPr rtlCol="0" anchor="ctr"/>
-          <a:lstStyle/>
-          <a:p>
-            <a:pPr algn="ctr"/>
-            <a:endParaRPr lang="zh-CN" altLang="en-US"/>
-          </a:p>
-        </p:txBody>
-      </p:sp>
-      <p:sp>
-        <p:nvSpPr>
-          <p:cNvPr id="162" name="椭圆 161">
-            <a:extLst>
-              <a:ext uri="{FF2B5EF4-FFF2-40B4-BE49-F238E27FC236}">
-                <a16:creationId xmlns:a16="http://schemas.microsoft.com/office/drawing/2014/main" id="{5F477091-2625-0110-FD54-D3CD597D7D2F}"/>
-              </a:ext>
-            </a:extLst>
-          </p:cNvPr>
-          <p:cNvSpPr/>
-          <p:nvPr/>
-        </p:nvSpPr>
-        <p:spPr>
-          <a:xfrm>
-            <a:off x="10365951" y="1178661"/>
-            <a:ext cx="266247" cy="163942"/>
-          </a:xfrm>
-          <a:prstGeom prst="ellipse">
-            <a:avLst/>
-          </a:prstGeom>
-          <a:solidFill>
-            <a:schemeClr val="accent6">
-              <a:lumMod val="40000"/>
-              <a:lumOff val="60000"/>
-            </a:schemeClr>
-          </a:solidFill>
-          <a:ln>
-            <a:solidFill>
-              <a:schemeClr val="accent6">
-                <a:lumMod val="40000"/>
-                <a:lumOff val="60000"/>
-              </a:schemeClr>
-            </a:solidFill>
-          </a:ln>
-        </p:spPr>
-        <p:style>
-          <a:lnRef idx="2">
-            <a:schemeClr val="accent1">
-              <a:shade val="50000"/>
-            </a:schemeClr>
-          </a:lnRef>
-          <a:fillRef idx="1">
-            <a:schemeClr val="accent1"/>
-          </a:fillRef>
-          <a:effectRef idx="0">
-            <a:schemeClr val="accent1"/>
-          </a:effectRef>
-          <a:fontRef idx="minor">
-            <a:schemeClr val="lt1"/>
-          </a:fontRef>
-        </p:style>
-        <p:txBody>
-          <a:bodyPr rtlCol="0" anchor="ctr"/>
-          <a:lstStyle/>
-          <a:p>
-            <a:pPr algn="ctr"/>
-            <a:endParaRPr lang="zh-CN" altLang="en-US"/>
-          </a:p>
-        </p:txBody>
-      </p:sp>
-      <p:sp>
-        <p:nvSpPr>
-          <p:cNvPr id="163" name="椭圆 162">
-            <a:extLst>
-              <a:ext uri="{FF2B5EF4-FFF2-40B4-BE49-F238E27FC236}">
-                <a16:creationId xmlns:a16="http://schemas.microsoft.com/office/drawing/2014/main" id="{AF68146F-A90E-3EEF-634B-F0BE41B70B6C}"/>
-              </a:ext>
-            </a:extLst>
-          </p:cNvPr>
-          <p:cNvSpPr/>
-          <p:nvPr/>
-        </p:nvSpPr>
-        <p:spPr>
-          <a:xfrm>
-            <a:off x="9003862" y="1646475"/>
-            <a:ext cx="320825" cy="187186"/>
-          </a:xfrm>
-          <a:prstGeom prst="ellipse">
-            <a:avLst/>
-          </a:prstGeom>
-          <a:solidFill>
-            <a:schemeClr val="accent4">
-              <a:lumMod val="60000"/>
-              <a:lumOff val="40000"/>
-            </a:schemeClr>
-          </a:solidFill>
-          <a:ln>
-            <a:solidFill>
-              <a:schemeClr val="accent4">
-                <a:lumMod val="60000"/>
-                <a:lumOff val="40000"/>
-              </a:schemeClr>
-            </a:solidFill>
-          </a:ln>
-        </p:spPr>
-        <p:style>
-          <a:lnRef idx="2">
-            <a:schemeClr val="accent1">
-              <a:shade val="50000"/>
-            </a:schemeClr>
-          </a:lnRef>
-          <a:fillRef idx="1">
-            <a:schemeClr val="accent1"/>
-          </a:fillRef>
-          <a:effectRef idx="0">
-            <a:schemeClr val="accent1"/>
-          </a:effectRef>
-          <a:fontRef idx="minor">
-            <a:schemeClr val="lt1"/>
-          </a:fontRef>
-        </p:style>
-        <p:txBody>
-          <a:bodyPr rtlCol="0" anchor="ctr"/>
-          <a:lstStyle/>
-          <a:p>
-            <a:pPr algn="ctr"/>
-            <a:endParaRPr lang="zh-CN" altLang="en-US" dirty="0"/>
-          </a:p>
-        </p:txBody>
-      </p:sp>
-      <p:cxnSp>
-        <p:nvCxnSpPr>
-          <p:cNvPr id="164" name="直接连接符 163">
-            <a:extLst>
-              <a:ext uri="{FF2B5EF4-FFF2-40B4-BE49-F238E27FC236}">
-                <a16:creationId xmlns:a16="http://schemas.microsoft.com/office/drawing/2014/main" id="{84FC7E00-83B0-FB16-FBAA-7FF3919B5C5C}"/>
-              </a:ext>
-            </a:extLst>
-          </p:cNvPr>
-          <p:cNvCxnSpPr>
-            <a:cxnSpLocks/>
-            <a:stCxn id="162" idx="2"/>
-          </p:cNvCxnSpPr>
-          <p:nvPr/>
-        </p:nvCxnSpPr>
-        <p:spPr>
-          <a:xfrm flipH="1" flipV="1">
-            <a:off x="8913239" y="999656"/>
-            <a:ext cx="1452712" cy="260976"/>
-          </a:xfrm>
-          <a:prstGeom prst="line">
-            <a:avLst/>
-          </a:prstGeom>
-          <a:ln>
-            <a:solidFill>
-              <a:srgbClr val="FF0000"/>
-            </a:solidFill>
-            <a:prstDash val="dash"/>
-          </a:ln>
-        </p:spPr>
-        <p:style>
-          <a:lnRef idx="1">
-            <a:schemeClr val="accent1"/>
-          </a:lnRef>
-          <a:fillRef idx="0">
-            <a:schemeClr val="accent1"/>
-          </a:fillRef>
-          <a:effectRef idx="0">
-            <a:schemeClr val="accent1"/>
-          </a:effectRef>
-          <a:fontRef idx="minor">
-            <a:schemeClr val="tx1"/>
-          </a:fontRef>
-        </p:style>
-      </p:cxnSp>
-      <p:cxnSp>
-        <p:nvCxnSpPr>
-          <p:cNvPr id="165" name="直接连接符 164">
-            <a:extLst>
-              <a:ext uri="{FF2B5EF4-FFF2-40B4-BE49-F238E27FC236}">
-                <a16:creationId xmlns:a16="http://schemas.microsoft.com/office/drawing/2014/main" id="{7D921121-97E9-14F0-C2F9-2A7E7083622F}"/>
-              </a:ext>
-            </a:extLst>
-          </p:cNvPr>
-          <p:cNvCxnSpPr>
-            <a:cxnSpLocks/>
-            <a:endCxn id="158" idx="0"/>
-          </p:cNvCxnSpPr>
-          <p:nvPr/>
-        </p:nvCxnSpPr>
-        <p:spPr>
-          <a:xfrm flipH="1">
-            <a:off x="10350703" y="1342603"/>
-            <a:ext cx="135899" cy="824651"/>
-          </a:xfrm>
-          <a:prstGeom prst="line">
-            <a:avLst/>
-          </a:prstGeom>
-          <a:ln>
-            <a:solidFill>
-              <a:srgbClr val="FF0000"/>
-            </a:solidFill>
-            <a:prstDash val="dash"/>
-          </a:ln>
-        </p:spPr>
-        <p:style>
-          <a:lnRef idx="1">
-            <a:schemeClr val="accent1"/>
-          </a:lnRef>
-          <a:fillRef idx="0">
-            <a:schemeClr val="accent1"/>
-          </a:fillRef>
-          <a:effectRef idx="0">
-            <a:schemeClr val="accent1"/>
-          </a:effectRef>
-          <a:fontRef idx="minor">
-            <a:schemeClr val="tx1"/>
-          </a:fontRef>
-        </p:style>
-      </p:cxnSp>
-      <p:cxnSp>
-        <p:nvCxnSpPr>
-          <p:cNvPr id="166" name="直接连接符 165">
-            <a:extLst>
-              <a:ext uri="{FF2B5EF4-FFF2-40B4-BE49-F238E27FC236}">
-                <a16:creationId xmlns:a16="http://schemas.microsoft.com/office/drawing/2014/main" id="{D5BA3C07-DD06-296C-AC65-E6718E69C4F8}"/>
-              </a:ext>
-            </a:extLst>
-          </p:cNvPr>
-          <p:cNvCxnSpPr>
-            <a:cxnSpLocks/>
-            <a:endCxn id="155" idx="3"/>
-          </p:cNvCxnSpPr>
-          <p:nvPr/>
-        </p:nvCxnSpPr>
-        <p:spPr>
-          <a:xfrm flipV="1">
-            <a:off x="6959017" y="1203317"/>
-            <a:ext cx="437239" cy="139286"/>
-          </a:xfrm>
-          <a:prstGeom prst="line">
-            <a:avLst/>
-          </a:prstGeom>
-          <a:ln>
-            <a:solidFill>
-              <a:srgbClr val="FF0000"/>
-            </a:solidFill>
-            <a:prstDash val="dash"/>
-          </a:ln>
-        </p:spPr>
-        <p:style>
-          <a:lnRef idx="1">
-            <a:schemeClr val="accent1"/>
-          </a:lnRef>
-          <a:fillRef idx="0">
-            <a:schemeClr val="accent1"/>
-          </a:fillRef>
-          <a:effectRef idx="0">
-            <a:schemeClr val="accent1"/>
-          </a:effectRef>
-          <a:fontRef idx="minor">
-            <a:schemeClr val="tx1"/>
-          </a:fontRef>
-        </p:style>
-      </p:cxnSp>
-      <p:cxnSp>
-        <p:nvCxnSpPr>
-          <p:cNvPr id="167" name="直接连接符 166">
-            <a:extLst>
-              <a:ext uri="{FF2B5EF4-FFF2-40B4-BE49-F238E27FC236}">
-                <a16:creationId xmlns:a16="http://schemas.microsoft.com/office/drawing/2014/main" id="{5EFC689A-C122-A0AB-B1AA-B35037A7B3B0}"/>
-              </a:ext>
-            </a:extLst>
-          </p:cNvPr>
-          <p:cNvCxnSpPr>
-            <a:cxnSpLocks/>
-            <a:stCxn id="157" idx="2"/>
-          </p:cNvCxnSpPr>
-          <p:nvPr/>
-        </p:nvCxnSpPr>
-        <p:spPr>
-          <a:xfrm flipH="1" flipV="1">
-            <a:off x="6939623" y="1589124"/>
-            <a:ext cx="515960" cy="363052"/>
-          </a:xfrm>
-          <a:prstGeom prst="line">
-            <a:avLst/>
-          </a:prstGeom>
-          <a:ln>
-            <a:solidFill>
-              <a:srgbClr val="FF0000"/>
-            </a:solidFill>
-            <a:prstDash val="dash"/>
-          </a:ln>
-        </p:spPr>
-        <p:style>
-          <a:lnRef idx="1">
-            <a:schemeClr val="accent1"/>
-          </a:lnRef>
-          <a:fillRef idx="0">
-            <a:schemeClr val="accent1"/>
-          </a:fillRef>
-          <a:effectRef idx="0">
-            <a:schemeClr val="accent1"/>
-          </a:effectRef>
-          <a:fontRef idx="minor">
-            <a:schemeClr val="tx1"/>
-          </a:fontRef>
-        </p:style>
-      </p:cxnSp>
-      <p:cxnSp>
-        <p:nvCxnSpPr>
-          <p:cNvPr id="168" name="直接连接符 167">
-            <a:extLst>
-              <a:ext uri="{FF2B5EF4-FFF2-40B4-BE49-F238E27FC236}">
-                <a16:creationId xmlns:a16="http://schemas.microsoft.com/office/drawing/2014/main" id="{EED25E8A-11FA-6E64-8F68-63723696586E}"/>
-              </a:ext>
-            </a:extLst>
-          </p:cNvPr>
-          <p:cNvCxnSpPr>
-            <a:cxnSpLocks/>
-            <a:endCxn id="157" idx="3"/>
-          </p:cNvCxnSpPr>
-          <p:nvPr/>
-        </p:nvCxnSpPr>
-        <p:spPr>
-          <a:xfrm flipV="1">
-            <a:off x="7165400" y="2102159"/>
-            <a:ext cx="375077" cy="564690"/>
-          </a:xfrm>
-          <a:prstGeom prst="line">
-            <a:avLst/>
-          </a:prstGeom>
-          <a:ln>
-            <a:solidFill>
-              <a:srgbClr val="FF0000"/>
-            </a:solidFill>
-            <a:prstDash val="dash"/>
-          </a:ln>
-        </p:spPr>
-        <p:style>
-          <a:lnRef idx="1">
-            <a:schemeClr val="accent1"/>
-          </a:lnRef>
-          <a:fillRef idx="0">
-            <a:schemeClr val="accent1"/>
-          </a:fillRef>
-          <a:effectRef idx="0">
-            <a:schemeClr val="accent1"/>
-          </a:effectRef>
-          <a:fontRef idx="minor">
-            <a:schemeClr val="tx1"/>
-          </a:fontRef>
-        </p:style>
-      </p:cxnSp>
-      <p:cxnSp>
-        <p:nvCxnSpPr>
-          <p:cNvPr id="169" name="直接连接符 168">
-            <a:extLst>
-              <a:ext uri="{FF2B5EF4-FFF2-40B4-BE49-F238E27FC236}">
-                <a16:creationId xmlns:a16="http://schemas.microsoft.com/office/drawing/2014/main" id="{BECDC0C4-2B8A-4C6C-20DB-9FD8A6C22DD9}"/>
-              </a:ext>
-            </a:extLst>
-          </p:cNvPr>
-          <p:cNvCxnSpPr>
-            <a:cxnSpLocks/>
-            <a:stCxn id="160" idx="6"/>
-            <a:endCxn id="159" idx="2"/>
-          </p:cNvCxnSpPr>
-          <p:nvPr/>
-        </p:nvCxnSpPr>
-        <p:spPr>
-          <a:xfrm flipV="1">
-            <a:off x="7325813" y="2678378"/>
-            <a:ext cx="555666" cy="82063"/>
-          </a:xfrm>
-          <a:prstGeom prst="line">
-            <a:avLst/>
-          </a:prstGeom>
-          <a:ln>
-            <a:solidFill>
-              <a:srgbClr val="FF0000"/>
-            </a:solidFill>
-            <a:prstDash val="dash"/>
-          </a:ln>
-        </p:spPr>
-        <p:style>
-          <a:lnRef idx="1">
-            <a:schemeClr val="accent1"/>
-          </a:lnRef>
-          <a:fillRef idx="0">
-            <a:schemeClr val="accent1"/>
-          </a:fillRef>
-          <a:effectRef idx="0">
-            <a:schemeClr val="accent1"/>
-          </a:effectRef>
-          <a:fontRef idx="minor">
-            <a:schemeClr val="tx1"/>
-          </a:fontRef>
-        </p:style>
-      </p:cxnSp>
-      <p:cxnSp>
-        <p:nvCxnSpPr>
-          <p:cNvPr id="170" name="直接连接符 169">
-            <a:extLst>
-              <a:ext uri="{FF2B5EF4-FFF2-40B4-BE49-F238E27FC236}">
-                <a16:creationId xmlns:a16="http://schemas.microsoft.com/office/drawing/2014/main" id="{E59CE3A6-14AE-A40D-A3CF-47F18FB63D47}"/>
-              </a:ext>
-            </a:extLst>
-          </p:cNvPr>
-          <p:cNvCxnSpPr>
-            <a:cxnSpLocks/>
-            <a:stCxn id="159" idx="7"/>
-          </p:cNvCxnSpPr>
-          <p:nvPr/>
-        </p:nvCxnSpPr>
-        <p:spPr>
-          <a:xfrm flipV="1">
-            <a:off x="8227056" y="1833662"/>
-            <a:ext cx="878367" cy="758470"/>
-          </a:xfrm>
-          <a:prstGeom prst="line">
-            <a:avLst/>
-          </a:prstGeom>
-          <a:ln>
-            <a:solidFill>
-              <a:srgbClr val="FF0000"/>
-            </a:solidFill>
-            <a:prstDash val="dash"/>
-          </a:ln>
-        </p:spPr>
-        <p:style>
-          <a:lnRef idx="1">
-            <a:schemeClr val="accent1"/>
-          </a:lnRef>
-          <a:fillRef idx="0">
-            <a:schemeClr val="accent1"/>
-          </a:fillRef>
-          <a:effectRef idx="0">
-            <a:schemeClr val="accent1"/>
-          </a:effectRef>
-          <a:fontRef idx="minor">
-            <a:schemeClr val="tx1"/>
-          </a:fontRef>
-        </p:style>
-      </p:cxnSp>
-      <p:cxnSp>
-        <p:nvCxnSpPr>
-          <p:cNvPr id="171" name="直接连接符 170">
-            <a:extLst>
-              <a:ext uri="{FF2B5EF4-FFF2-40B4-BE49-F238E27FC236}">
-                <a16:creationId xmlns:a16="http://schemas.microsoft.com/office/drawing/2014/main" id="{751C983D-F62D-4752-8E17-238B3B945E2C}"/>
-              </a:ext>
-            </a:extLst>
-          </p:cNvPr>
-          <p:cNvCxnSpPr>
-            <a:cxnSpLocks/>
-            <a:stCxn id="158" idx="1"/>
-          </p:cNvCxnSpPr>
-          <p:nvPr/>
-        </p:nvCxnSpPr>
-        <p:spPr>
-          <a:xfrm flipH="1" flipV="1">
-            <a:off x="9297203" y="1785192"/>
-            <a:ext cx="717372" cy="455226"/>
-          </a:xfrm>
-          <a:prstGeom prst="line">
-            <a:avLst/>
-          </a:prstGeom>
-          <a:ln>
-            <a:solidFill>
-              <a:srgbClr val="FF0000"/>
-            </a:solidFill>
-            <a:prstDash val="dash"/>
-          </a:ln>
-        </p:spPr>
-        <p:style>
-          <a:lnRef idx="1">
-            <a:schemeClr val="accent1"/>
-          </a:lnRef>
-          <a:fillRef idx="0">
-            <a:schemeClr val="accent1"/>
-          </a:fillRef>
-          <a:effectRef idx="0">
-            <a:schemeClr val="accent1"/>
-          </a:effectRef>
-          <a:fontRef idx="minor">
-            <a:schemeClr val="tx1"/>
-          </a:fontRef>
-        </p:style>
-      </p:cxnSp>
-      <p:cxnSp>
-        <p:nvCxnSpPr>
-          <p:cNvPr id="172" name="直接连接符 171">
-            <a:extLst>
-              <a:ext uri="{FF2B5EF4-FFF2-40B4-BE49-F238E27FC236}">
-                <a16:creationId xmlns:a16="http://schemas.microsoft.com/office/drawing/2014/main" id="{15F0A05E-0EFA-210A-1E38-A569D4CC4D09}"/>
-              </a:ext>
-            </a:extLst>
-          </p:cNvPr>
-          <p:cNvCxnSpPr>
-            <a:cxnSpLocks/>
-            <a:endCxn id="161" idx="2"/>
-          </p:cNvCxnSpPr>
-          <p:nvPr/>
-        </p:nvCxnSpPr>
-        <p:spPr>
-          <a:xfrm flipV="1">
-            <a:off x="7759293" y="999655"/>
-            <a:ext cx="818963" cy="4854"/>
-          </a:xfrm>
-          <a:prstGeom prst="line">
-            <a:avLst/>
-          </a:prstGeom>
-          <a:ln>
-            <a:solidFill>
-              <a:srgbClr val="FF0000"/>
-            </a:solidFill>
-            <a:prstDash val="dash"/>
-          </a:ln>
-        </p:spPr>
-        <p:style>
-          <a:lnRef idx="1">
-            <a:schemeClr val="accent1"/>
-          </a:lnRef>
-          <a:fillRef idx="0">
-            <a:schemeClr val="accent1"/>
-          </a:fillRef>
-          <a:effectRef idx="0">
-            <a:schemeClr val="accent1"/>
-          </a:effectRef>
-          <a:fontRef idx="minor">
-            <a:schemeClr val="tx1"/>
-          </a:fontRef>
-        </p:style>
-      </p:cxnSp>
-      <p:sp>
-        <p:nvSpPr>
-          <p:cNvPr id="116" name="椭圆 115">
-            <a:extLst>
-              <a:ext uri="{FF2B5EF4-FFF2-40B4-BE49-F238E27FC236}">
-                <a16:creationId xmlns:a16="http://schemas.microsoft.com/office/drawing/2014/main" id="{F0709A0E-ABC3-BD17-6474-47FB5F3E4BD6}"/>
-              </a:ext>
-            </a:extLst>
-          </p:cNvPr>
-          <p:cNvSpPr/>
-          <p:nvPr/>
-        </p:nvSpPr>
-        <p:spPr>
-          <a:xfrm>
-            <a:off x="2138393" y="944075"/>
-            <a:ext cx="481012" cy="311322"/>
-          </a:xfrm>
-          <a:prstGeom prst="ellipse">
-            <a:avLst/>
-          </a:prstGeom>
-          <a:solidFill>
-            <a:schemeClr val="accent6"/>
-          </a:solidFill>
-          <a:ln>
-            <a:solidFill>
-              <a:schemeClr val="accent6"/>
-            </a:solidFill>
-          </a:ln>
-        </p:spPr>
-        <p:style>
-          <a:lnRef idx="2">
-            <a:schemeClr val="accent1">
-              <a:shade val="50000"/>
-            </a:schemeClr>
-          </a:lnRef>
-          <a:fillRef idx="1">
-            <a:schemeClr val="accent1"/>
-          </a:fillRef>
-          <a:effectRef idx="0">
-            <a:schemeClr val="accent1"/>
-          </a:effectRef>
-          <a:fontRef idx="minor">
-            <a:schemeClr val="lt1"/>
-          </a:fontRef>
-        </p:style>
-        <p:txBody>
-          <a:bodyPr rtlCol="0" anchor="ctr"/>
-          <a:lstStyle/>
-          <a:p>
-            <a:pPr algn="ctr"/>
-            <a:endParaRPr lang="zh-CN" altLang="en-US"/>
-          </a:p>
-        </p:txBody>
-      </p:sp>
-      <p:grpSp>
-        <p:nvGrpSpPr>
-          <p:cNvPr id="118" name="组合 117">
-            <a:extLst>
-              <a:ext uri="{FF2B5EF4-FFF2-40B4-BE49-F238E27FC236}">
-                <a16:creationId xmlns:a16="http://schemas.microsoft.com/office/drawing/2014/main" id="{F9DD7880-4817-942E-00A0-68DDE3784D99}"/>
-              </a:ext>
-            </a:extLst>
-          </p:cNvPr>
-          <p:cNvGrpSpPr/>
-          <p:nvPr/>
-        </p:nvGrpSpPr>
-        <p:grpSpPr>
-          <a:xfrm>
-            <a:off x="1454037" y="166021"/>
-            <a:ext cx="4586297" cy="1275362"/>
-            <a:chOff x="2519065" y="1961419"/>
-            <a:chExt cx="4586297" cy="1275362"/>
-          </a:xfrm>
-        </p:grpSpPr>
-        <p:pic>
-          <p:nvPicPr>
-            <p:cNvPr id="119" name="图片 118">
-              <a:extLst>
-                <a:ext uri="{FF2B5EF4-FFF2-40B4-BE49-F238E27FC236}">
-                  <a16:creationId xmlns:a16="http://schemas.microsoft.com/office/drawing/2014/main" id="{E0BEA42F-958A-EFCB-02F7-605C69C53912}"/>
-                </a:ext>
-              </a:extLst>
-            </p:cNvPr>
-            <p:cNvPicPr>
-              <a:picLocks noChangeAspect="1"/>
-            </p:cNvPicPr>
-            <p:nvPr/>
-          </p:nvPicPr>
-          <p:blipFill>
-            <a:blip r:embed="rId2"/>
-            <a:stretch>
-              <a:fillRect/>
-            </a:stretch>
-          </p:blipFill>
-          <p:spPr>
-            <a:xfrm>
-              <a:off x="2607436" y="2098789"/>
-              <a:ext cx="478708" cy="311322"/>
-            </a:xfrm>
-            <a:prstGeom prst="rect">
-              <a:avLst/>
-            </a:prstGeom>
-          </p:spPr>
-        </p:pic>
-        <p:sp>
-          <p:nvSpPr>
-            <p:cNvPr id="121" name="椭圆 120">
-              <a:extLst>
-                <a:ext uri="{FF2B5EF4-FFF2-40B4-BE49-F238E27FC236}">
-                  <a16:creationId xmlns:a16="http://schemas.microsoft.com/office/drawing/2014/main" id="{B5EC84C6-65EF-F6AB-A5E0-509C7F86087E}"/>
-                </a:ext>
-              </a:extLst>
-            </p:cNvPr>
-            <p:cNvSpPr/>
-            <p:nvPr/>
-          </p:nvSpPr>
-          <p:spPr>
-            <a:xfrm>
-              <a:off x="2895421" y="2098789"/>
-              <a:ext cx="4209941" cy="394547"/>
-            </a:xfrm>
-            <a:prstGeom prst="ellipse">
-              <a:avLst/>
-            </a:prstGeom>
-            <a:solidFill>
-              <a:schemeClr val="bg1"/>
-            </a:solidFill>
-            <a:ln w="6350">
-              <a:solidFill>
-                <a:srgbClr val="FF0000"/>
-              </a:solidFill>
-              <a:prstDash val="dash"/>
-            </a:ln>
-          </p:spPr>
-          <p:style>
-            <a:lnRef idx="2">
-              <a:schemeClr val="accent1">
-                <a:shade val="50000"/>
-              </a:schemeClr>
-            </a:lnRef>
-            <a:fillRef idx="1">
-              <a:schemeClr val="accent1"/>
-            </a:fillRef>
-            <a:effectRef idx="0">
-              <a:schemeClr val="accent1"/>
-            </a:effectRef>
-            <a:fontRef idx="minor">
-              <a:schemeClr val="lt1"/>
-            </a:fontRef>
-          </p:style>
-          <p:txBody>
-            <a:bodyPr rtlCol="0" anchor="ctr"/>
-            <a:lstStyle/>
-            <a:p>
-              <a:pPr algn="ctr"/>
-              <a:endParaRPr lang="zh-CN" altLang="en-US"/>
-            </a:p>
-          </p:txBody>
-        </p:sp>
-        <p:pic>
-          <p:nvPicPr>
-            <p:cNvPr id="122" name="图片 121">
-              <a:extLst>
-                <a:ext uri="{FF2B5EF4-FFF2-40B4-BE49-F238E27FC236}">
-                  <a16:creationId xmlns:a16="http://schemas.microsoft.com/office/drawing/2014/main" id="{E0B02665-5793-86CD-8569-B45B4A886DD5}"/>
-                </a:ext>
-              </a:extLst>
-            </p:cNvPr>
-            <p:cNvPicPr>
-              <a:picLocks noChangeAspect="1"/>
-            </p:cNvPicPr>
-            <p:nvPr/>
-          </p:nvPicPr>
-          <p:blipFill>
-            <a:blip r:embed="rId2"/>
-            <a:stretch>
-              <a:fillRect/>
-            </a:stretch>
-          </p:blipFill>
-          <p:spPr>
-            <a:xfrm>
-              <a:off x="5727289" y="1961419"/>
-              <a:ext cx="478708" cy="311322"/>
-            </a:xfrm>
-            <a:prstGeom prst="ellipse">
-              <a:avLst/>
-            </a:prstGeom>
-            <a:ln>
-              <a:noFill/>
-            </a:ln>
-            <a:effectLst>
-              <a:softEdge rad="112500"/>
-            </a:effectLst>
-          </p:spPr>
-        </p:pic>
-        <p:sp>
-          <p:nvSpPr>
-            <p:cNvPr id="124" name="文本框 123">
-              <a:extLst>
-                <a:ext uri="{FF2B5EF4-FFF2-40B4-BE49-F238E27FC236}">
-                  <a16:creationId xmlns:a16="http://schemas.microsoft.com/office/drawing/2014/main" id="{98B1D159-591D-B3E8-7098-3831DF119999}"/>
-                </a:ext>
-              </a:extLst>
-            </p:cNvPr>
-            <p:cNvSpPr txBox="1"/>
-            <p:nvPr/>
-          </p:nvSpPr>
-          <p:spPr>
-            <a:xfrm rot="16861463">
-              <a:off x="2284771" y="2552714"/>
-              <a:ext cx="745588" cy="276999"/>
-            </a:xfrm>
-            <a:prstGeom prst="rect">
-              <a:avLst/>
-            </a:prstGeom>
-            <a:noFill/>
-          </p:spPr>
-          <p:txBody>
-            <a:bodyPr wrap="square" rtlCol="0">
-              <a:spAutoFit/>
-            </a:bodyPr>
-            <a:lstStyle/>
-            <a:p>
-              <a:pPr algn="ctr"/>
-              <a:r>
-                <a:rPr lang="en-US" altLang="zh-CN" sz="1200" dirty="0">
-                  <a:latin typeface="Times New Roman" panose="02020603050405020304" pitchFamily="18" charset="0"/>
-                  <a:cs typeface="Times New Roman" panose="02020603050405020304" pitchFamily="18" charset="0"/>
-                </a:rPr>
-                <a:t>G2A</a:t>
-              </a:r>
-              <a:endParaRPr lang="zh-CN" altLang="en-US" sz="1200" dirty="0">
-                <a:latin typeface="Times New Roman" panose="02020603050405020304" pitchFamily="18" charset="0"/>
-                <a:cs typeface="Times New Roman" panose="02020603050405020304" pitchFamily="18" charset="0"/>
-              </a:endParaRPr>
-            </a:p>
-          </p:txBody>
-        </p:sp>
-        <p:cxnSp>
-          <p:nvCxnSpPr>
-            <p:cNvPr id="126" name="直接连接符 125">
-              <a:extLst>
-                <a:ext uri="{FF2B5EF4-FFF2-40B4-BE49-F238E27FC236}">
-                  <a16:creationId xmlns:a16="http://schemas.microsoft.com/office/drawing/2014/main" id="{3FD0CD3C-F3B1-95F7-3862-AD817013B80D}"/>
-                </a:ext>
-              </a:extLst>
-            </p:cNvPr>
-            <p:cNvCxnSpPr>
-              <a:cxnSpLocks/>
-            </p:cNvCxnSpPr>
-            <p:nvPr/>
-          </p:nvCxnSpPr>
-          <p:spPr>
-            <a:xfrm flipV="1">
-              <a:off x="2638897" y="2363389"/>
-              <a:ext cx="204683" cy="873392"/>
-            </a:xfrm>
-            <a:prstGeom prst="line">
-              <a:avLst/>
-            </a:prstGeom>
-            <a:ln w="19050">
-              <a:solidFill>
-                <a:srgbClr val="FF0000"/>
-              </a:solidFill>
-              <a:prstDash val="dash"/>
-            </a:ln>
-          </p:spPr>
-          <p:style>
-            <a:lnRef idx="1">
-              <a:schemeClr val="accent1"/>
-            </a:lnRef>
-            <a:fillRef idx="0">
-              <a:schemeClr val="accent1"/>
-            </a:fillRef>
-            <a:effectRef idx="0">
-              <a:schemeClr val="accent1"/>
-            </a:effectRef>
-            <a:fontRef idx="minor">
-              <a:schemeClr val="tx1"/>
-            </a:fontRef>
-          </p:style>
-        </p:cxnSp>
-      </p:grpSp>
-      <p:sp>
-        <p:nvSpPr>
-          <p:cNvPr id="128" name="椭圆 127">
-            <a:extLst>
-              <a:ext uri="{FF2B5EF4-FFF2-40B4-BE49-F238E27FC236}">
-                <a16:creationId xmlns:a16="http://schemas.microsoft.com/office/drawing/2014/main" id="{A9ACA5DF-DCD7-AD27-20AA-0B1EE7249796}"/>
-              </a:ext>
-            </a:extLst>
-          </p:cNvPr>
-          <p:cNvSpPr/>
-          <p:nvPr/>
-        </p:nvSpPr>
-        <p:spPr>
-          <a:xfrm>
-            <a:off x="1352032" y="1316938"/>
-            <a:ext cx="481012" cy="311322"/>
-          </a:xfrm>
-          <a:prstGeom prst="ellipse">
-            <a:avLst/>
-          </a:prstGeom>
-          <a:solidFill>
-            <a:schemeClr val="accent6">
-              <a:lumMod val="20000"/>
-              <a:lumOff val="80000"/>
-            </a:schemeClr>
-          </a:solidFill>
-          <a:ln>
-            <a:solidFill>
-              <a:schemeClr val="accent6">
-                <a:lumMod val="20000"/>
-                <a:lumOff val="80000"/>
-              </a:schemeClr>
-            </a:solidFill>
-          </a:ln>
-        </p:spPr>
-        <p:style>
-          <a:lnRef idx="2">
-            <a:schemeClr val="accent1">
-              <a:shade val="50000"/>
-            </a:schemeClr>
-          </a:lnRef>
-          <a:fillRef idx="1">
-            <a:schemeClr val="accent1"/>
-          </a:fillRef>
-          <a:effectRef idx="0">
-            <a:schemeClr val="accent1"/>
-          </a:effectRef>
-          <a:fontRef idx="minor">
-            <a:schemeClr val="lt1"/>
-          </a:fontRef>
-        </p:style>
-        <p:txBody>
-          <a:bodyPr rtlCol="0" anchor="ctr"/>
-          <a:lstStyle/>
-          <a:p>
-            <a:pPr algn="ctr"/>
-            <a:endParaRPr lang="zh-CN" altLang="en-US"/>
-          </a:p>
-        </p:txBody>
-      </p:sp>
-      <p:sp>
-        <p:nvSpPr>
-          <p:cNvPr id="129" name="椭圆 128">
-            <a:extLst>
-              <a:ext uri="{FF2B5EF4-FFF2-40B4-BE49-F238E27FC236}">
-                <a16:creationId xmlns:a16="http://schemas.microsoft.com/office/drawing/2014/main" id="{C9604F0A-B540-A479-E50E-6A497AAECC7D}"/>
-              </a:ext>
-            </a:extLst>
-          </p:cNvPr>
-          <p:cNvSpPr/>
-          <p:nvPr/>
-        </p:nvSpPr>
-        <p:spPr>
-          <a:xfrm>
-            <a:off x="2268163" y="1746556"/>
-            <a:ext cx="579694" cy="424216"/>
-          </a:xfrm>
-          <a:prstGeom prst="ellipse">
-            <a:avLst/>
-          </a:prstGeom>
-          <a:solidFill>
-            <a:srgbClr val="99FF66"/>
-          </a:solidFill>
-          <a:ln>
-            <a:solidFill>
-              <a:srgbClr val="99FF66"/>
-            </a:solidFill>
-          </a:ln>
-        </p:spPr>
-        <p:style>
-          <a:lnRef idx="2">
-            <a:schemeClr val="accent1">
-              <a:shade val="50000"/>
-            </a:schemeClr>
-          </a:lnRef>
-          <a:fillRef idx="1">
-            <a:schemeClr val="accent1"/>
-          </a:fillRef>
-          <a:effectRef idx="0">
-            <a:schemeClr val="accent1"/>
-          </a:effectRef>
-          <a:fontRef idx="minor">
-            <a:schemeClr val="lt1"/>
-          </a:fontRef>
-        </p:style>
-        <p:txBody>
-          <a:bodyPr rtlCol="0" anchor="ctr"/>
-          <a:lstStyle/>
-          <a:p>
-            <a:pPr algn="ctr"/>
-            <a:endParaRPr lang="zh-CN" altLang="en-US"/>
-          </a:p>
-        </p:txBody>
-      </p:sp>
-      <p:sp>
-        <p:nvSpPr>
-          <p:cNvPr id="137" name="椭圆 136">
-            <a:extLst>
-              <a:ext uri="{FF2B5EF4-FFF2-40B4-BE49-F238E27FC236}">
-                <a16:creationId xmlns:a16="http://schemas.microsoft.com/office/drawing/2014/main" id="{B1756CC0-502E-275D-FC81-5D410276C47F}"/>
-              </a:ext>
-            </a:extLst>
-          </p:cNvPr>
-          <p:cNvSpPr/>
-          <p:nvPr/>
-        </p:nvSpPr>
-        <p:spPr>
-          <a:xfrm>
-            <a:off x="4687926" y="2173742"/>
-            <a:ext cx="950714" cy="499594"/>
-          </a:xfrm>
-          <a:prstGeom prst="ellipse">
-            <a:avLst/>
-          </a:prstGeom>
-          <a:solidFill>
-            <a:schemeClr val="accent4">
-              <a:lumMod val="20000"/>
-              <a:lumOff val="80000"/>
-            </a:schemeClr>
-          </a:solidFill>
-          <a:ln>
-            <a:solidFill>
-              <a:schemeClr val="accent4">
-                <a:lumMod val="20000"/>
-                <a:lumOff val="80000"/>
-              </a:schemeClr>
-            </a:solidFill>
-          </a:ln>
-        </p:spPr>
-        <p:style>
-          <a:lnRef idx="2">
-            <a:schemeClr val="accent1">
-              <a:shade val="50000"/>
-            </a:schemeClr>
-          </a:lnRef>
-          <a:fillRef idx="1">
-            <a:schemeClr val="accent1"/>
-          </a:fillRef>
-          <a:effectRef idx="0">
-            <a:schemeClr val="accent1"/>
-          </a:effectRef>
-          <a:fontRef idx="minor">
-            <a:schemeClr val="lt1"/>
-          </a:fontRef>
-        </p:style>
-        <p:txBody>
-          <a:bodyPr rtlCol="0" anchor="ctr"/>
-          <a:lstStyle/>
-          <a:p>
-            <a:pPr algn="ctr"/>
-            <a:endParaRPr lang="zh-CN" altLang="en-US"/>
-          </a:p>
-        </p:txBody>
-      </p:sp>
-      <p:sp>
-        <p:nvSpPr>
-          <p:cNvPr id="140" name="椭圆 139">
-            <a:extLst>
-              <a:ext uri="{FF2B5EF4-FFF2-40B4-BE49-F238E27FC236}">
-                <a16:creationId xmlns:a16="http://schemas.microsoft.com/office/drawing/2014/main" id="{B052999A-BC3A-8112-02C1-13E2271B44C7}"/>
-              </a:ext>
-            </a:extLst>
-          </p:cNvPr>
-          <p:cNvSpPr/>
-          <p:nvPr/>
-        </p:nvSpPr>
-        <p:spPr>
-          <a:xfrm>
-            <a:off x="2694059" y="2562896"/>
-            <a:ext cx="404869" cy="243939"/>
-          </a:xfrm>
-          <a:prstGeom prst="ellipse">
-            <a:avLst/>
-          </a:prstGeom>
-          <a:solidFill>
-            <a:schemeClr val="accent6">
-              <a:lumMod val="20000"/>
-              <a:lumOff val="80000"/>
-            </a:schemeClr>
-          </a:solidFill>
-          <a:ln>
-            <a:solidFill>
-              <a:schemeClr val="accent6">
-                <a:lumMod val="20000"/>
-                <a:lumOff val="80000"/>
-              </a:schemeClr>
-            </a:solidFill>
-          </a:ln>
-        </p:spPr>
-        <p:style>
-          <a:lnRef idx="2">
-            <a:schemeClr val="accent1">
-              <a:shade val="50000"/>
-            </a:schemeClr>
-          </a:lnRef>
-          <a:fillRef idx="1">
-            <a:schemeClr val="accent1"/>
-          </a:fillRef>
-          <a:effectRef idx="0">
-            <a:schemeClr val="accent1"/>
-          </a:effectRef>
-          <a:fontRef idx="minor">
-            <a:schemeClr val="lt1"/>
-          </a:fontRef>
-        </p:style>
-        <p:txBody>
-          <a:bodyPr rtlCol="0" anchor="ctr"/>
-          <a:lstStyle/>
-          <a:p>
-            <a:pPr algn="ctr"/>
-            <a:endParaRPr lang="zh-CN" altLang="en-US" dirty="0"/>
-          </a:p>
-        </p:txBody>
-      </p:sp>
-      <p:sp>
-        <p:nvSpPr>
-          <p:cNvPr id="141" name="椭圆 140">
-            <a:extLst>
-              <a:ext uri="{FF2B5EF4-FFF2-40B4-BE49-F238E27FC236}">
-                <a16:creationId xmlns:a16="http://schemas.microsoft.com/office/drawing/2014/main" id="{6B672515-92F1-E0D5-A920-DB68D73103C7}"/>
-              </a:ext>
-            </a:extLst>
-          </p:cNvPr>
-          <p:cNvSpPr/>
-          <p:nvPr/>
-        </p:nvSpPr>
-        <p:spPr>
-          <a:xfrm>
-            <a:off x="1817568" y="2673336"/>
-            <a:ext cx="320825" cy="187186"/>
-          </a:xfrm>
-          <a:prstGeom prst="ellipse">
-            <a:avLst/>
-          </a:prstGeom>
-          <a:solidFill>
-            <a:schemeClr val="accent6"/>
-          </a:solidFill>
-          <a:ln>
-            <a:solidFill>
-              <a:schemeClr val="accent6"/>
-            </a:solidFill>
-          </a:ln>
-        </p:spPr>
-        <p:style>
-          <a:lnRef idx="2">
-            <a:schemeClr val="accent1">
-              <a:shade val="50000"/>
-            </a:schemeClr>
-          </a:lnRef>
-          <a:fillRef idx="1">
-            <a:schemeClr val="accent1"/>
-          </a:fillRef>
-          <a:effectRef idx="0">
-            <a:schemeClr val="accent1"/>
-          </a:effectRef>
-          <a:fontRef idx="minor">
-            <a:schemeClr val="lt1"/>
-          </a:fontRef>
-        </p:style>
-        <p:txBody>
-          <a:bodyPr rtlCol="0" anchor="ctr"/>
-          <a:lstStyle/>
-          <a:p>
-            <a:pPr algn="ctr"/>
-            <a:endParaRPr lang="zh-CN" altLang="en-US"/>
-          </a:p>
-        </p:txBody>
-      </p:sp>
-      <p:sp>
-        <p:nvSpPr>
-          <p:cNvPr id="142" name="椭圆 141">
-            <a:extLst>
-              <a:ext uri="{FF2B5EF4-FFF2-40B4-BE49-F238E27FC236}">
-                <a16:creationId xmlns:a16="http://schemas.microsoft.com/office/drawing/2014/main" id="{E2ED6FB7-99A2-DE64-D3EC-F4A5E1C9E279}"/>
-              </a:ext>
-            </a:extLst>
-          </p:cNvPr>
-          <p:cNvSpPr/>
-          <p:nvPr/>
-        </p:nvSpPr>
-        <p:spPr>
-          <a:xfrm>
-            <a:off x="3390836" y="912550"/>
-            <a:ext cx="320825" cy="187186"/>
-          </a:xfrm>
-          <a:prstGeom prst="ellipse">
-            <a:avLst/>
-          </a:prstGeom>
-          <a:solidFill>
-            <a:schemeClr val="accent6">
-              <a:lumMod val="60000"/>
-              <a:lumOff val="40000"/>
-            </a:schemeClr>
-          </a:solidFill>
-          <a:ln>
-            <a:solidFill>
-              <a:schemeClr val="accent6">
-                <a:lumMod val="60000"/>
-                <a:lumOff val="40000"/>
-              </a:schemeClr>
-            </a:solidFill>
-          </a:ln>
-        </p:spPr>
-        <p:style>
-          <a:lnRef idx="2">
-            <a:schemeClr val="accent1">
-              <a:shade val="50000"/>
-            </a:schemeClr>
-          </a:lnRef>
-          <a:fillRef idx="1">
-            <a:schemeClr val="accent1"/>
-          </a:fillRef>
-          <a:effectRef idx="0">
-            <a:schemeClr val="accent1"/>
-          </a:effectRef>
-          <a:fontRef idx="minor">
-            <a:schemeClr val="lt1"/>
-          </a:fontRef>
-        </p:style>
-        <p:txBody>
-          <a:bodyPr rtlCol="0" anchor="ctr"/>
-          <a:lstStyle/>
-          <a:p>
-            <a:pPr algn="ctr"/>
-            <a:endParaRPr lang="zh-CN" altLang="en-US"/>
-          </a:p>
-        </p:txBody>
-      </p:sp>
-      <p:sp>
-        <p:nvSpPr>
-          <p:cNvPr id="143" name="椭圆 142">
-            <a:extLst>
-              <a:ext uri="{FF2B5EF4-FFF2-40B4-BE49-F238E27FC236}">
-                <a16:creationId xmlns:a16="http://schemas.microsoft.com/office/drawing/2014/main" id="{133B3B89-A2BD-3B16-9B36-8FBD0F8FABA9}"/>
-              </a:ext>
-            </a:extLst>
-          </p:cNvPr>
-          <p:cNvSpPr/>
-          <p:nvPr/>
-        </p:nvSpPr>
-        <p:spPr>
-          <a:xfrm>
-            <a:off x="5178531" y="1185149"/>
-            <a:ext cx="266247" cy="163942"/>
-          </a:xfrm>
-          <a:prstGeom prst="ellipse">
-            <a:avLst/>
-          </a:prstGeom>
-          <a:solidFill>
-            <a:schemeClr val="accent6">
-              <a:lumMod val="40000"/>
-              <a:lumOff val="60000"/>
-            </a:schemeClr>
-          </a:solidFill>
-          <a:ln>
-            <a:solidFill>
-              <a:schemeClr val="accent6">
-                <a:lumMod val="40000"/>
-                <a:lumOff val="60000"/>
-              </a:schemeClr>
-            </a:solidFill>
-          </a:ln>
-        </p:spPr>
-        <p:style>
-          <a:lnRef idx="2">
-            <a:schemeClr val="accent1">
-              <a:shade val="50000"/>
-            </a:schemeClr>
-          </a:lnRef>
-          <a:fillRef idx="1">
-            <a:schemeClr val="accent1"/>
-          </a:fillRef>
-          <a:effectRef idx="0">
-            <a:schemeClr val="accent1"/>
-          </a:effectRef>
-          <a:fontRef idx="minor">
-            <a:schemeClr val="lt1"/>
-          </a:fontRef>
-        </p:style>
-        <p:txBody>
-          <a:bodyPr rtlCol="0" anchor="ctr"/>
-          <a:lstStyle/>
-          <a:p>
-            <a:pPr algn="ctr"/>
-            <a:endParaRPr lang="zh-CN" altLang="en-US"/>
-          </a:p>
-        </p:txBody>
-      </p:sp>
-      <p:sp>
-        <p:nvSpPr>
-          <p:cNvPr id="144" name="椭圆 143">
-            <a:extLst>
-              <a:ext uri="{FF2B5EF4-FFF2-40B4-BE49-F238E27FC236}">
-                <a16:creationId xmlns:a16="http://schemas.microsoft.com/office/drawing/2014/main" id="{E53B54DE-6563-C5CD-9F01-80DA33F1462C}"/>
-              </a:ext>
-            </a:extLst>
-          </p:cNvPr>
-          <p:cNvSpPr/>
-          <p:nvPr/>
-        </p:nvSpPr>
-        <p:spPr>
-          <a:xfrm>
-            <a:off x="3816442" y="1652963"/>
-            <a:ext cx="320825" cy="187186"/>
-          </a:xfrm>
-          <a:prstGeom prst="ellipse">
-            <a:avLst/>
-          </a:prstGeom>
-          <a:solidFill>
-            <a:schemeClr val="accent4">
-              <a:lumMod val="60000"/>
-              <a:lumOff val="40000"/>
-            </a:schemeClr>
-          </a:solidFill>
-          <a:ln>
-            <a:solidFill>
-              <a:schemeClr val="accent4">
-                <a:lumMod val="60000"/>
-                <a:lumOff val="40000"/>
-              </a:schemeClr>
-            </a:solidFill>
-          </a:ln>
-        </p:spPr>
-        <p:style>
-          <a:lnRef idx="2">
-            <a:schemeClr val="accent1">
-              <a:shade val="50000"/>
-            </a:schemeClr>
-          </a:lnRef>
-          <a:fillRef idx="1">
-            <a:schemeClr val="accent1"/>
-          </a:fillRef>
-          <a:effectRef idx="0">
-            <a:schemeClr val="accent1"/>
-          </a:effectRef>
-          <a:fontRef idx="minor">
-            <a:schemeClr val="lt1"/>
-          </a:fontRef>
-        </p:style>
-        <p:txBody>
-          <a:bodyPr rtlCol="0" anchor="ctr"/>
-          <a:lstStyle/>
-          <a:p>
-            <a:pPr algn="ctr"/>
-            <a:endParaRPr lang="zh-CN" altLang="en-US" dirty="0"/>
-          </a:p>
-        </p:txBody>
-      </p:sp>
-      <p:cxnSp>
-        <p:nvCxnSpPr>
-          <p:cNvPr id="145" name="直接连接符 144">
-            <a:extLst>
-              <a:ext uri="{FF2B5EF4-FFF2-40B4-BE49-F238E27FC236}">
-                <a16:creationId xmlns:a16="http://schemas.microsoft.com/office/drawing/2014/main" id="{D94D71C6-6624-85C3-7D8C-52932787AD34}"/>
-              </a:ext>
-            </a:extLst>
-          </p:cNvPr>
-          <p:cNvCxnSpPr>
-            <a:cxnSpLocks/>
-            <a:stCxn id="143" idx="2"/>
-          </p:cNvCxnSpPr>
-          <p:nvPr/>
-        </p:nvCxnSpPr>
-        <p:spPr>
-          <a:xfrm flipH="1" flipV="1">
-            <a:off x="3725819" y="1006144"/>
-            <a:ext cx="1452712" cy="260976"/>
-          </a:xfrm>
-          <a:prstGeom prst="line">
-            <a:avLst/>
-          </a:prstGeom>
-          <a:ln>
-            <a:solidFill>
-              <a:srgbClr val="FF0000"/>
-            </a:solidFill>
-            <a:prstDash val="dash"/>
-          </a:ln>
-        </p:spPr>
-        <p:style>
-          <a:lnRef idx="1">
-            <a:schemeClr val="accent1"/>
-          </a:lnRef>
-          <a:fillRef idx="0">
-            <a:schemeClr val="accent1"/>
-          </a:fillRef>
-          <a:effectRef idx="0">
-            <a:schemeClr val="accent1"/>
-          </a:effectRef>
-          <a:fontRef idx="minor">
-            <a:schemeClr val="tx1"/>
-          </a:fontRef>
-        </p:style>
-      </p:cxnSp>
-      <p:cxnSp>
-        <p:nvCxnSpPr>
-          <p:cNvPr id="146" name="直接连接符 145">
-            <a:extLst>
-              <a:ext uri="{FF2B5EF4-FFF2-40B4-BE49-F238E27FC236}">
-                <a16:creationId xmlns:a16="http://schemas.microsoft.com/office/drawing/2014/main" id="{4A8420F6-AD01-B0AE-B7A7-8CDC3BC82BA8}"/>
-              </a:ext>
-            </a:extLst>
-          </p:cNvPr>
-          <p:cNvCxnSpPr>
-            <a:cxnSpLocks/>
-            <a:endCxn id="137" idx="0"/>
-          </p:cNvCxnSpPr>
-          <p:nvPr/>
-        </p:nvCxnSpPr>
-        <p:spPr>
-          <a:xfrm flipH="1">
-            <a:off x="5163283" y="1349091"/>
-            <a:ext cx="135899" cy="824651"/>
-          </a:xfrm>
-          <a:prstGeom prst="line">
-            <a:avLst/>
-          </a:prstGeom>
-          <a:ln>
-            <a:solidFill>
-              <a:srgbClr val="FF0000"/>
-            </a:solidFill>
-            <a:prstDash val="dash"/>
-          </a:ln>
-        </p:spPr>
-        <p:style>
-          <a:lnRef idx="1">
-            <a:schemeClr val="accent1"/>
-          </a:lnRef>
-          <a:fillRef idx="0">
-            <a:schemeClr val="accent1"/>
-          </a:fillRef>
-          <a:effectRef idx="0">
-            <a:schemeClr val="accent1"/>
-          </a:effectRef>
-          <a:fontRef idx="minor">
-            <a:schemeClr val="tx1"/>
-          </a:fontRef>
-        </p:style>
-      </p:cxnSp>
-      <p:cxnSp>
-        <p:nvCxnSpPr>
-          <p:cNvPr id="147" name="直接连接符 146">
-            <a:extLst>
-              <a:ext uri="{FF2B5EF4-FFF2-40B4-BE49-F238E27FC236}">
-                <a16:creationId xmlns:a16="http://schemas.microsoft.com/office/drawing/2014/main" id="{378D8A53-E6EA-EBBA-2AC4-BA1B843B9488}"/>
-              </a:ext>
-            </a:extLst>
-          </p:cNvPr>
-          <p:cNvCxnSpPr>
-            <a:cxnSpLocks/>
-            <a:endCxn id="116" idx="3"/>
-          </p:cNvCxnSpPr>
-          <p:nvPr/>
-        </p:nvCxnSpPr>
-        <p:spPr>
-          <a:xfrm flipV="1">
-            <a:off x="1771597" y="1209805"/>
-            <a:ext cx="437239" cy="139286"/>
-          </a:xfrm>
-          <a:prstGeom prst="line">
-            <a:avLst/>
-          </a:prstGeom>
-          <a:ln>
-            <a:solidFill>
-              <a:srgbClr val="FF0000"/>
-            </a:solidFill>
-            <a:prstDash val="dash"/>
-          </a:ln>
-        </p:spPr>
-        <p:style>
-          <a:lnRef idx="1">
-            <a:schemeClr val="accent1"/>
-          </a:lnRef>
-          <a:fillRef idx="0">
-            <a:schemeClr val="accent1"/>
-          </a:fillRef>
-          <a:effectRef idx="0">
-            <a:schemeClr val="accent1"/>
-          </a:effectRef>
-          <a:fontRef idx="minor">
-            <a:schemeClr val="tx1"/>
-          </a:fontRef>
-        </p:style>
-      </p:cxnSp>
-      <p:cxnSp>
-        <p:nvCxnSpPr>
-          <p:cNvPr id="148" name="直接连接符 147">
-            <a:extLst>
-              <a:ext uri="{FF2B5EF4-FFF2-40B4-BE49-F238E27FC236}">
-                <a16:creationId xmlns:a16="http://schemas.microsoft.com/office/drawing/2014/main" id="{C9FEF684-EB67-5C61-0114-5ABA4BD184BA}"/>
-              </a:ext>
-            </a:extLst>
-          </p:cNvPr>
-          <p:cNvCxnSpPr>
-            <a:cxnSpLocks/>
-            <a:stCxn id="129" idx="2"/>
-          </p:cNvCxnSpPr>
-          <p:nvPr/>
-        </p:nvCxnSpPr>
-        <p:spPr>
-          <a:xfrm flipH="1" flipV="1">
-            <a:off x="1752203" y="1595612"/>
-            <a:ext cx="515960" cy="363052"/>
-          </a:xfrm>
-          <a:prstGeom prst="line">
-            <a:avLst/>
-          </a:prstGeom>
-          <a:ln>
-            <a:solidFill>
-              <a:srgbClr val="FF0000"/>
-            </a:solidFill>
-            <a:prstDash val="dash"/>
-          </a:ln>
-        </p:spPr>
-        <p:style>
-          <a:lnRef idx="1">
-            <a:schemeClr val="accent1"/>
-          </a:lnRef>
-          <a:fillRef idx="0">
-            <a:schemeClr val="accent1"/>
-          </a:fillRef>
-          <a:effectRef idx="0">
-            <a:schemeClr val="accent1"/>
-          </a:effectRef>
-          <a:fontRef idx="minor">
-            <a:schemeClr val="tx1"/>
-          </a:fontRef>
-        </p:style>
-      </p:cxnSp>
-      <p:cxnSp>
-        <p:nvCxnSpPr>
-          <p:cNvPr id="149" name="直接连接符 148">
-            <a:extLst>
-              <a:ext uri="{FF2B5EF4-FFF2-40B4-BE49-F238E27FC236}">
-                <a16:creationId xmlns:a16="http://schemas.microsoft.com/office/drawing/2014/main" id="{0B4BB1C1-50C3-7B2B-5CAF-126A851AF6B2}"/>
-              </a:ext>
-            </a:extLst>
-          </p:cNvPr>
-          <p:cNvCxnSpPr>
-            <a:cxnSpLocks/>
-            <a:endCxn id="129" idx="3"/>
-          </p:cNvCxnSpPr>
-          <p:nvPr/>
-        </p:nvCxnSpPr>
-        <p:spPr>
-          <a:xfrm flipV="1">
-            <a:off x="1977980" y="2108647"/>
-            <a:ext cx="375077" cy="564690"/>
-          </a:xfrm>
-          <a:prstGeom prst="line">
-            <a:avLst/>
-          </a:prstGeom>
-          <a:ln>
-            <a:solidFill>
-              <a:srgbClr val="FF0000"/>
-            </a:solidFill>
-            <a:prstDash val="dash"/>
-          </a:ln>
-        </p:spPr>
-        <p:style>
-          <a:lnRef idx="1">
-            <a:schemeClr val="accent1"/>
-          </a:lnRef>
-          <a:fillRef idx="0">
-            <a:schemeClr val="accent1"/>
-          </a:fillRef>
-          <a:effectRef idx="0">
-            <a:schemeClr val="accent1"/>
-          </a:effectRef>
-          <a:fontRef idx="minor">
-            <a:schemeClr val="tx1"/>
-          </a:fontRef>
-        </p:style>
-      </p:cxnSp>
-      <p:cxnSp>
-        <p:nvCxnSpPr>
-          <p:cNvPr id="150" name="直接连接符 149">
-            <a:extLst>
-              <a:ext uri="{FF2B5EF4-FFF2-40B4-BE49-F238E27FC236}">
-                <a16:creationId xmlns:a16="http://schemas.microsoft.com/office/drawing/2014/main" id="{E862CF52-1808-B3B9-D544-8A72E57AE3EE}"/>
-              </a:ext>
-            </a:extLst>
-          </p:cNvPr>
-          <p:cNvCxnSpPr>
-            <a:cxnSpLocks/>
-            <a:stCxn id="141" idx="6"/>
-            <a:endCxn id="140" idx="2"/>
-          </p:cNvCxnSpPr>
-          <p:nvPr/>
-        </p:nvCxnSpPr>
-        <p:spPr>
-          <a:xfrm flipV="1">
-            <a:off x="2138393" y="2684866"/>
-            <a:ext cx="555666" cy="82063"/>
-          </a:xfrm>
-          <a:prstGeom prst="line">
-            <a:avLst/>
-          </a:prstGeom>
-          <a:ln>
-            <a:solidFill>
-              <a:srgbClr val="FF0000"/>
-            </a:solidFill>
-            <a:prstDash val="dash"/>
-          </a:ln>
-        </p:spPr>
-        <p:style>
-          <a:lnRef idx="1">
-            <a:schemeClr val="accent1"/>
-          </a:lnRef>
-          <a:fillRef idx="0">
-            <a:schemeClr val="accent1"/>
-          </a:fillRef>
-          <a:effectRef idx="0">
-            <a:schemeClr val="accent1"/>
-          </a:effectRef>
-          <a:fontRef idx="minor">
-            <a:schemeClr val="tx1"/>
-          </a:fontRef>
-        </p:style>
-      </p:cxnSp>
-      <p:cxnSp>
-        <p:nvCxnSpPr>
-          <p:cNvPr id="151" name="直接连接符 150">
-            <a:extLst>
-              <a:ext uri="{FF2B5EF4-FFF2-40B4-BE49-F238E27FC236}">
-                <a16:creationId xmlns:a16="http://schemas.microsoft.com/office/drawing/2014/main" id="{EB53111C-1BDF-14AF-3527-0437CE165D57}"/>
-              </a:ext>
-            </a:extLst>
-          </p:cNvPr>
-          <p:cNvCxnSpPr>
-            <a:cxnSpLocks/>
-            <a:stCxn id="140" idx="7"/>
-          </p:cNvCxnSpPr>
-          <p:nvPr/>
-        </p:nvCxnSpPr>
-        <p:spPr>
-          <a:xfrm flipV="1">
-            <a:off x="3039636" y="1840150"/>
-            <a:ext cx="878367" cy="758470"/>
-          </a:xfrm>
-          <a:prstGeom prst="line">
-            <a:avLst/>
-          </a:prstGeom>
-          <a:ln>
-            <a:solidFill>
-              <a:srgbClr val="FF0000"/>
-            </a:solidFill>
-            <a:prstDash val="dash"/>
-          </a:ln>
-        </p:spPr>
-        <p:style>
-          <a:lnRef idx="1">
-            <a:schemeClr val="accent1"/>
-          </a:lnRef>
-          <a:fillRef idx="0">
-            <a:schemeClr val="accent1"/>
-          </a:fillRef>
-          <a:effectRef idx="0">
-            <a:schemeClr val="accent1"/>
-          </a:effectRef>
-          <a:fontRef idx="minor">
-            <a:schemeClr val="tx1"/>
-          </a:fontRef>
-        </p:style>
-      </p:cxnSp>
-      <p:cxnSp>
-        <p:nvCxnSpPr>
-          <p:cNvPr id="152" name="直接连接符 151">
-            <a:extLst>
-              <a:ext uri="{FF2B5EF4-FFF2-40B4-BE49-F238E27FC236}">
-                <a16:creationId xmlns:a16="http://schemas.microsoft.com/office/drawing/2014/main" id="{BF5EBA2E-4548-D04A-D8F1-7785975D8FEE}"/>
-              </a:ext>
-            </a:extLst>
-          </p:cNvPr>
-          <p:cNvCxnSpPr>
-            <a:cxnSpLocks/>
-            <a:stCxn id="137" idx="1"/>
-          </p:cNvCxnSpPr>
-          <p:nvPr/>
-        </p:nvCxnSpPr>
-        <p:spPr>
-          <a:xfrm flipH="1" flipV="1">
-            <a:off x="4109783" y="1791680"/>
-            <a:ext cx="717372" cy="455226"/>
-          </a:xfrm>
-          <a:prstGeom prst="line">
-            <a:avLst/>
-          </a:prstGeom>
-          <a:ln>
-            <a:solidFill>
-              <a:srgbClr val="FF0000"/>
-            </a:solidFill>
-            <a:prstDash val="dash"/>
-          </a:ln>
-        </p:spPr>
-        <p:style>
-          <a:lnRef idx="1">
-            <a:schemeClr val="accent1"/>
-          </a:lnRef>
-          <a:fillRef idx="0">
-            <a:schemeClr val="accent1"/>
-          </a:fillRef>
-          <a:effectRef idx="0">
-            <a:schemeClr val="accent1"/>
-          </a:effectRef>
-          <a:fontRef idx="minor">
-            <a:schemeClr val="tx1"/>
-          </a:fontRef>
-        </p:style>
-      </p:cxnSp>
-      <p:cxnSp>
-        <p:nvCxnSpPr>
-          <p:cNvPr id="153" name="直接连接符 152">
-            <a:extLst>
-              <a:ext uri="{FF2B5EF4-FFF2-40B4-BE49-F238E27FC236}">
-                <a16:creationId xmlns:a16="http://schemas.microsoft.com/office/drawing/2014/main" id="{BC74B4B7-C262-2A30-D08D-5D9624122D2D}"/>
-              </a:ext>
-            </a:extLst>
-          </p:cNvPr>
-          <p:cNvCxnSpPr>
-            <a:cxnSpLocks/>
-            <a:endCxn id="142" idx="2"/>
-          </p:cNvCxnSpPr>
-          <p:nvPr/>
-        </p:nvCxnSpPr>
-        <p:spPr>
-          <a:xfrm flipV="1">
-            <a:off x="2571873" y="1006143"/>
-            <a:ext cx="818963" cy="4854"/>
-          </a:xfrm>
-          <a:prstGeom prst="line">
-            <a:avLst/>
-          </a:prstGeom>
-          <a:ln>
-            <a:solidFill>
-              <a:srgbClr val="FF0000"/>
-            </a:solidFill>
-            <a:prstDash val="dash"/>
-          </a:ln>
-        </p:spPr>
-        <p:style>
-          <a:lnRef idx="1">
-            <a:schemeClr val="accent1"/>
-          </a:lnRef>
-          <a:fillRef idx="0">
-            <a:schemeClr val="accent1"/>
-          </a:fillRef>
-          <a:effectRef idx="0">
-            <a:schemeClr val="accent1"/>
-          </a:effectRef>
-          <a:fontRef idx="minor">
-            <a:schemeClr val="tx1"/>
-          </a:fontRef>
-        </p:style>
-      </p:cxnSp>
-      <p:sp>
-        <p:nvSpPr>
-          <p:cNvPr id="32" name="椭圆 31">
-            <a:extLst>
-              <a:ext uri="{FF2B5EF4-FFF2-40B4-BE49-F238E27FC236}">
-                <a16:creationId xmlns:a16="http://schemas.microsoft.com/office/drawing/2014/main" id="{156A66D7-D4D0-4AFE-B8E3-B462DE211ED2}"/>
-              </a:ext>
-            </a:extLst>
-          </p:cNvPr>
-          <p:cNvSpPr/>
-          <p:nvPr/>
-        </p:nvSpPr>
-        <p:spPr>
-          <a:xfrm>
-            <a:off x="6744363" y="3561614"/>
-            <a:ext cx="481012" cy="311322"/>
-          </a:xfrm>
-          <a:prstGeom prst="ellipse">
-            <a:avLst/>
-          </a:prstGeom>
-          <a:solidFill>
-            <a:schemeClr val="accent6"/>
-          </a:solidFill>
-          <a:ln>
-            <a:solidFill>
-              <a:schemeClr val="accent6"/>
-            </a:solidFill>
-          </a:ln>
-        </p:spPr>
-        <p:style>
-          <a:lnRef idx="2">
-            <a:schemeClr val="accent1">
-              <a:shade val="50000"/>
-            </a:schemeClr>
-          </a:lnRef>
-          <a:fillRef idx="1">
-            <a:schemeClr val="accent1"/>
-          </a:fillRef>
-          <a:effectRef idx="0">
-            <a:schemeClr val="accent1"/>
-          </a:effectRef>
-          <a:fontRef idx="minor">
-            <a:schemeClr val="lt1"/>
-          </a:fontRef>
-        </p:style>
-        <p:txBody>
-          <a:bodyPr rtlCol="0" anchor="ctr"/>
-          <a:lstStyle/>
-          <a:p>
-            <a:pPr algn="ctr"/>
-            <a:endParaRPr lang="zh-CN" altLang="en-US"/>
-          </a:p>
-        </p:txBody>
-      </p:sp>
-      <p:pic>
-        <p:nvPicPr>
-          <p:cNvPr id="81" name="图片 80">
-            <a:extLst>
-              <a:ext uri="{FF2B5EF4-FFF2-40B4-BE49-F238E27FC236}">
-                <a16:creationId xmlns:a16="http://schemas.microsoft.com/office/drawing/2014/main" id="{1E14DFE0-45D1-4F90-B586-2FA1E2C4468F}"/>
-              </a:ext>
-            </a:extLst>
-          </p:cNvPr>
-          <p:cNvPicPr>
-            <a:picLocks noChangeAspect="1"/>
-          </p:cNvPicPr>
-          <p:nvPr/>
-        </p:nvPicPr>
-        <p:blipFill>
-          <a:blip r:embed="rId2"/>
-          <a:stretch>
-            <a:fillRect/>
-          </a:stretch>
-        </p:blipFill>
-        <p:spPr>
-          <a:xfrm>
-            <a:off x="10804015" y="4863900"/>
-            <a:ext cx="337880" cy="211553"/>
-          </a:xfrm>
-          <a:prstGeom prst="rect">
-            <a:avLst/>
-          </a:prstGeom>
-        </p:spPr>
-      </p:pic>
-      <p:pic>
-        <p:nvPicPr>
-          <p:cNvPr id="82" name="图片 81">
-            <a:extLst>
-              <a:ext uri="{FF2B5EF4-FFF2-40B4-BE49-F238E27FC236}">
-                <a16:creationId xmlns:a16="http://schemas.microsoft.com/office/drawing/2014/main" id="{DA9C2FDF-1F9F-41BC-98AF-70DBCA54022B}"/>
-              </a:ext>
-            </a:extLst>
-          </p:cNvPr>
-          <p:cNvPicPr>
-            <a:picLocks noChangeAspect="1"/>
-          </p:cNvPicPr>
-          <p:nvPr/>
-        </p:nvPicPr>
-        <p:blipFill>
-          <a:blip r:embed="rId3"/>
-          <a:stretch>
-            <a:fillRect/>
-          </a:stretch>
-        </p:blipFill>
-        <p:spPr>
-          <a:xfrm>
-            <a:off x="10989139" y="5187936"/>
-            <a:ext cx="152756" cy="268841"/>
-          </a:xfrm>
-          <a:prstGeom prst="rect">
-            <a:avLst/>
-          </a:prstGeom>
-        </p:spPr>
-      </p:pic>
-      <p:graphicFrame>
-        <p:nvGraphicFramePr>
-          <p:cNvPr id="83" name="表格 82">
-            <a:extLst>
-              <a:ext uri="{FF2B5EF4-FFF2-40B4-BE49-F238E27FC236}">
-                <a16:creationId xmlns:a16="http://schemas.microsoft.com/office/drawing/2014/main" id="{7E9F9453-DBC3-4004-9F1E-ABBC0B3FC44B}"/>
-              </a:ext>
-            </a:extLst>
-          </p:cNvPr>
-          <p:cNvGraphicFramePr>
-            <a:graphicFrameLocks noGrp="1"/>
-          </p:cNvGraphicFramePr>
-          <p:nvPr>
-            <p:extLst>
-              <p:ext uri="{D42A27DB-BD31-4B8C-83A1-F6EECF244321}">
-                <p14:modId xmlns:p14="http://schemas.microsoft.com/office/powerpoint/2010/main" val="1640881835"/>
-              </p:ext>
-            </p:extLst>
-          </p:nvPr>
-        </p:nvGraphicFramePr>
-        <p:xfrm>
-          <a:off x="10496544" y="4429676"/>
-          <a:ext cx="1876666" cy="1080000"/>
-        </p:xfrm>
-        <a:graphic>
-          <a:graphicData uri="http://schemas.openxmlformats.org/drawingml/2006/table">
-            <a:tbl>
-              <a:tblPr firstRow="1" bandRow="1">
-                <a:tableStyleId>{2D5ABB26-0587-4C30-8999-92F81FD0307C}</a:tableStyleId>
-              </a:tblPr>
-              <a:tblGrid>
-                <a:gridCol w="651246">
-                  <a:extLst>
-                    <a:ext uri="{9D8B030D-6E8A-4147-A177-3AD203B41FA5}">
-                      <a16:colId xmlns:a16="http://schemas.microsoft.com/office/drawing/2014/main" val="3467127497"/>
-                    </a:ext>
-                  </a:extLst>
-                </a:gridCol>
-                <a:gridCol w="1225420">
-                  <a:extLst>
-                    <a:ext uri="{9D8B030D-6E8A-4147-A177-3AD203B41FA5}">
-                      <a16:colId xmlns:a16="http://schemas.microsoft.com/office/drawing/2014/main" val="4211873224"/>
-                    </a:ext>
-                  </a:extLst>
-                </a:gridCol>
-              </a:tblGrid>
-              <a:tr h="360000">
-                <a:tc>
-                  <a:txBody>
-                    <a:bodyPr/>
-                    <a:lstStyle/>
-                    <a:p>
-                      <a:endParaRPr lang="zh-CN" altLang="en-US" sz="1200" dirty="0">
-                        <a:latin typeface="楷体" panose="02010609060101010101" pitchFamily="49" charset="-122"/>
-                        <a:ea typeface="楷体" panose="02010609060101010101" pitchFamily="49" charset="-122"/>
-                      </a:endParaRPr>
-                    </a:p>
-                  </a:txBody>
-                  <a:tcPr anchor="ctr"/>
-                </a:tc>
-                <a:tc>
-                  <a:txBody>
-                    <a:bodyPr/>
-                    <a:lstStyle/>
-                    <a:p>
-                      <a:pPr marL="0" marR="0" lvl="0" indent="0" algn="l" defTabSz="914400" rtl="0" eaLnBrk="1" fontAlgn="auto" latinLnBrk="0" hangingPunct="1">
-                        <a:lnSpc>
-                          <a:spcPct val="100000"/>
-                        </a:lnSpc>
-                        <a:spcBef>
-                          <a:spcPts val="0"/>
-                        </a:spcBef>
-                        <a:spcAft>
-                          <a:spcPts val="0"/>
-                        </a:spcAft>
-                        <a:buClrTx/>
-                        <a:buSzTx/>
-                        <a:buFontTx/>
-                        <a:buNone/>
-                        <a:tabLst/>
-                        <a:defRPr/>
-                      </a:pPr>
-                      <a:r>
-                        <a:rPr lang="en-US" altLang="zh-CN" sz="1200" dirty="0">
-                          <a:latin typeface="Times New Roman" panose="02020603050405020304" pitchFamily="18" charset="0"/>
-                          <a:ea typeface="楷体" panose="02010609060101010101" pitchFamily="49" charset="-122"/>
-                          <a:cs typeface="Times New Roman" panose="02020603050405020304" pitchFamily="18" charset="0"/>
-                        </a:rPr>
-                        <a:t>Restored Areas</a:t>
-                      </a:r>
-                      <a:endParaRPr lang="zh-CN" altLang="en-US" sz="1200" b="0" dirty="0">
-                        <a:latin typeface="Times New Roman" panose="02020603050405020304" pitchFamily="18" charset="0"/>
-                        <a:ea typeface="楷体" panose="02010609060101010101" pitchFamily="49" charset="-122"/>
-                        <a:cs typeface="Times New Roman" panose="02020603050405020304" pitchFamily="18" charset="0"/>
-                      </a:endParaRPr>
-                    </a:p>
-                  </a:txBody>
-                  <a:tcPr anchor="ctr"/>
-                </a:tc>
-                <a:extLst>
-                  <a:ext uri="{0D108BD9-81ED-4DB2-BD59-A6C34878D82A}">
-                    <a16:rowId xmlns:a16="http://schemas.microsoft.com/office/drawing/2014/main" val="2184225305"/>
-                  </a:ext>
-                </a:extLst>
-              </a:tr>
-              <a:tr h="360000">
-                <a:tc>
-                  <a:txBody>
-                    <a:bodyPr/>
-                    <a:lstStyle/>
-                    <a:p>
-                      <a:endParaRPr lang="zh-CN" altLang="en-US" sz="1200" dirty="0">
-                        <a:latin typeface="楷体" panose="02010609060101010101" pitchFamily="49" charset="-122"/>
-                        <a:ea typeface="楷体" panose="02010609060101010101" pitchFamily="49" charset="-122"/>
-                      </a:endParaRPr>
-                    </a:p>
-                  </a:txBody>
-                  <a:tcPr anchor="ctr"/>
-                </a:tc>
-                <a:tc>
-                  <a:txBody>
-                    <a:bodyPr/>
-                    <a:lstStyle/>
-                    <a:p>
-                      <a:pPr marL="0" marR="0" lvl="0" indent="0" algn="l" defTabSz="914400" rtl="0" eaLnBrk="1" fontAlgn="auto" latinLnBrk="0" hangingPunct="1">
-                        <a:lnSpc>
-                          <a:spcPct val="100000"/>
-                        </a:lnSpc>
-                        <a:spcBef>
-                          <a:spcPts val="0"/>
-                        </a:spcBef>
-                        <a:spcAft>
-                          <a:spcPts val="0"/>
-                        </a:spcAft>
-                        <a:buClrTx/>
-                        <a:buSzTx/>
-                        <a:buFontTx/>
-                        <a:buNone/>
-                        <a:tabLst/>
-                        <a:defRPr/>
-                      </a:pPr>
-                      <a:r>
-                        <a:rPr lang="en-US" altLang="zh-CN" sz="1200" dirty="0">
-                          <a:latin typeface="Times New Roman" panose="02020603050405020304" pitchFamily="18" charset="0"/>
-                          <a:ea typeface="楷体" panose="02010609060101010101" pitchFamily="49" charset="-122"/>
-                          <a:cs typeface="Times New Roman" panose="02020603050405020304" pitchFamily="18" charset="0"/>
-                        </a:rPr>
-                        <a:t>UAV</a:t>
-                      </a:r>
-                      <a:endParaRPr lang="zh-CN" altLang="en-US" sz="1200" b="0" dirty="0">
-                        <a:latin typeface="Times New Roman" panose="02020603050405020304" pitchFamily="18" charset="0"/>
-                        <a:ea typeface="楷体" panose="02010609060101010101" pitchFamily="49" charset="-122"/>
-                        <a:cs typeface="Times New Roman" panose="02020603050405020304" pitchFamily="18" charset="0"/>
-                      </a:endParaRPr>
-                    </a:p>
-                  </a:txBody>
-                  <a:tcPr anchor="ctr"/>
-                </a:tc>
-                <a:extLst>
-                  <a:ext uri="{0D108BD9-81ED-4DB2-BD59-A6C34878D82A}">
-                    <a16:rowId xmlns:a16="http://schemas.microsoft.com/office/drawing/2014/main" val="477639652"/>
-                  </a:ext>
-                </a:extLst>
-              </a:tr>
-              <a:tr h="360000">
-                <a:tc>
-                  <a:txBody>
-                    <a:bodyPr/>
-                    <a:lstStyle/>
-                    <a:p>
-                      <a:endParaRPr lang="zh-CN" altLang="en-US" sz="1200" dirty="0">
-                        <a:latin typeface="楷体" panose="02010609060101010101" pitchFamily="49" charset="-122"/>
-                        <a:ea typeface="楷体" panose="02010609060101010101" pitchFamily="49" charset="-122"/>
-                      </a:endParaRPr>
-                    </a:p>
-                  </a:txBody>
-                  <a:tcPr anchor="ctr"/>
-                </a:tc>
-                <a:tc>
-                  <a:txBody>
-                    <a:bodyPr/>
-                    <a:lstStyle/>
-                    <a:p>
-                      <a:pPr algn="l"/>
-                      <a:r>
-                        <a:rPr lang="en-US" altLang="zh-CN" sz="1200" b="0" dirty="0">
-                          <a:latin typeface="Times New Roman" panose="02020603050405020304" pitchFamily="18" charset="0"/>
-                          <a:ea typeface="楷体" panose="02010609060101010101" pitchFamily="49" charset="-122"/>
-                          <a:cs typeface="Times New Roman" panose="02020603050405020304" pitchFamily="18" charset="0"/>
-                        </a:rPr>
-                        <a:t>Fusion Center</a:t>
-                      </a:r>
-                      <a:endParaRPr lang="zh-CN" altLang="en-US" sz="1200" b="0" dirty="0">
-                        <a:latin typeface="Times New Roman" panose="02020603050405020304" pitchFamily="18" charset="0"/>
-                        <a:ea typeface="楷体" panose="02010609060101010101" pitchFamily="49" charset="-122"/>
-                        <a:cs typeface="Times New Roman" panose="02020603050405020304" pitchFamily="18" charset="0"/>
-                      </a:endParaRPr>
-                    </a:p>
-                  </a:txBody>
-                  <a:tcPr anchor="ctr"/>
-                </a:tc>
-                <a:extLst>
-                  <a:ext uri="{0D108BD9-81ED-4DB2-BD59-A6C34878D82A}">
-                    <a16:rowId xmlns:a16="http://schemas.microsoft.com/office/drawing/2014/main" val="649694380"/>
-                  </a:ext>
-                </a:extLst>
-              </a:tr>
-            </a:tbl>
-          </a:graphicData>
-        </a:graphic>
-      </p:graphicFrame>
-      <p:sp>
-        <p:nvSpPr>
-          <p:cNvPr id="85" name="椭圆 84">
-            <a:extLst>
-              <a:ext uri="{FF2B5EF4-FFF2-40B4-BE49-F238E27FC236}">
-                <a16:creationId xmlns:a16="http://schemas.microsoft.com/office/drawing/2014/main" id="{106FC0AA-7438-443D-A6C6-99341E88C1B2}"/>
-              </a:ext>
-            </a:extLst>
-          </p:cNvPr>
-          <p:cNvSpPr/>
-          <p:nvPr/>
-        </p:nvSpPr>
-        <p:spPr>
-          <a:xfrm>
-            <a:off x="6874133" y="4364095"/>
-            <a:ext cx="579694" cy="424216"/>
-          </a:xfrm>
-          <a:prstGeom prst="ellipse">
-            <a:avLst/>
-          </a:prstGeom>
-          <a:solidFill>
-            <a:srgbClr val="99FF66"/>
-          </a:solidFill>
-          <a:ln>
-            <a:solidFill>
-              <a:srgbClr val="99FF66"/>
-            </a:solidFill>
-          </a:ln>
-        </p:spPr>
-        <p:style>
-          <a:lnRef idx="2">
-            <a:schemeClr val="accent1">
-              <a:shade val="50000"/>
-            </a:schemeClr>
-          </a:lnRef>
-          <a:fillRef idx="1">
-            <a:schemeClr val="accent1"/>
-          </a:fillRef>
-          <a:effectRef idx="0">
-            <a:schemeClr val="accent1"/>
-          </a:effectRef>
-          <a:fontRef idx="minor">
-            <a:schemeClr val="lt1"/>
-          </a:fontRef>
-        </p:style>
-        <p:txBody>
-          <a:bodyPr rtlCol="0" anchor="ctr"/>
-          <a:lstStyle/>
-          <a:p>
-            <a:pPr algn="ctr"/>
-            <a:endParaRPr lang="zh-CN" altLang="en-US"/>
-          </a:p>
-        </p:txBody>
-      </p:sp>
-      <p:sp>
-        <p:nvSpPr>
-          <p:cNvPr id="86" name="椭圆 85">
-            <a:extLst>
-              <a:ext uri="{FF2B5EF4-FFF2-40B4-BE49-F238E27FC236}">
-                <a16:creationId xmlns:a16="http://schemas.microsoft.com/office/drawing/2014/main" id="{EAF4F759-335E-4456-BBDA-A0F1173F9205}"/>
-              </a:ext>
-            </a:extLst>
-          </p:cNvPr>
-          <p:cNvSpPr/>
-          <p:nvPr/>
-        </p:nvSpPr>
-        <p:spPr>
-          <a:xfrm>
-            <a:off x="9293896" y="4791281"/>
-            <a:ext cx="950714" cy="499594"/>
-          </a:xfrm>
-          <a:prstGeom prst="ellipse">
-            <a:avLst/>
-          </a:prstGeom>
-          <a:solidFill>
-            <a:schemeClr val="accent4">
-              <a:lumMod val="20000"/>
-              <a:lumOff val="80000"/>
-            </a:schemeClr>
-          </a:solidFill>
-          <a:ln>
-            <a:solidFill>
-              <a:schemeClr val="accent4">
-                <a:lumMod val="20000"/>
-                <a:lumOff val="80000"/>
-              </a:schemeClr>
-            </a:solidFill>
-          </a:ln>
-        </p:spPr>
-        <p:style>
-          <a:lnRef idx="2">
-            <a:schemeClr val="accent1">
-              <a:shade val="50000"/>
-            </a:schemeClr>
-          </a:lnRef>
-          <a:fillRef idx="1">
-            <a:schemeClr val="accent1"/>
-          </a:fillRef>
-          <a:effectRef idx="0">
-            <a:schemeClr val="accent1"/>
-          </a:effectRef>
-          <a:fontRef idx="minor">
-            <a:schemeClr val="lt1"/>
-          </a:fontRef>
-        </p:style>
-        <p:txBody>
-          <a:bodyPr rtlCol="0" anchor="ctr"/>
-          <a:lstStyle/>
-          <a:p>
-            <a:pPr algn="ctr"/>
-            <a:endParaRPr lang="zh-CN" altLang="en-US"/>
-          </a:p>
-        </p:txBody>
-      </p:sp>
-      <p:sp>
-        <p:nvSpPr>
-          <p:cNvPr id="87" name="椭圆 86">
-            <a:extLst>
-              <a:ext uri="{FF2B5EF4-FFF2-40B4-BE49-F238E27FC236}">
-                <a16:creationId xmlns:a16="http://schemas.microsoft.com/office/drawing/2014/main" id="{5524CA76-140F-4835-9859-B9CA07495E40}"/>
-              </a:ext>
-            </a:extLst>
-          </p:cNvPr>
-          <p:cNvSpPr/>
-          <p:nvPr/>
-        </p:nvSpPr>
-        <p:spPr>
-          <a:xfrm>
-            <a:off x="7300029" y="5180435"/>
-            <a:ext cx="404869" cy="243939"/>
-          </a:xfrm>
-          <a:prstGeom prst="ellipse">
-            <a:avLst/>
-          </a:prstGeom>
-          <a:solidFill>
-            <a:schemeClr val="accent6">
-              <a:lumMod val="20000"/>
-              <a:lumOff val="80000"/>
-            </a:schemeClr>
-          </a:solidFill>
-          <a:ln>
-            <a:solidFill>
-              <a:schemeClr val="accent6">
-                <a:lumMod val="20000"/>
-                <a:lumOff val="80000"/>
-              </a:schemeClr>
-            </a:solidFill>
-          </a:ln>
-        </p:spPr>
-        <p:style>
-          <a:lnRef idx="2">
-            <a:schemeClr val="accent1">
-              <a:shade val="50000"/>
-            </a:schemeClr>
-          </a:lnRef>
-          <a:fillRef idx="1">
-            <a:schemeClr val="accent1"/>
-          </a:fillRef>
-          <a:effectRef idx="0">
-            <a:schemeClr val="accent1"/>
-          </a:effectRef>
-          <a:fontRef idx="minor">
-            <a:schemeClr val="lt1"/>
-          </a:fontRef>
-        </p:style>
-        <p:txBody>
-          <a:bodyPr rtlCol="0" anchor="ctr"/>
-          <a:lstStyle/>
-          <a:p>
-            <a:pPr algn="ctr"/>
-            <a:endParaRPr lang="zh-CN" altLang="en-US" dirty="0"/>
-          </a:p>
-        </p:txBody>
-      </p:sp>
-      <p:sp>
-        <p:nvSpPr>
-          <p:cNvPr id="88" name="椭圆 87">
-            <a:extLst>
-              <a:ext uri="{FF2B5EF4-FFF2-40B4-BE49-F238E27FC236}">
-                <a16:creationId xmlns:a16="http://schemas.microsoft.com/office/drawing/2014/main" id="{D5552AF1-4AD3-47BB-9BB3-D9D2A44FBAE8}"/>
-              </a:ext>
-            </a:extLst>
-          </p:cNvPr>
-          <p:cNvSpPr/>
-          <p:nvPr/>
-        </p:nvSpPr>
-        <p:spPr>
-          <a:xfrm>
-            <a:off x="6423538" y="5290875"/>
-            <a:ext cx="320825" cy="187186"/>
-          </a:xfrm>
-          <a:prstGeom prst="ellipse">
-            <a:avLst/>
-          </a:prstGeom>
-          <a:solidFill>
-            <a:schemeClr val="accent6"/>
-          </a:solidFill>
-          <a:ln>
-            <a:solidFill>
-              <a:schemeClr val="accent6"/>
-            </a:solidFill>
-          </a:ln>
-        </p:spPr>
-        <p:style>
-          <a:lnRef idx="2">
-            <a:schemeClr val="accent1">
-              <a:shade val="50000"/>
-            </a:schemeClr>
-          </a:lnRef>
-          <a:fillRef idx="1">
-            <a:schemeClr val="accent1"/>
-          </a:fillRef>
-          <a:effectRef idx="0">
-            <a:schemeClr val="accent1"/>
-          </a:effectRef>
-          <a:fontRef idx="minor">
-            <a:schemeClr val="lt1"/>
-          </a:fontRef>
-        </p:style>
-        <p:txBody>
-          <a:bodyPr rtlCol="0" anchor="ctr"/>
-          <a:lstStyle/>
-          <a:p>
-            <a:pPr algn="ctr"/>
-            <a:endParaRPr lang="zh-CN" altLang="en-US"/>
-          </a:p>
-        </p:txBody>
-      </p:sp>
-      <p:sp>
-        <p:nvSpPr>
-          <p:cNvPr id="89" name="椭圆 88">
-            <a:extLst>
-              <a:ext uri="{FF2B5EF4-FFF2-40B4-BE49-F238E27FC236}">
-                <a16:creationId xmlns:a16="http://schemas.microsoft.com/office/drawing/2014/main" id="{56684853-B42E-4298-A116-5E20313B31F0}"/>
-              </a:ext>
-            </a:extLst>
-          </p:cNvPr>
-          <p:cNvSpPr/>
-          <p:nvPr/>
-        </p:nvSpPr>
-        <p:spPr>
-          <a:xfrm>
-            <a:off x="7996806" y="3530089"/>
-            <a:ext cx="320825" cy="187186"/>
-          </a:xfrm>
-          <a:prstGeom prst="ellipse">
-            <a:avLst/>
-          </a:prstGeom>
-          <a:solidFill>
-            <a:schemeClr val="accent6">
-              <a:lumMod val="60000"/>
-              <a:lumOff val="40000"/>
-            </a:schemeClr>
-          </a:solidFill>
-          <a:ln>
-            <a:solidFill>
-              <a:schemeClr val="accent6">
-                <a:lumMod val="60000"/>
-                <a:lumOff val="40000"/>
-              </a:schemeClr>
-            </a:solidFill>
-          </a:ln>
-        </p:spPr>
-        <p:style>
-          <a:lnRef idx="2">
-            <a:schemeClr val="accent1">
-              <a:shade val="50000"/>
-            </a:schemeClr>
-          </a:lnRef>
-          <a:fillRef idx="1">
-            <a:schemeClr val="accent1"/>
-          </a:fillRef>
-          <a:effectRef idx="0">
-            <a:schemeClr val="accent1"/>
-          </a:effectRef>
-          <a:fontRef idx="minor">
-            <a:schemeClr val="lt1"/>
-          </a:fontRef>
-        </p:style>
-        <p:txBody>
-          <a:bodyPr rtlCol="0" anchor="ctr"/>
-          <a:lstStyle/>
-          <a:p>
-            <a:pPr algn="ctr"/>
-            <a:endParaRPr lang="zh-CN" altLang="en-US"/>
-          </a:p>
-        </p:txBody>
-      </p:sp>
-      <p:sp>
-        <p:nvSpPr>
-          <p:cNvPr id="90" name="椭圆 89">
-            <a:extLst>
-              <a:ext uri="{FF2B5EF4-FFF2-40B4-BE49-F238E27FC236}">
-                <a16:creationId xmlns:a16="http://schemas.microsoft.com/office/drawing/2014/main" id="{1CE7AA74-9D5A-4AAA-A95D-A5DF2804C342}"/>
-              </a:ext>
-            </a:extLst>
-          </p:cNvPr>
-          <p:cNvSpPr/>
-          <p:nvPr/>
-        </p:nvSpPr>
-        <p:spPr>
-          <a:xfrm>
-            <a:off x="9784501" y="3802688"/>
-            <a:ext cx="266247" cy="163942"/>
-          </a:xfrm>
-          <a:prstGeom prst="ellipse">
-            <a:avLst/>
-          </a:prstGeom>
-          <a:solidFill>
-            <a:schemeClr val="accent6">
-              <a:lumMod val="40000"/>
-              <a:lumOff val="60000"/>
-            </a:schemeClr>
-          </a:solidFill>
-          <a:ln>
-            <a:solidFill>
-              <a:schemeClr val="accent6">
-                <a:lumMod val="40000"/>
-                <a:lumOff val="60000"/>
-              </a:schemeClr>
-            </a:solidFill>
-          </a:ln>
-        </p:spPr>
-        <p:style>
-          <a:lnRef idx="2">
-            <a:schemeClr val="accent1">
-              <a:shade val="50000"/>
-            </a:schemeClr>
-          </a:lnRef>
-          <a:fillRef idx="1">
-            <a:schemeClr val="accent1"/>
-          </a:fillRef>
-          <a:effectRef idx="0">
-            <a:schemeClr val="accent1"/>
-          </a:effectRef>
-          <a:fontRef idx="minor">
-            <a:schemeClr val="lt1"/>
-          </a:fontRef>
-        </p:style>
-        <p:txBody>
-          <a:bodyPr rtlCol="0" anchor="ctr"/>
-          <a:lstStyle/>
-          <a:p>
-            <a:pPr algn="ctr"/>
-            <a:endParaRPr lang="zh-CN" altLang="en-US"/>
-          </a:p>
-        </p:txBody>
-      </p:sp>
-      <p:sp>
-        <p:nvSpPr>
-          <p:cNvPr id="91" name="椭圆 90">
-            <a:extLst>
-              <a:ext uri="{FF2B5EF4-FFF2-40B4-BE49-F238E27FC236}">
-                <a16:creationId xmlns:a16="http://schemas.microsoft.com/office/drawing/2014/main" id="{43995AF4-41C8-4140-9EDD-79336EB2E5E3}"/>
-              </a:ext>
-            </a:extLst>
-          </p:cNvPr>
-          <p:cNvSpPr/>
-          <p:nvPr/>
-        </p:nvSpPr>
-        <p:spPr>
-          <a:xfrm>
-            <a:off x="8422412" y="4270502"/>
-            <a:ext cx="320825" cy="187186"/>
-          </a:xfrm>
-          <a:prstGeom prst="ellipse">
-            <a:avLst/>
-          </a:prstGeom>
-          <a:solidFill>
-            <a:schemeClr val="accent4">
-              <a:lumMod val="60000"/>
-              <a:lumOff val="40000"/>
-            </a:schemeClr>
-          </a:solidFill>
-          <a:ln>
-            <a:solidFill>
-              <a:schemeClr val="accent4">
-                <a:lumMod val="60000"/>
-                <a:lumOff val="40000"/>
-              </a:schemeClr>
-            </a:solidFill>
-          </a:ln>
-        </p:spPr>
-        <p:style>
-          <a:lnRef idx="2">
-            <a:schemeClr val="accent1">
-              <a:shade val="50000"/>
-            </a:schemeClr>
-          </a:lnRef>
-          <a:fillRef idx="1">
-            <a:schemeClr val="accent1"/>
-          </a:fillRef>
-          <a:effectRef idx="0">
-            <a:schemeClr val="accent1"/>
-          </a:effectRef>
-          <a:fontRef idx="minor">
-            <a:schemeClr val="lt1"/>
-          </a:fontRef>
-        </p:style>
-        <p:txBody>
-          <a:bodyPr rtlCol="0" anchor="ctr"/>
-          <a:lstStyle/>
-          <a:p>
-            <a:pPr algn="ctr"/>
-            <a:endParaRPr lang="zh-CN" altLang="en-US" dirty="0"/>
-          </a:p>
-        </p:txBody>
-      </p:sp>
-      <p:cxnSp>
-        <p:nvCxnSpPr>
-          <p:cNvPr id="98" name="直接连接符 97">
-            <a:extLst>
-              <a:ext uri="{FF2B5EF4-FFF2-40B4-BE49-F238E27FC236}">
-                <a16:creationId xmlns:a16="http://schemas.microsoft.com/office/drawing/2014/main" id="{5A062957-1C32-4E9D-BD20-1D93A96E9478}"/>
-              </a:ext>
-            </a:extLst>
-          </p:cNvPr>
-          <p:cNvCxnSpPr>
-            <a:cxnSpLocks/>
-            <a:stCxn id="90" idx="2"/>
-          </p:cNvCxnSpPr>
-          <p:nvPr/>
-        </p:nvCxnSpPr>
-        <p:spPr>
-          <a:xfrm flipH="1" flipV="1">
-            <a:off x="8331789" y="3623683"/>
-            <a:ext cx="1452712" cy="260976"/>
-          </a:xfrm>
-          <a:prstGeom prst="line">
-            <a:avLst/>
-          </a:prstGeom>
-          <a:ln>
-            <a:solidFill>
-              <a:srgbClr val="FF0000"/>
-            </a:solidFill>
-            <a:prstDash val="dash"/>
-          </a:ln>
-        </p:spPr>
-        <p:style>
-          <a:lnRef idx="1">
-            <a:schemeClr val="accent1"/>
-          </a:lnRef>
-          <a:fillRef idx="0">
-            <a:schemeClr val="accent1"/>
-          </a:fillRef>
-          <a:effectRef idx="0">
-            <a:schemeClr val="accent1"/>
-          </a:effectRef>
-          <a:fontRef idx="minor">
-            <a:schemeClr val="tx1"/>
-          </a:fontRef>
-        </p:style>
-      </p:cxnSp>
-      <p:cxnSp>
-        <p:nvCxnSpPr>
-          <p:cNvPr id="100" name="直接连接符 99">
-            <a:extLst>
-              <a:ext uri="{FF2B5EF4-FFF2-40B4-BE49-F238E27FC236}">
-                <a16:creationId xmlns:a16="http://schemas.microsoft.com/office/drawing/2014/main" id="{2905FABD-C7CE-4565-980C-E8FB08CDF7A5}"/>
-              </a:ext>
-            </a:extLst>
-          </p:cNvPr>
-          <p:cNvCxnSpPr>
-            <a:cxnSpLocks/>
-            <a:endCxn id="86" idx="0"/>
-          </p:cNvCxnSpPr>
-          <p:nvPr/>
-        </p:nvCxnSpPr>
-        <p:spPr>
-          <a:xfrm flipH="1">
-            <a:off x="9769253" y="3966630"/>
-            <a:ext cx="135899" cy="824651"/>
-          </a:xfrm>
-          <a:prstGeom prst="line">
-            <a:avLst/>
-          </a:prstGeom>
-          <a:ln>
-            <a:solidFill>
-              <a:srgbClr val="FF0000"/>
-            </a:solidFill>
-            <a:prstDash val="dash"/>
-          </a:ln>
-        </p:spPr>
-        <p:style>
-          <a:lnRef idx="1">
-            <a:schemeClr val="accent1"/>
-          </a:lnRef>
-          <a:fillRef idx="0">
-            <a:schemeClr val="accent1"/>
-          </a:fillRef>
-          <a:effectRef idx="0">
-            <a:schemeClr val="accent1"/>
-          </a:effectRef>
-          <a:fontRef idx="minor">
-            <a:schemeClr val="tx1"/>
-          </a:fontRef>
-        </p:style>
-      </p:cxnSp>
-      <p:cxnSp>
-        <p:nvCxnSpPr>
-          <p:cNvPr id="104" name="直接连接符 103">
-            <a:extLst>
-              <a:ext uri="{FF2B5EF4-FFF2-40B4-BE49-F238E27FC236}">
-                <a16:creationId xmlns:a16="http://schemas.microsoft.com/office/drawing/2014/main" id="{0A450A4F-83D5-4FAD-9FCB-0E7385375766}"/>
-              </a:ext>
-            </a:extLst>
-          </p:cNvPr>
-          <p:cNvCxnSpPr>
-            <a:cxnSpLocks/>
-            <a:endCxn id="32" idx="3"/>
-          </p:cNvCxnSpPr>
-          <p:nvPr/>
-        </p:nvCxnSpPr>
-        <p:spPr>
-          <a:xfrm flipV="1">
-            <a:off x="6377567" y="3827344"/>
-            <a:ext cx="437239" cy="139286"/>
-          </a:xfrm>
-          <a:prstGeom prst="line">
-            <a:avLst/>
-          </a:prstGeom>
-          <a:ln>
-            <a:solidFill>
-              <a:srgbClr val="FF0000"/>
-            </a:solidFill>
-            <a:prstDash val="dash"/>
-          </a:ln>
-        </p:spPr>
-        <p:style>
-          <a:lnRef idx="1">
-            <a:schemeClr val="accent1"/>
-          </a:lnRef>
-          <a:fillRef idx="0">
-            <a:schemeClr val="accent1"/>
-          </a:fillRef>
-          <a:effectRef idx="0">
-            <a:schemeClr val="accent1"/>
-          </a:effectRef>
-          <a:fontRef idx="minor">
-            <a:schemeClr val="tx1"/>
-          </a:fontRef>
-        </p:style>
-      </p:cxnSp>
-      <p:cxnSp>
-        <p:nvCxnSpPr>
-          <p:cNvPr id="107" name="直接连接符 106">
-            <a:extLst>
-              <a:ext uri="{FF2B5EF4-FFF2-40B4-BE49-F238E27FC236}">
-                <a16:creationId xmlns:a16="http://schemas.microsoft.com/office/drawing/2014/main" id="{15987DC3-014D-4D63-AE04-436D4365A31A}"/>
-              </a:ext>
-            </a:extLst>
-          </p:cNvPr>
-          <p:cNvCxnSpPr>
-            <a:cxnSpLocks/>
-            <a:stCxn id="85" idx="2"/>
-          </p:cNvCxnSpPr>
-          <p:nvPr/>
-        </p:nvCxnSpPr>
-        <p:spPr>
-          <a:xfrm flipH="1" flipV="1">
-            <a:off x="6358173" y="4213151"/>
-            <a:ext cx="515960" cy="363052"/>
-          </a:xfrm>
-          <a:prstGeom prst="line">
-            <a:avLst/>
-          </a:prstGeom>
-          <a:ln>
-            <a:solidFill>
-              <a:srgbClr val="FF0000"/>
-            </a:solidFill>
-            <a:prstDash val="dash"/>
-          </a:ln>
-        </p:spPr>
-        <p:style>
-          <a:lnRef idx="1">
-            <a:schemeClr val="accent1"/>
-          </a:lnRef>
-          <a:fillRef idx="0">
-            <a:schemeClr val="accent1"/>
-          </a:fillRef>
-          <a:effectRef idx="0">
-            <a:schemeClr val="accent1"/>
-          </a:effectRef>
-          <a:fontRef idx="minor">
-            <a:schemeClr val="tx1"/>
-          </a:fontRef>
-        </p:style>
-      </p:cxnSp>
-      <p:cxnSp>
-        <p:nvCxnSpPr>
-          <p:cNvPr id="112" name="直接连接符 111">
-            <a:extLst>
-              <a:ext uri="{FF2B5EF4-FFF2-40B4-BE49-F238E27FC236}">
-                <a16:creationId xmlns:a16="http://schemas.microsoft.com/office/drawing/2014/main" id="{BCE1FACF-3BCC-41B4-828A-F7ED615D8DF7}"/>
-              </a:ext>
-            </a:extLst>
-          </p:cNvPr>
-          <p:cNvCxnSpPr>
-            <a:cxnSpLocks/>
-            <a:endCxn id="85" idx="3"/>
-          </p:cNvCxnSpPr>
-          <p:nvPr/>
-        </p:nvCxnSpPr>
-        <p:spPr>
-          <a:xfrm flipV="1">
-            <a:off x="6583950" y="4726186"/>
-            <a:ext cx="375077" cy="564690"/>
-          </a:xfrm>
-          <a:prstGeom prst="line">
-            <a:avLst/>
-          </a:prstGeom>
-          <a:ln>
-            <a:solidFill>
-              <a:srgbClr val="FF0000"/>
-            </a:solidFill>
-            <a:prstDash val="dash"/>
-          </a:ln>
-        </p:spPr>
-        <p:style>
-          <a:lnRef idx="1">
-            <a:schemeClr val="accent1"/>
-          </a:lnRef>
-          <a:fillRef idx="0">
-            <a:schemeClr val="accent1"/>
-          </a:fillRef>
-          <a:effectRef idx="0">
-            <a:schemeClr val="accent1"/>
-          </a:effectRef>
-          <a:fontRef idx="minor">
-            <a:schemeClr val="tx1"/>
-          </a:fontRef>
-        </p:style>
-      </p:cxnSp>
-      <p:cxnSp>
-        <p:nvCxnSpPr>
-          <p:cNvPr id="114" name="直接连接符 113">
-            <a:extLst>
-              <a:ext uri="{FF2B5EF4-FFF2-40B4-BE49-F238E27FC236}">
-                <a16:creationId xmlns:a16="http://schemas.microsoft.com/office/drawing/2014/main" id="{4F0CA8EF-A659-4D95-8DA6-974AF99C69B5}"/>
-              </a:ext>
-            </a:extLst>
-          </p:cNvPr>
-          <p:cNvCxnSpPr>
-            <a:cxnSpLocks/>
-            <a:stCxn id="88" idx="6"/>
-            <a:endCxn id="87" idx="2"/>
-          </p:cNvCxnSpPr>
-          <p:nvPr/>
-        </p:nvCxnSpPr>
-        <p:spPr>
-          <a:xfrm flipV="1">
-            <a:off x="6744363" y="5302405"/>
-            <a:ext cx="555666" cy="82063"/>
-          </a:xfrm>
-          <a:prstGeom prst="line">
-            <a:avLst/>
-          </a:prstGeom>
-          <a:ln>
-            <a:solidFill>
-              <a:srgbClr val="FF0000"/>
-            </a:solidFill>
-            <a:prstDash val="dash"/>
-          </a:ln>
-        </p:spPr>
-        <p:style>
-          <a:lnRef idx="1">
-            <a:schemeClr val="accent1"/>
-          </a:lnRef>
-          <a:fillRef idx="0">
-            <a:schemeClr val="accent1"/>
-          </a:fillRef>
-          <a:effectRef idx="0">
-            <a:schemeClr val="accent1"/>
-          </a:effectRef>
-          <a:fontRef idx="minor">
-            <a:schemeClr val="tx1"/>
-          </a:fontRef>
-        </p:style>
-      </p:cxnSp>
-      <p:cxnSp>
-        <p:nvCxnSpPr>
-          <p:cNvPr id="117" name="直接连接符 116">
-            <a:extLst>
-              <a:ext uri="{FF2B5EF4-FFF2-40B4-BE49-F238E27FC236}">
-                <a16:creationId xmlns:a16="http://schemas.microsoft.com/office/drawing/2014/main" id="{30DB5D06-5F94-4462-BA99-F9DB7D01B877}"/>
-              </a:ext>
-            </a:extLst>
-          </p:cNvPr>
-          <p:cNvCxnSpPr>
-            <a:cxnSpLocks/>
-            <a:stCxn id="87" idx="7"/>
-          </p:cNvCxnSpPr>
-          <p:nvPr/>
-        </p:nvCxnSpPr>
-        <p:spPr>
-          <a:xfrm flipV="1">
-            <a:off x="7645606" y="4457689"/>
-            <a:ext cx="878367" cy="758470"/>
-          </a:xfrm>
-          <a:prstGeom prst="line">
-            <a:avLst/>
-          </a:prstGeom>
-          <a:ln>
-            <a:solidFill>
-              <a:srgbClr val="FF0000"/>
-            </a:solidFill>
-            <a:prstDash val="dash"/>
-          </a:ln>
-        </p:spPr>
-        <p:style>
-          <a:lnRef idx="1">
-            <a:schemeClr val="accent1"/>
-          </a:lnRef>
-          <a:fillRef idx="0">
-            <a:schemeClr val="accent1"/>
-          </a:fillRef>
-          <a:effectRef idx="0">
-            <a:schemeClr val="accent1"/>
-          </a:effectRef>
-          <a:fontRef idx="minor">
-            <a:schemeClr val="tx1"/>
-          </a:fontRef>
-        </p:style>
-      </p:cxnSp>
-      <p:cxnSp>
-        <p:nvCxnSpPr>
-          <p:cNvPr id="120" name="直接连接符 119">
-            <a:extLst>
-              <a:ext uri="{FF2B5EF4-FFF2-40B4-BE49-F238E27FC236}">
-                <a16:creationId xmlns:a16="http://schemas.microsoft.com/office/drawing/2014/main" id="{D1D3CCF0-959C-4FD2-8CD9-2A0427933560}"/>
-              </a:ext>
-            </a:extLst>
-          </p:cNvPr>
-          <p:cNvCxnSpPr>
-            <a:cxnSpLocks/>
-            <a:stCxn id="86" idx="1"/>
-          </p:cNvCxnSpPr>
-          <p:nvPr/>
-        </p:nvCxnSpPr>
-        <p:spPr>
-          <a:xfrm flipH="1" flipV="1">
-            <a:off x="8715753" y="4409219"/>
-            <a:ext cx="717372" cy="455226"/>
-          </a:xfrm>
-          <a:prstGeom prst="line">
-            <a:avLst/>
-          </a:prstGeom>
-          <a:ln>
-            <a:solidFill>
-              <a:srgbClr val="FF0000"/>
-            </a:solidFill>
-            <a:prstDash val="dash"/>
-          </a:ln>
-        </p:spPr>
-        <p:style>
-          <a:lnRef idx="1">
-            <a:schemeClr val="accent1"/>
-          </a:lnRef>
-          <a:fillRef idx="0">
-            <a:schemeClr val="accent1"/>
-          </a:fillRef>
-          <a:effectRef idx="0">
-            <a:schemeClr val="accent1"/>
-          </a:effectRef>
-          <a:fontRef idx="minor">
-            <a:schemeClr val="tx1"/>
-          </a:fontRef>
-        </p:style>
-      </p:cxnSp>
-      <p:cxnSp>
-        <p:nvCxnSpPr>
-          <p:cNvPr id="123" name="直接连接符 122">
-            <a:extLst>
-              <a:ext uri="{FF2B5EF4-FFF2-40B4-BE49-F238E27FC236}">
-                <a16:creationId xmlns:a16="http://schemas.microsoft.com/office/drawing/2014/main" id="{3A1E1B46-8E05-431B-91F2-52B4A2C95A5C}"/>
-              </a:ext>
-            </a:extLst>
-          </p:cNvPr>
-          <p:cNvCxnSpPr>
-            <a:cxnSpLocks/>
-            <a:endCxn id="89" idx="2"/>
-          </p:cNvCxnSpPr>
-          <p:nvPr/>
-        </p:nvCxnSpPr>
-        <p:spPr>
-          <a:xfrm flipV="1">
-            <a:off x="7177843" y="3623682"/>
-            <a:ext cx="818963" cy="4854"/>
-          </a:xfrm>
-          <a:prstGeom prst="line">
-            <a:avLst/>
-          </a:prstGeom>
-          <a:ln>
-            <a:solidFill>
-              <a:srgbClr val="FF0000"/>
-            </a:solidFill>
-            <a:prstDash val="dash"/>
-          </a:ln>
-        </p:spPr>
-        <p:style>
-          <a:lnRef idx="1">
-            <a:schemeClr val="accent1"/>
-          </a:lnRef>
-          <a:fillRef idx="0">
-            <a:schemeClr val="accent1"/>
-          </a:fillRef>
-          <a:effectRef idx="0">
-            <a:schemeClr val="accent1"/>
-          </a:effectRef>
-          <a:fontRef idx="minor">
-            <a:schemeClr val="tx1"/>
-          </a:fontRef>
-        </p:style>
-      </p:cxnSp>
-      <p:sp>
-        <p:nvSpPr>
-          <p:cNvPr id="125" name="椭圆 124">
-            <a:extLst>
-              <a:ext uri="{FF2B5EF4-FFF2-40B4-BE49-F238E27FC236}">
-                <a16:creationId xmlns:a16="http://schemas.microsoft.com/office/drawing/2014/main" id="{A4FCA86C-CA16-4E97-B701-4B44472417D1}"/>
-              </a:ext>
-            </a:extLst>
-          </p:cNvPr>
-          <p:cNvSpPr/>
-          <p:nvPr/>
-        </p:nvSpPr>
-        <p:spPr>
-          <a:xfrm>
-            <a:off x="10810693" y="4506228"/>
-            <a:ext cx="320825" cy="187186"/>
-          </a:xfrm>
-          <a:prstGeom prst="ellipse">
-            <a:avLst/>
-          </a:prstGeom>
-          <a:solidFill>
-            <a:schemeClr val="accent6">
-              <a:lumMod val="60000"/>
-              <a:lumOff val="40000"/>
-            </a:schemeClr>
-          </a:solidFill>
-          <a:ln>
-            <a:solidFill>
-              <a:schemeClr val="accent6">
-                <a:lumMod val="60000"/>
-                <a:lumOff val="40000"/>
-              </a:schemeClr>
-            </a:solidFill>
-          </a:ln>
-        </p:spPr>
-        <p:style>
-          <a:lnRef idx="2">
-            <a:schemeClr val="accent1">
-              <a:shade val="50000"/>
-            </a:schemeClr>
-          </a:lnRef>
-          <a:fillRef idx="1">
-            <a:schemeClr val="accent1"/>
-          </a:fillRef>
-          <a:effectRef idx="0">
-            <a:schemeClr val="accent1"/>
-          </a:effectRef>
-          <a:fontRef idx="minor">
-            <a:schemeClr val="lt1"/>
-          </a:fontRef>
-        </p:style>
-        <p:txBody>
-          <a:bodyPr rtlCol="0" anchor="ctr"/>
-          <a:lstStyle/>
-          <a:p>
-            <a:pPr algn="ctr"/>
-            <a:endParaRPr lang="zh-CN" altLang="en-US"/>
-          </a:p>
-        </p:txBody>
-      </p:sp>
-      <p:grpSp>
-        <p:nvGrpSpPr>
-          <p:cNvPr id="2" name="组合 1">
-            <a:extLst>
-              <a:ext uri="{FF2B5EF4-FFF2-40B4-BE49-F238E27FC236}">
-                <a16:creationId xmlns:a16="http://schemas.microsoft.com/office/drawing/2014/main" id="{FC37F644-0EED-4077-B896-C18C609B11F9}"/>
-              </a:ext>
-            </a:extLst>
-          </p:cNvPr>
-          <p:cNvGrpSpPr/>
-          <p:nvPr/>
-        </p:nvGrpSpPr>
-        <p:grpSpPr>
-          <a:xfrm>
-            <a:off x="5016329" y="5849017"/>
-            <a:ext cx="2428729" cy="0"/>
-            <a:chOff x="3291323" y="5761329"/>
-            <a:chExt cx="2428729" cy="0"/>
-          </a:xfrm>
-        </p:grpSpPr>
-        <p:cxnSp>
-          <p:nvCxnSpPr>
-            <p:cNvPr id="127" name="直接连接符 126">
-              <a:extLst>
-                <a:ext uri="{FF2B5EF4-FFF2-40B4-BE49-F238E27FC236}">
-                  <a16:creationId xmlns:a16="http://schemas.microsoft.com/office/drawing/2014/main" id="{35872AB2-AA70-4250-8BEC-AC13AF701866}"/>
-                </a:ext>
-              </a:extLst>
-            </p:cNvPr>
-            <p:cNvCxnSpPr>
-              <a:cxnSpLocks/>
-            </p:cNvCxnSpPr>
-            <p:nvPr/>
-          </p:nvCxnSpPr>
-          <p:spPr>
-            <a:xfrm>
-              <a:off x="3291323" y="5761329"/>
-              <a:ext cx="304799" cy="0"/>
-            </a:xfrm>
-            <a:prstGeom prst="line">
-              <a:avLst/>
-            </a:prstGeom>
-            <a:ln w="76200">
-              <a:solidFill>
-                <a:schemeClr val="accent6">
-                  <a:lumMod val="50000"/>
-                </a:schemeClr>
-              </a:solidFill>
-            </a:ln>
-          </p:spPr>
-          <p:style>
-            <a:lnRef idx="1">
-              <a:schemeClr val="accent1"/>
-            </a:lnRef>
-            <a:fillRef idx="0">
-              <a:schemeClr val="accent1"/>
-            </a:fillRef>
-            <a:effectRef idx="0">
-              <a:schemeClr val="accent1"/>
-            </a:effectRef>
-            <a:fontRef idx="minor">
-              <a:schemeClr val="tx1"/>
-            </a:fontRef>
-          </p:style>
-        </p:cxnSp>
-        <p:cxnSp>
-          <p:nvCxnSpPr>
-            <p:cNvPr id="130" name="直接连接符 129">
-              <a:extLst>
-                <a:ext uri="{FF2B5EF4-FFF2-40B4-BE49-F238E27FC236}">
-                  <a16:creationId xmlns:a16="http://schemas.microsoft.com/office/drawing/2014/main" id="{7582B5A1-862A-452B-8FAC-4406712DA103}"/>
-                </a:ext>
-              </a:extLst>
-            </p:cNvPr>
-            <p:cNvCxnSpPr>
-              <a:cxnSpLocks/>
-            </p:cNvCxnSpPr>
-            <p:nvPr/>
-          </p:nvCxnSpPr>
-          <p:spPr>
-            <a:xfrm>
-              <a:off x="3596122" y="5761329"/>
-              <a:ext cx="304799" cy="0"/>
-            </a:xfrm>
-            <a:prstGeom prst="line">
-              <a:avLst/>
-            </a:prstGeom>
-            <a:ln w="76200">
-              <a:solidFill>
-                <a:schemeClr val="accent6">
-                  <a:lumMod val="75000"/>
-                </a:schemeClr>
-              </a:solidFill>
-            </a:ln>
-          </p:spPr>
-          <p:style>
-            <a:lnRef idx="1">
-              <a:schemeClr val="accent1"/>
-            </a:lnRef>
-            <a:fillRef idx="0">
-              <a:schemeClr val="accent1"/>
-            </a:fillRef>
-            <a:effectRef idx="0">
-              <a:schemeClr val="accent1"/>
-            </a:effectRef>
-            <a:fontRef idx="minor">
-              <a:schemeClr val="tx1"/>
-            </a:fontRef>
-          </p:style>
-        </p:cxnSp>
-        <p:cxnSp>
-          <p:nvCxnSpPr>
-            <p:cNvPr id="131" name="直接连接符 130">
-              <a:extLst>
-                <a:ext uri="{FF2B5EF4-FFF2-40B4-BE49-F238E27FC236}">
-                  <a16:creationId xmlns:a16="http://schemas.microsoft.com/office/drawing/2014/main" id="{E7091626-A268-4071-B01E-B75CE34DA591}"/>
-                </a:ext>
-              </a:extLst>
-            </p:cNvPr>
-            <p:cNvCxnSpPr>
-              <a:cxnSpLocks/>
-            </p:cNvCxnSpPr>
-            <p:nvPr/>
-          </p:nvCxnSpPr>
-          <p:spPr>
-            <a:xfrm>
-              <a:off x="3900921" y="5761329"/>
-              <a:ext cx="304799" cy="0"/>
-            </a:xfrm>
-            <a:prstGeom prst="line">
-              <a:avLst/>
-            </a:prstGeom>
-            <a:ln w="76200">
-              <a:solidFill>
-                <a:schemeClr val="accent6">
-                  <a:lumMod val="60000"/>
-                  <a:lumOff val="40000"/>
-                </a:schemeClr>
-              </a:solidFill>
-            </a:ln>
-          </p:spPr>
-          <p:style>
-            <a:lnRef idx="1">
-              <a:schemeClr val="accent1"/>
-            </a:lnRef>
-            <a:fillRef idx="0">
-              <a:schemeClr val="accent1"/>
-            </a:fillRef>
-            <a:effectRef idx="0">
-              <a:schemeClr val="accent1"/>
-            </a:effectRef>
-            <a:fontRef idx="minor">
-              <a:schemeClr val="tx1"/>
-            </a:fontRef>
-          </p:style>
-        </p:cxnSp>
-        <p:cxnSp>
-          <p:nvCxnSpPr>
-            <p:cNvPr id="132" name="直接连接符 131">
-              <a:extLst>
-                <a:ext uri="{FF2B5EF4-FFF2-40B4-BE49-F238E27FC236}">
-                  <a16:creationId xmlns:a16="http://schemas.microsoft.com/office/drawing/2014/main" id="{8A712C88-1551-489B-8A25-424997F2F6E8}"/>
-                </a:ext>
-              </a:extLst>
-            </p:cNvPr>
-            <p:cNvCxnSpPr>
-              <a:cxnSpLocks/>
-            </p:cNvCxnSpPr>
-            <p:nvPr/>
-          </p:nvCxnSpPr>
-          <p:spPr>
-            <a:xfrm>
-              <a:off x="4205720" y="5761329"/>
-              <a:ext cx="304799" cy="0"/>
-            </a:xfrm>
-            <a:prstGeom prst="line">
-              <a:avLst/>
-            </a:prstGeom>
-            <a:ln w="76200">
-              <a:solidFill>
-                <a:schemeClr val="accent6">
-                  <a:lumMod val="40000"/>
-                  <a:lumOff val="60000"/>
-                </a:schemeClr>
-              </a:solidFill>
-            </a:ln>
-          </p:spPr>
-          <p:style>
-            <a:lnRef idx="1">
-              <a:schemeClr val="accent1"/>
-            </a:lnRef>
-            <a:fillRef idx="0">
-              <a:schemeClr val="accent1"/>
-            </a:fillRef>
-            <a:effectRef idx="0">
-              <a:schemeClr val="accent1"/>
-            </a:effectRef>
-            <a:fontRef idx="minor">
-              <a:schemeClr val="tx1"/>
-            </a:fontRef>
-          </p:style>
-        </p:cxnSp>
-        <p:cxnSp>
-          <p:nvCxnSpPr>
-            <p:cNvPr id="133" name="直接连接符 132">
-              <a:extLst>
-                <a:ext uri="{FF2B5EF4-FFF2-40B4-BE49-F238E27FC236}">
-                  <a16:creationId xmlns:a16="http://schemas.microsoft.com/office/drawing/2014/main" id="{B2E57CC2-3201-4EB4-9353-F31B7C2548FC}"/>
-                </a:ext>
-              </a:extLst>
-            </p:cNvPr>
-            <p:cNvCxnSpPr>
-              <a:cxnSpLocks/>
-            </p:cNvCxnSpPr>
-            <p:nvPr/>
-          </p:nvCxnSpPr>
-          <p:spPr>
-            <a:xfrm>
-              <a:off x="4504031" y="5761329"/>
-              <a:ext cx="304799" cy="0"/>
-            </a:xfrm>
-            <a:prstGeom prst="line">
-              <a:avLst/>
-            </a:prstGeom>
-            <a:ln w="76200">
-              <a:solidFill>
-                <a:schemeClr val="accent6">
-                  <a:lumMod val="20000"/>
-                  <a:lumOff val="80000"/>
-                </a:schemeClr>
-              </a:solidFill>
-            </a:ln>
-          </p:spPr>
-          <p:style>
-            <a:lnRef idx="1">
-              <a:schemeClr val="accent1"/>
-            </a:lnRef>
-            <a:fillRef idx="0">
-              <a:schemeClr val="accent1"/>
-            </a:fillRef>
-            <a:effectRef idx="0">
-              <a:schemeClr val="accent1"/>
-            </a:effectRef>
-            <a:fontRef idx="minor">
-              <a:schemeClr val="tx1"/>
-            </a:fontRef>
-          </p:style>
-        </p:cxnSp>
-        <p:cxnSp>
-          <p:nvCxnSpPr>
-            <p:cNvPr id="134" name="直接连接符 133">
-              <a:extLst>
-                <a:ext uri="{FF2B5EF4-FFF2-40B4-BE49-F238E27FC236}">
-                  <a16:creationId xmlns:a16="http://schemas.microsoft.com/office/drawing/2014/main" id="{9C018857-F539-47EC-B581-27FC90ABD8B0}"/>
-                </a:ext>
-              </a:extLst>
-            </p:cNvPr>
-            <p:cNvCxnSpPr>
-              <a:cxnSpLocks/>
-            </p:cNvCxnSpPr>
-            <p:nvPr/>
-          </p:nvCxnSpPr>
-          <p:spPr>
-            <a:xfrm>
-              <a:off x="4805655" y="5761329"/>
-              <a:ext cx="304799" cy="0"/>
-            </a:xfrm>
-            <a:prstGeom prst="line">
-              <a:avLst/>
-            </a:prstGeom>
-            <a:ln w="76200">
-              <a:solidFill>
-                <a:schemeClr val="accent4">
-                  <a:lumMod val="20000"/>
-                  <a:lumOff val="80000"/>
-                </a:schemeClr>
-              </a:solidFill>
-            </a:ln>
-          </p:spPr>
-          <p:style>
-            <a:lnRef idx="1">
-              <a:schemeClr val="accent1"/>
-            </a:lnRef>
-            <a:fillRef idx="0">
-              <a:schemeClr val="accent1"/>
-            </a:fillRef>
-            <a:effectRef idx="0">
-              <a:schemeClr val="accent1"/>
-            </a:effectRef>
-            <a:fontRef idx="minor">
-              <a:schemeClr val="tx1"/>
-            </a:fontRef>
-          </p:style>
-        </p:cxnSp>
-        <p:cxnSp>
-          <p:nvCxnSpPr>
-            <p:cNvPr id="135" name="直接连接符 134">
-              <a:extLst>
-                <a:ext uri="{FF2B5EF4-FFF2-40B4-BE49-F238E27FC236}">
-                  <a16:creationId xmlns:a16="http://schemas.microsoft.com/office/drawing/2014/main" id="{91174E3C-4ECB-4D87-B353-EAA7279FB918}"/>
-                </a:ext>
-              </a:extLst>
-            </p:cNvPr>
-            <p:cNvCxnSpPr>
-              <a:cxnSpLocks/>
-            </p:cNvCxnSpPr>
-            <p:nvPr/>
-          </p:nvCxnSpPr>
-          <p:spPr>
-            <a:xfrm>
-              <a:off x="5110454" y="5761329"/>
-              <a:ext cx="304799" cy="0"/>
-            </a:xfrm>
-            <a:prstGeom prst="line">
-              <a:avLst/>
-            </a:prstGeom>
-            <a:ln w="76200">
-              <a:solidFill>
-                <a:schemeClr val="accent4">
-                  <a:lumMod val="40000"/>
-                  <a:lumOff val="60000"/>
-                </a:schemeClr>
-              </a:solidFill>
-            </a:ln>
-          </p:spPr>
-          <p:style>
-            <a:lnRef idx="1">
-              <a:schemeClr val="accent1"/>
-            </a:lnRef>
-            <a:fillRef idx="0">
-              <a:schemeClr val="accent1"/>
-            </a:fillRef>
-            <a:effectRef idx="0">
-              <a:schemeClr val="accent1"/>
-            </a:effectRef>
-            <a:fontRef idx="minor">
-              <a:schemeClr val="tx1"/>
-            </a:fontRef>
-          </p:style>
-        </p:cxnSp>
-        <p:cxnSp>
-          <p:nvCxnSpPr>
-            <p:cNvPr id="136" name="直接连接符 135">
-              <a:extLst>
-                <a:ext uri="{FF2B5EF4-FFF2-40B4-BE49-F238E27FC236}">
-                  <a16:creationId xmlns:a16="http://schemas.microsoft.com/office/drawing/2014/main" id="{F48C8A1F-CE2E-402D-9614-E6BA49C868CA}"/>
-                </a:ext>
-              </a:extLst>
-            </p:cNvPr>
-            <p:cNvCxnSpPr>
-              <a:cxnSpLocks/>
-            </p:cNvCxnSpPr>
-            <p:nvPr/>
-          </p:nvCxnSpPr>
-          <p:spPr>
-            <a:xfrm>
-              <a:off x="5415253" y="5761329"/>
-              <a:ext cx="304799" cy="0"/>
-            </a:xfrm>
-            <a:prstGeom prst="line">
-              <a:avLst/>
-            </a:prstGeom>
-            <a:ln w="76200">
-              <a:solidFill>
-                <a:schemeClr val="accent4">
-                  <a:lumMod val="60000"/>
-                  <a:lumOff val="40000"/>
-                </a:schemeClr>
-              </a:solidFill>
-            </a:ln>
-          </p:spPr>
-          <p:style>
-            <a:lnRef idx="1">
-              <a:schemeClr val="accent1"/>
-            </a:lnRef>
-            <a:fillRef idx="0">
-              <a:schemeClr val="accent1"/>
-            </a:fillRef>
-            <a:effectRef idx="0">
-              <a:schemeClr val="accent1"/>
-            </a:effectRef>
-            <a:fontRef idx="minor">
-              <a:schemeClr val="tx1"/>
-            </a:fontRef>
-          </p:style>
-        </p:cxnSp>
-      </p:grpSp>
-      <p:graphicFrame>
-        <p:nvGraphicFramePr>
-          <p:cNvPr id="138" name="表格 137">
-            <a:extLst>
-              <a:ext uri="{FF2B5EF4-FFF2-40B4-BE49-F238E27FC236}">
-                <a16:creationId xmlns:a16="http://schemas.microsoft.com/office/drawing/2014/main" id="{25544287-53A3-46CC-8105-0C1231B586C6}"/>
-              </a:ext>
-            </a:extLst>
-          </p:cNvPr>
-          <p:cNvGraphicFramePr>
-            <a:graphicFrameLocks noGrp="1"/>
-          </p:cNvGraphicFramePr>
           <p:nvPr>
             <p:extLst>
               <p:ext uri="{D42A27DB-BD31-4B8C-83A1-F6EECF244321}">
@@ -11526,36 +9246,6 @@
     <p:extLst>
       <p:ext uri="{BB962C8B-B14F-4D97-AF65-F5344CB8AC3E}">
         <p14:creationId xmlns:p14="http://schemas.microsoft.com/office/powerpoint/2010/main" val="591057864"/>
-      </p:ext>
-    </p:extLst>
-  </p:cSld>
-  <p:clrMapOvr>
-    <a:masterClrMapping/>
-  </p:clrMapOvr>
-</p:sld>
-</file>
-
-<file path=ppt/slides/slide3.xml><?xml version="1.0" encoding="utf-8"?>
-<p:sld xmlns:a="http://schemas.openxmlformats.org/drawingml/2006/main" xmlns:r="http://schemas.openxmlformats.org/officeDocument/2006/relationships" xmlns:p="http://schemas.openxmlformats.org/presentationml/2006/main">
-  <p:cSld>
-    <p:spTree>
-      <p:nvGrpSpPr>
-        <p:cNvPr id="1" name=""/>
-        <p:cNvGrpSpPr/>
-        <p:nvPr/>
-      </p:nvGrpSpPr>
-      <p:grpSpPr>
-        <a:xfrm>
-          <a:off x="0" y="0"/>
-          <a:ext cx="0" cy="0"/>
-          <a:chOff x="0" y="0"/>
-          <a:chExt cx="0" cy="0"/>
-        </a:xfrm>
-      </p:grpSpPr>
-    </p:spTree>
-    <p:extLst>
-      <p:ext uri="{BB962C8B-B14F-4D97-AF65-F5344CB8AC3E}">
-        <p14:creationId xmlns:p14="http://schemas.microsoft.com/office/powerpoint/2010/main" val="162339875"/>
       </p:ext>
     </p:extLst>
   </p:cSld>

--- a/graduate/Model/PPT/modify.pptx
+++ b/graduate/Model/PPT/modify.pptx
@@ -3452,7 +3452,7 @@
         </p:nvSpPr>
         <p:spPr>
           <a:xfrm>
-            <a:off x="592466" y="787145"/>
+            <a:off x="617405" y="795458"/>
             <a:ext cx="5777035" cy="2356255"/>
           </a:xfrm>
           <a:prstGeom prst="parallelogram">
@@ -3508,7 +3508,7 @@
         </p:nvSpPr>
         <p:spPr>
           <a:xfrm>
-            <a:off x="5833923" y="784038"/>
+            <a:off x="5833923" y="792351"/>
             <a:ext cx="5777035" cy="2356255"/>
           </a:xfrm>
           <a:prstGeom prst="parallelogram">

--- a/graduate/Model/PPT/modify.pptx
+++ b/graduate/Model/PPT/modify.pptx
@@ -259,7 +259,7 @@
           <a:p>
             <a:fld id="{8BAC98EB-E85E-44E3-A3A9-907AEEB7F427}" type="datetimeFigureOut">
               <a:rPr lang="zh-CN" altLang="en-US" smtClean="0"/>
-              <a:t>2022/5/17</a:t>
+              <a:t>2022/5/18</a:t>
             </a:fld>
             <a:endParaRPr lang="zh-CN" altLang="en-US"/>
           </a:p>
@@ -457,7 +457,7 @@
           <a:p>
             <a:fld id="{8BAC98EB-E85E-44E3-A3A9-907AEEB7F427}" type="datetimeFigureOut">
               <a:rPr lang="zh-CN" altLang="en-US" smtClean="0"/>
-              <a:t>2022/5/17</a:t>
+              <a:t>2022/5/18</a:t>
             </a:fld>
             <a:endParaRPr lang="zh-CN" altLang="en-US"/>
           </a:p>
@@ -665,7 +665,7 @@
           <a:p>
             <a:fld id="{8BAC98EB-E85E-44E3-A3A9-907AEEB7F427}" type="datetimeFigureOut">
               <a:rPr lang="zh-CN" altLang="en-US" smtClean="0"/>
-              <a:t>2022/5/17</a:t>
+              <a:t>2022/5/18</a:t>
             </a:fld>
             <a:endParaRPr lang="zh-CN" altLang="en-US"/>
           </a:p>
@@ -863,7 +863,7 @@
           <a:p>
             <a:fld id="{8BAC98EB-E85E-44E3-A3A9-907AEEB7F427}" type="datetimeFigureOut">
               <a:rPr lang="zh-CN" altLang="en-US" smtClean="0"/>
-              <a:t>2022/5/17</a:t>
+              <a:t>2022/5/18</a:t>
             </a:fld>
             <a:endParaRPr lang="zh-CN" altLang="en-US"/>
           </a:p>
@@ -1138,7 +1138,7 @@
           <a:p>
             <a:fld id="{8BAC98EB-E85E-44E3-A3A9-907AEEB7F427}" type="datetimeFigureOut">
               <a:rPr lang="zh-CN" altLang="en-US" smtClean="0"/>
-              <a:t>2022/5/17</a:t>
+              <a:t>2022/5/18</a:t>
             </a:fld>
             <a:endParaRPr lang="zh-CN" altLang="en-US"/>
           </a:p>
@@ -1403,7 +1403,7 @@
           <a:p>
             <a:fld id="{8BAC98EB-E85E-44E3-A3A9-907AEEB7F427}" type="datetimeFigureOut">
               <a:rPr lang="zh-CN" altLang="en-US" smtClean="0"/>
-              <a:t>2022/5/17</a:t>
+              <a:t>2022/5/18</a:t>
             </a:fld>
             <a:endParaRPr lang="zh-CN" altLang="en-US"/>
           </a:p>
@@ -1815,7 +1815,7 @@
           <a:p>
             <a:fld id="{8BAC98EB-E85E-44E3-A3A9-907AEEB7F427}" type="datetimeFigureOut">
               <a:rPr lang="zh-CN" altLang="en-US" smtClean="0"/>
-              <a:t>2022/5/17</a:t>
+              <a:t>2022/5/18</a:t>
             </a:fld>
             <a:endParaRPr lang="zh-CN" altLang="en-US"/>
           </a:p>
@@ -1956,7 +1956,7 @@
           <a:p>
             <a:fld id="{8BAC98EB-E85E-44E3-A3A9-907AEEB7F427}" type="datetimeFigureOut">
               <a:rPr lang="zh-CN" altLang="en-US" smtClean="0"/>
-              <a:t>2022/5/17</a:t>
+              <a:t>2022/5/18</a:t>
             </a:fld>
             <a:endParaRPr lang="zh-CN" altLang="en-US"/>
           </a:p>
@@ -2069,7 +2069,7 @@
           <a:p>
             <a:fld id="{8BAC98EB-E85E-44E3-A3A9-907AEEB7F427}" type="datetimeFigureOut">
               <a:rPr lang="zh-CN" altLang="en-US" smtClean="0"/>
-              <a:t>2022/5/17</a:t>
+              <a:t>2022/5/18</a:t>
             </a:fld>
             <a:endParaRPr lang="zh-CN" altLang="en-US"/>
           </a:p>
@@ -2380,7 +2380,7 @@
           <a:p>
             <a:fld id="{8BAC98EB-E85E-44E3-A3A9-907AEEB7F427}" type="datetimeFigureOut">
               <a:rPr lang="zh-CN" altLang="en-US" smtClean="0"/>
-              <a:t>2022/5/17</a:t>
+              <a:t>2022/5/18</a:t>
             </a:fld>
             <a:endParaRPr lang="zh-CN" altLang="en-US"/>
           </a:p>
@@ -2668,7 +2668,7 @@
           <a:p>
             <a:fld id="{8BAC98EB-E85E-44E3-A3A9-907AEEB7F427}" type="datetimeFigureOut">
               <a:rPr lang="zh-CN" altLang="en-US" smtClean="0"/>
-              <a:t>2022/5/17</a:t>
+              <a:t>2022/5/18</a:t>
             </a:fld>
             <a:endParaRPr lang="zh-CN" altLang="en-US"/>
           </a:p>
@@ -2909,7 +2909,7 @@
           <a:p>
             <a:fld id="{8BAC98EB-E85E-44E3-A3A9-907AEEB7F427}" type="datetimeFigureOut">
               <a:rPr lang="zh-CN" altLang="en-US" smtClean="0"/>
-              <a:t>2022/5/17</a:t>
+              <a:t>2022/5/18</a:t>
             </a:fld>
             <a:endParaRPr lang="zh-CN" altLang="en-US"/>
           </a:p>
@@ -5704,7 +5704,7 @@
           <p:nvPr>
             <p:extLst>
               <p:ext uri="{D42A27DB-BD31-4B8C-83A1-F6EECF244321}">
-                <p14:modId xmlns:p14="http://schemas.microsoft.com/office/powerpoint/2010/main" val="1640881835"/>
+                <p14:modId xmlns:p14="http://schemas.microsoft.com/office/powerpoint/2010/main" val="789393845"/>
               </p:ext>
             </p:extLst>
           </p:nvPr>
@@ -5772,16 +5772,16 @@
                         <a:defRPr/>
                       </a:pPr>
                       <a:r>
-                        <a:rPr lang="en-US" altLang="zh-CN" sz="1200" dirty="0">
-                          <a:latin typeface="Times New Roman" panose="02020603050405020304" pitchFamily="18" charset="0"/>
-                          <a:ea typeface="楷体" panose="02010609060101010101" pitchFamily="49" charset="-122"/>
+                        <a:rPr lang="zh-CN" altLang="en-US" sz="1200" dirty="0">
+                          <a:latin typeface="宋体" panose="02010600030101010101" pitchFamily="2" charset="-122"/>
+                          <a:ea typeface="宋体" panose="02010600030101010101" pitchFamily="2" charset="-122"/>
                           <a:cs typeface="Times New Roman" panose="02020603050405020304" pitchFamily="18" charset="0"/>
                         </a:rPr>
-                        <a:t>Restored Areas</a:t>
+                        <a:t>退化区域</a:t>
                       </a:r>
                       <a:endParaRPr lang="zh-CN" altLang="en-US" sz="1200" b="0" dirty="0">
-                        <a:latin typeface="Times New Roman" panose="02020603050405020304" pitchFamily="18" charset="0"/>
-                        <a:ea typeface="楷体" panose="02010609060101010101" pitchFamily="49" charset="-122"/>
+                        <a:latin typeface="宋体" panose="02010600030101010101" pitchFamily="2" charset="-122"/>
+                        <a:ea typeface="宋体" panose="02010600030101010101" pitchFamily="2" charset="-122"/>
                         <a:cs typeface="Times New Roman" panose="02020603050405020304" pitchFamily="18" charset="0"/>
                       </a:endParaRPr>
                     </a:p>
@@ -5831,16 +5831,16 @@
                         <a:defRPr/>
                       </a:pPr>
                       <a:r>
-                        <a:rPr lang="en-US" altLang="zh-CN" sz="1200" dirty="0">
-                          <a:latin typeface="Times New Roman" panose="02020603050405020304" pitchFamily="18" charset="0"/>
-                          <a:ea typeface="楷体" panose="02010609060101010101" pitchFamily="49" charset="-122"/>
+                        <a:rPr lang="zh-CN" altLang="en-US" sz="1200" dirty="0">
+                          <a:latin typeface="宋体" panose="02010600030101010101" pitchFamily="2" charset="-122"/>
+                          <a:ea typeface="宋体" panose="02010600030101010101" pitchFamily="2" charset="-122"/>
                           <a:cs typeface="Times New Roman" panose="02020603050405020304" pitchFamily="18" charset="0"/>
                         </a:rPr>
-                        <a:t>UAV</a:t>
+                        <a:t>无人机</a:t>
                       </a:r>
                       <a:endParaRPr lang="zh-CN" altLang="en-US" sz="1200" b="0" dirty="0">
-                        <a:latin typeface="Times New Roman" panose="02020603050405020304" pitchFamily="18" charset="0"/>
-                        <a:ea typeface="楷体" panose="02010609060101010101" pitchFamily="49" charset="-122"/>
+                        <a:latin typeface="宋体" panose="02010600030101010101" pitchFamily="2" charset="-122"/>
+                        <a:ea typeface="宋体" panose="02010600030101010101" pitchFamily="2" charset="-122"/>
                         <a:cs typeface="Times New Roman" panose="02020603050405020304" pitchFamily="18" charset="0"/>
                       </a:endParaRPr>
                     </a:p>
@@ -5874,18 +5874,13 @@
                     <a:p>
                       <a:pPr algn="l"/>
                       <a:r>
-                        <a:rPr lang="en-US" altLang="zh-CN" sz="1200" b="0" dirty="0">
-                          <a:latin typeface="Times New Roman" panose="02020603050405020304" pitchFamily="18" charset="0"/>
-                          <a:ea typeface="楷体" panose="02010609060101010101" pitchFamily="49" charset="-122"/>
+                        <a:rPr lang="zh-CN" altLang="en-US" sz="1200" b="0" dirty="0">
+                          <a:latin typeface="宋体" panose="02010600030101010101" pitchFamily="2" charset="-122"/>
+                          <a:ea typeface="宋体" panose="02010600030101010101" pitchFamily="2" charset="-122"/>
                           <a:cs typeface="Times New Roman" panose="02020603050405020304" pitchFamily="18" charset="0"/>
                         </a:rPr>
-                        <a:t>Fusion Center</a:t>
+                        <a:t>融合中心</a:t>
                       </a:r>
-                      <a:endParaRPr lang="zh-CN" altLang="en-US" sz="1200" b="0" dirty="0">
-                        <a:latin typeface="Times New Roman" panose="02020603050405020304" pitchFamily="18" charset="0"/>
-                        <a:ea typeface="楷体" panose="02010609060101010101" pitchFamily="49" charset="-122"/>
-                        <a:cs typeface="Times New Roman" panose="02020603050405020304" pitchFamily="18" charset="0"/>
-                      </a:endParaRPr>
                     </a:p>
                   </a:txBody>
                   <a:tcPr anchor="ctr"/>
@@ -6788,7 +6783,7 @@
         </p:nvGrpSpPr>
         <p:grpSpPr>
           <a:xfrm>
-            <a:off x="5016329" y="5849017"/>
+            <a:off x="4521519" y="5841482"/>
             <a:ext cx="2428729" cy="0"/>
             <a:chOff x="3291323" y="5761329"/>
             <a:chExt cx="2428729" cy="0"/>
@@ -7176,13 +7171,13 @@
           <p:nvPr>
             <p:extLst>
               <p:ext uri="{D42A27DB-BD31-4B8C-83A1-F6EECF244321}">
-                <p14:modId xmlns:p14="http://schemas.microsoft.com/office/powerpoint/2010/main" val="22576461"/>
+                <p14:modId xmlns:p14="http://schemas.microsoft.com/office/powerpoint/2010/main" val="2470518373"/>
               </p:ext>
             </p:extLst>
           </p:nvPr>
         </p:nvGraphicFramePr>
         <p:xfrm>
-          <a:off x="5004247" y="5915899"/>
+          <a:off x="4509437" y="5908364"/>
           <a:ext cx="2449580" cy="274320"/>
         </p:xfrm>
         <a:graphic>
@@ -7400,7 +7395,7 @@
         </p:nvSpPr>
         <p:spPr>
           <a:xfrm>
-            <a:off x="3399462" y="5807144"/>
+            <a:off x="3255568" y="5804767"/>
             <a:ext cx="1557568" cy="276999"/>
           </a:xfrm>
           <a:prstGeom prst="rect">
@@ -7416,14 +7411,16 @@
           <a:p>
             <a:pPr algn="ctr"/>
             <a:r>
-              <a:rPr lang="en-US" altLang="zh-CN" sz="1200" b="1" dirty="0">
-                <a:latin typeface="Times New Roman" panose="02020603050405020304" pitchFamily="18" charset="0"/>
+              <a:rPr lang="zh-CN" altLang="en-US" sz="1200" b="1" dirty="0">
+                <a:latin typeface="宋体" panose="02010600030101010101" pitchFamily="2" charset="-122"/>
+                <a:ea typeface="宋体" panose="02010600030101010101" pitchFamily="2" charset="-122"/>
                 <a:cs typeface="Times New Roman" panose="02020603050405020304" pitchFamily="18" charset="0"/>
               </a:rPr>
-              <a:t>Degradation Degree</a:t>
+              <a:t>退化程度</a:t>
             </a:r>
-            <a:endParaRPr lang="en-US" altLang="zh-CN" sz="1200" dirty="0">
-              <a:latin typeface="Times New Roman" panose="02020603050405020304" pitchFamily="18" charset="0"/>
+            <a:endParaRPr lang="en-US" altLang="zh-CN" sz="1200" b="1" dirty="0">
+              <a:latin typeface="宋体" panose="02010600030101010101" pitchFamily="2" charset="-122"/>
+              <a:ea typeface="宋体" panose="02010600030101010101" pitchFamily="2" charset="-122"/>
               <a:cs typeface="Times New Roman" panose="02020603050405020304" pitchFamily="18" charset="0"/>
             </a:endParaRPr>
           </a:p>
